--- a/presentations/103 - Intro to Spring Cloud Services/Session_7_SC_Discovery_LB.pptx
+++ b/presentations/103 - Intro to Spring Cloud Services/Session_7_SC_Discovery_LB.pptx
@@ -245,7 +245,7 @@
           <a:p>
             <a:fld id="{372E5B6B-8713-8747-AE5B-F1241B2BF5F0}" type="datetimeFigureOut">
               <a:rPr lang="en-US" smtClean="0"/>
-              <a:t>9/1/17</a:t>
+              <a:t>9/7/17</a:t>
             </a:fld>
             <a:endParaRPr lang="en-US"/>
           </a:p>
@@ -411,7 +411,7 @@
           <a:p>
             <a:fld id="{7E7B7340-DDD5-1B49-81AA-25BC4050C073}" type="datetimeFigureOut">
               <a:rPr lang="en-US" smtClean="0"/>
-              <a:t>9/1/17</a:t>
+              <a:t>9/7/17</a:t>
             </a:fld>
             <a:endParaRPr lang="en-US"/>
           </a:p>
@@ -1427,7 +1427,7 @@
               <a:t>The server is easily embeddable in a Spring Boot application using </a:t>
             </a:r>
             <a:r>
-              <a:rPr lang="en-US" sz="1200" b="1" kern="1200" dirty="0" err="1" smtClean="0">
+              <a:rPr lang="en-US" sz="1200" b="1" kern="1200" dirty="0" smtClean="0">
                 <a:solidFill>
                   <a:schemeClr val="tx1"/>
                 </a:solidFill>
@@ -1436,7 +1436,19 @@
                 <a:ea typeface="+mn-ea"/>
                 <a:cs typeface="+mn-cs"/>
               </a:rPr>
-              <a:t>the@EnableConfigServer</a:t>
+              <a:t>the @</a:t>
+            </a:r>
+            <a:r>
+              <a:rPr lang="en-US" sz="1200" b="1" kern="1200" dirty="0" err="1" smtClean="0">
+                <a:solidFill>
+                  <a:schemeClr val="tx1"/>
+                </a:solidFill>
+                <a:effectLst/>
+                <a:latin typeface="+mn-lt"/>
+                <a:ea typeface="+mn-ea"/>
+                <a:cs typeface="+mn-cs"/>
+              </a:rPr>
+              <a:t>EnableConfigServer</a:t>
             </a:r>
             <a:r>
               <a:rPr lang="en-US" sz="1200" b="1" kern="1200" dirty="0" smtClean="0">
@@ -9070,7 +9082,7 @@
         <p:spPr>
           <a:xfrm>
             <a:off x="193040" y="3017520"/>
-            <a:ext cx="5181600" cy="1384995"/>
+            <a:ext cx="5760720" cy="1384995"/>
           </a:xfrm>
           <a:prstGeom prst="rect">
             <a:avLst/>
@@ -9100,7 +9112,7 @@
               <a:t>  public Portfolio </a:t>
             </a:r>
             <a:r>
-              <a:rPr lang="en-US" sz="1200" dirty="0" smtClean="0">
+              <a:rPr lang="en-US" sz="1200" dirty="0" err="1" smtClean="0">
                 <a:solidFill>
                   <a:srgbClr val="77933C"/>
                 </a:solidFill>
@@ -9114,21 +9126,28 @@
                 <a:latin typeface="Courier New"/>
                 <a:cs typeface="Courier New"/>
               </a:rPr>
-              <a:t>(</a:t>
+              <a:t>(String</a:t>
             </a:r>
             <a:r>
               <a:rPr lang="en-US" sz="1200" dirty="0">
                 <a:latin typeface="Courier New"/>
                 <a:cs typeface="Courier New"/>
               </a:rPr>
-              <a:t>String</a:t>
+              <a:t> </a:t>
+            </a:r>
+            <a:r>
+              <a:rPr lang="en-US" sz="1200" dirty="0" err="1" smtClean="0">
+                <a:latin typeface="Courier New"/>
+                <a:cs typeface="Courier New"/>
+              </a:rPr>
+              <a:t>acctId</a:t>
             </a:r>
             <a:r>
               <a:rPr lang="en-US" sz="1200" dirty="0" smtClean="0">
                 <a:latin typeface="Courier New"/>
                 <a:cs typeface="Courier New"/>
               </a:rPr>
-              <a:t>[acctId) {</a:t>
+              <a:t>) {</a:t>
             </a:r>
           </a:p>
           <a:p>
@@ -9168,12 +9187,28 @@
                 <a:cs typeface="Courier New"/>
                 <a:hlinkClick r:id="rId3" invalidUrl="http://portfolio-service/portfolio/{accId}"/>
               </a:rPr>
-              <a:t>“http://portfolio-service/portfolio/{accId}</a:t>
+              <a:t>“http://portfolio-service/portfolio/{</a:t>
             </a:r>
             <a:r>
               <a:rPr lang="en-US" sz="1200" dirty="0" smtClean="0">
                 <a:latin typeface="Courier New"/>
                 <a:cs typeface="Courier New"/>
+                <a:hlinkClick r:id="rId4" invalidUrl="http://portfolio-service/portfolio/{accId}"/>
+              </a:rPr>
+              <a:t>acctId</a:t>
+            </a:r>
+            <a:r>
+              <a:rPr lang="en-US" sz="1200" dirty="0" smtClean="0">
+                <a:latin typeface="Courier New"/>
+                <a:cs typeface="Courier New"/>
+                <a:hlinkClick r:id="rId5" invalidUrl="http://portfolio-service/portfolio/{accId}"/>
+              </a:rPr>
+              <a:t>}</a:t>
+            </a:r>
+            <a:r>
+              <a:rPr lang="en-US" sz="1200" dirty="0" smtClean="0">
+                <a:latin typeface="Courier New"/>
+                <a:cs typeface="Courier New"/>
               </a:rPr>
               <a:t>”,</a:t>
             </a:r>
@@ -9191,8 +9226,26 @@
                 <a:latin typeface="Courier New"/>
                 <a:cs typeface="Courier New"/>
               </a:rPr>
-              <a:t>   Portfolio.class</a:t>
-            </a:r>
+              <a:t>   </a:t>
+            </a:r>
+            <a:r>
+              <a:rPr lang="en-US" sz="1200" dirty="0" err="1" smtClean="0">
+                <a:latin typeface="Courier New"/>
+                <a:cs typeface="Courier New"/>
+              </a:rPr>
+              <a:t>Portfolio.class</a:t>
+            </a:r>
+            <a:r>
+              <a:rPr lang="en-US" sz="1200" dirty="0" smtClean="0">
+                <a:latin typeface="Courier New"/>
+                <a:cs typeface="Courier New"/>
+              </a:rPr>
+              <a:t>,</a:t>
+            </a:r>
+            <a:endParaRPr lang="en-US" sz="1200" dirty="0" smtClean="0">
+              <a:latin typeface="Courier New"/>
+              <a:cs typeface="Courier New"/>
+            </a:endParaRPr>
           </a:p>
           <a:p>
             <a:r>
@@ -9563,17 +9616,39 @@
                 <a:latin typeface="Courier New"/>
                 <a:cs typeface="Courier New"/>
               </a:rPr>
-              <a:t>    // Do some stuff</a:t>
-            </a:r>
-            <a:r>
-              <a:rPr lang="is-IS" sz="1200" dirty="0" smtClean="0">
+              <a:t>    </a:t>
+            </a:r>
+            <a:r>
+              <a:rPr lang="en-US" sz="1200" dirty="0" smtClean="0">
+                <a:solidFill>
+                  <a:schemeClr val="bg1">
+                    <a:lumMod val="75000"/>
+                  </a:schemeClr>
+                </a:solidFill>
                 <a:latin typeface="Courier New"/>
                 <a:cs typeface="Courier New"/>
               </a:rPr>
+              <a:t>// Do some stuff</a:t>
+            </a:r>
+            <a:r>
+              <a:rPr lang="is-IS" sz="1200" dirty="0" smtClean="0">
+                <a:solidFill>
+                  <a:schemeClr val="bg1">
+                    <a:lumMod val="75000"/>
+                  </a:schemeClr>
+                </a:solidFill>
+                <a:latin typeface="Courier New"/>
+                <a:cs typeface="Courier New"/>
+              </a:rPr>
               <a:t>…</a:t>
             </a:r>
             <a:r>
               <a:rPr lang="en-US" sz="1200" dirty="0" smtClean="0">
+                <a:solidFill>
+                  <a:schemeClr val="bg1">
+                    <a:lumMod val="75000"/>
+                  </a:schemeClr>
+                </a:solidFill>
                 <a:latin typeface="Courier New"/>
                 <a:cs typeface="Courier New"/>
               </a:rPr>
@@ -13455,7 +13530,7 @@
         <p:spPr>
           <a:xfrm>
             <a:off x="193040" y="3017520"/>
-            <a:ext cx="5181600" cy="1384995"/>
+            <a:ext cx="5283200" cy="1384995"/>
           </a:xfrm>
           <a:prstGeom prst="rect">
             <a:avLst/>
@@ -13485,7 +13560,7 @@
               <a:t>  public Portfolio </a:t>
             </a:r>
             <a:r>
-              <a:rPr lang="en-US" sz="1200" dirty="0" smtClean="0">
+              <a:rPr lang="en-US" sz="1200" dirty="0" err="1" smtClean="0">
                 <a:solidFill>
                   <a:srgbClr val="77933C"/>
                 </a:solidFill>
@@ -13499,21 +13574,28 @@
                 <a:latin typeface="Courier New"/>
                 <a:cs typeface="Courier New"/>
               </a:rPr>
-              <a:t>(</a:t>
+              <a:t>(String</a:t>
             </a:r>
             <a:r>
               <a:rPr lang="en-US" sz="1200" dirty="0">
                 <a:latin typeface="Courier New"/>
                 <a:cs typeface="Courier New"/>
               </a:rPr>
-              <a:t>String</a:t>
+              <a:t> </a:t>
+            </a:r>
+            <a:r>
+              <a:rPr lang="en-US" sz="1200" dirty="0" err="1" smtClean="0">
+                <a:latin typeface="Courier New"/>
+                <a:cs typeface="Courier New"/>
+              </a:rPr>
+              <a:t>acctId</a:t>
             </a:r>
             <a:r>
               <a:rPr lang="en-US" sz="1200" dirty="0" smtClean="0">
                 <a:latin typeface="Courier New"/>
                 <a:cs typeface="Courier New"/>
               </a:rPr>
-              <a:t>[acctId) {</a:t>
+              <a:t>) {</a:t>
             </a:r>
           </a:p>
           <a:p>
@@ -13553,12 +13635,28 @@
                 <a:cs typeface="Courier New"/>
                 <a:hlinkClick r:id="rId3" invalidUrl="http://portfolio-service/portfolio/{accId}"/>
               </a:rPr>
-              <a:t>“http://portfolio-service/portfolio/{accId}</a:t>
+              <a:t>“http://portfolio-service/portfolio/{</a:t>
             </a:r>
             <a:r>
               <a:rPr lang="en-US" sz="1200" dirty="0" smtClean="0">
                 <a:latin typeface="Courier New"/>
                 <a:cs typeface="Courier New"/>
+                <a:hlinkClick r:id="rId4" invalidUrl="http://portfolio-service/portfolio/{accId}"/>
+              </a:rPr>
+              <a:t>acctId</a:t>
+            </a:r>
+            <a:r>
+              <a:rPr lang="en-US" sz="1200" dirty="0" smtClean="0">
+                <a:latin typeface="Courier New"/>
+                <a:cs typeface="Courier New"/>
+                <a:hlinkClick r:id="rId5" invalidUrl="http://portfolio-service/portfolio/{accId}"/>
+              </a:rPr>
+              <a:t>}</a:t>
+            </a:r>
+            <a:r>
+              <a:rPr lang="en-US" sz="1200" dirty="0" smtClean="0">
+                <a:latin typeface="Courier New"/>
+                <a:cs typeface="Courier New"/>
               </a:rPr>
               <a:t>”,</a:t>
             </a:r>
@@ -13576,8 +13674,26 @@
                 <a:latin typeface="Courier New"/>
                 <a:cs typeface="Courier New"/>
               </a:rPr>
-              <a:t>   Portfolio.class</a:t>
-            </a:r>
+              <a:t>   </a:t>
+            </a:r>
+            <a:r>
+              <a:rPr lang="en-US" sz="1200" dirty="0" err="1" smtClean="0">
+                <a:latin typeface="Courier New"/>
+                <a:cs typeface="Courier New"/>
+              </a:rPr>
+              <a:t>Portfolio.class</a:t>
+            </a:r>
+            <a:r>
+              <a:rPr lang="en-US" sz="1200" dirty="0" smtClean="0">
+                <a:latin typeface="Courier New"/>
+                <a:cs typeface="Courier New"/>
+              </a:rPr>
+              <a:t>,</a:t>
+            </a:r>
+            <a:endParaRPr lang="en-US" sz="1200" dirty="0" smtClean="0">
+              <a:latin typeface="Courier New"/>
+              <a:cs typeface="Courier New"/>
+            </a:endParaRPr>
           </a:p>
           <a:p>
             <a:r>
@@ -13592,7 +13708,21 @@
                 <a:latin typeface="Courier New"/>
                 <a:cs typeface="Courier New"/>
               </a:rPr>
-              <a:t>    acctId);</a:t>
+              <a:t>    </a:t>
+            </a:r>
+            <a:r>
+              <a:rPr lang="en-US" sz="1200" dirty="0" err="1" smtClean="0">
+                <a:latin typeface="Courier New"/>
+                <a:cs typeface="Courier New"/>
+              </a:rPr>
+              <a:t>acctId</a:t>
+            </a:r>
+            <a:r>
+              <a:rPr lang="en-US" sz="1200" dirty="0" smtClean="0">
+                <a:latin typeface="Courier New"/>
+                <a:cs typeface="Courier New"/>
+              </a:rPr>
+              <a:t>);</a:t>
             </a:r>
             <a:endParaRPr lang="en-US" sz="1200" dirty="0">
               <a:latin typeface="Courier New"/>
@@ -13824,7 +13954,7 @@
           <p:nvPr/>
         </p:nvPicPr>
         <p:blipFill>
-          <a:blip r:embed="rId4"/>
+          <a:blip r:embed="rId6"/>
           <a:stretch>
             <a:fillRect/>
           </a:stretch>

--- a/presentations/103 - Intro to Spring Cloud Services/Session_7_SC_Discovery_LB.pptx
+++ b/presentations/103 - Intro to Spring Cloud Services/Session_7_SC_Discovery_LB.pptx
@@ -8,10 +8,10 @@
     <p:sldMasterId id="2147483724" r:id="rId4"/>
   </p:sldMasterIdLst>
   <p:notesMasterIdLst>
-    <p:notesMasterId r:id="rId17"/>
+    <p:notesMasterId r:id="rId16"/>
   </p:notesMasterIdLst>
   <p:handoutMasterIdLst>
-    <p:handoutMasterId r:id="rId18"/>
+    <p:handoutMasterId r:id="rId17"/>
   </p:handoutMasterIdLst>
   <p:sldIdLst>
     <p:sldId id="353" r:id="rId5"/>
@@ -22,10 +22,9 @@
     <p:sldId id="363" r:id="rId10"/>
     <p:sldId id="364" r:id="rId11"/>
     <p:sldId id="361" r:id="rId12"/>
-    <p:sldId id="365" r:id="rId13"/>
-    <p:sldId id="366" r:id="rId14"/>
-    <p:sldId id="368" r:id="rId15"/>
-    <p:sldId id="367" r:id="rId16"/>
+    <p:sldId id="366" r:id="rId13"/>
+    <p:sldId id="368" r:id="rId14"/>
+    <p:sldId id="367" r:id="rId15"/>
   </p:sldIdLst>
   <p:sldSz cx="9144000" cy="5143500" type="screen16x9"/>
   <p:notesSz cx="6858000" cy="9144000"/>
@@ -137,7 +136,6 @@
             <p14:sldId id="363"/>
             <p14:sldId id="364"/>
             <p14:sldId id="361"/>
-            <p14:sldId id="365"/>
             <p14:sldId id="366"/>
             <p14:sldId id="368"/>
             <p14:sldId id="367"/>
@@ -245,7 +243,7 @@
           <a:p>
             <a:fld id="{372E5B6B-8713-8747-AE5B-F1241B2BF5F0}" type="datetimeFigureOut">
               <a:rPr lang="en-US" smtClean="0"/>
-              <a:t>9/7/17</a:t>
+              <a:t>10/3/17</a:t>
             </a:fld>
             <a:endParaRPr lang="en-US"/>
           </a:p>
@@ -411,7 +409,7 @@
           <a:p>
             <a:fld id="{7E7B7340-DDD5-1B49-81AA-25BC4050C073}" type="datetimeFigureOut">
               <a:rPr lang="en-US" smtClean="0"/>
-              <a:t>9/7/17</a:t>
+              <a:t>10/3/17</a:t>
             </a:fld>
             <a:endParaRPr lang="en-US"/>
           </a:p>
@@ -846,7 +844,7 @@
     </p:spTree>
     <p:extLst>
       <p:ext uri="{BB962C8B-B14F-4D97-AF65-F5344CB8AC3E}">
-        <p14:creationId xmlns:p14="http://schemas.microsoft.com/office/powerpoint/2010/main" val="2014211017"/>
+        <p14:creationId xmlns:p14="http://schemas.microsoft.com/office/powerpoint/2010/main" val="1485285142"/>
       </p:ext>
     </p:extLst>
   </p:cSld>
@@ -857,90 +855,6 @@
 </file>
 
 <file path=ppt/notesSlides/notesSlide11.xml><?xml version="1.0" encoding="utf-8"?>
-<p:notes xmlns:a="http://schemas.openxmlformats.org/drawingml/2006/main" xmlns:r="http://schemas.openxmlformats.org/officeDocument/2006/relationships" xmlns:p="http://schemas.openxmlformats.org/presentationml/2006/main">
-  <p:cSld>
-    <p:spTree>
-      <p:nvGrpSpPr>
-        <p:cNvPr id="1" name=""/>
-        <p:cNvGrpSpPr/>
-        <p:nvPr/>
-      </p:nvGrpSpPr>
-      <p:grpSpPr>
-        <a:xfrm>
-          <a:off x="0" y="0"/>
-          <a:ext cx="0" cy="0"/>
-          <a:chOff x="0" y="0"/>
-          <a:chExt cx="0" cy="0"/>
-        </a:xfrm>
-      </p:grpSpPr>
-      <p:sp>
-        <p:nvSpPr>
-          <p:cNvPr id="2" name="Slide Image Placeholder 1"/>
-          <p:cNvSpPr>
-            <a:spLocks noGrp="1" noRot="1" noChangeAspect="1"/>
-          </p:cNvSpPr>
-          <p:nvPr>
-            <p:ph type="sldImg"/>
-          </p:nvPr>
-        </p:nvSpPr>
-        <p:spPr/>
-      </p:sp>
-      <p:sp>
-        <p:nvSpPr>
-          <p:cNvPr id="3" name="Notes Placeholder 2"/>
-          <p:cNvSpPr>
-            <a:spLocks noGrp="1"/>
-          </p:cNvSpPr>
-          <p:nvPr>
-            <p:ph type="body" idx="1"/>
-          </p:nvPr>
-        </p:nvSpPr>
-        <p:spPr/>
-        <p:txBody>
-          <a:bodyPr/>
-          <a:lstStyle/>
-          <a:p>
-            <a:endParaRPr lang="en-US" dirty="0"/>
-          </a:p>
-        </p:txBody>
-      </p:sp>
-      <p:sp>
-        <p:nvSpPr>
-          <p:cNvPr id="4" name="Slide Number Placeholder 3"/>
-          <p:cNvSpPr>
-            <a:spLocks noGrp="1"/>
-          </p:cNvSpPr>
-          <p:nvPr>
-            <p:ph type="sldNum" sz="quarter" idx="10"/>
-          </p:nvPr>
-        </p:nvSpPr>
-        <p:spPr/>
-        <p:txBody>
-          <a:bodyPr/>
-          <a:lstStyle/>
-          <a:p>
-            <a:fld id="{19B87A38-3CEC-41F8-9B8A-7D549F200228}" type="slidenum">
-              <a:rPr lang="en-US" smtClean="0"/>
-              <a:t>11</a:t>
-            </a:fld>
-            <a:endParaRPr lang="en-US"/>
-          </a:p>
-        </p:txBody>
-      </p:sp>
-    </p:spTree>
-    <p:extLst>
-      <p:ext uri="{BB962C8B-B14F-4D97-AF65-F5344CB8AC3E}">
-        <p14:creationId xmlns:p14="http://schemas.microsoft.com/office/powerpoint/2010/main" val="1485285142"/>
-      </p:ext>
-    </p:extLst>
-  </p:cSld>
-  <p:clrMapOvr>
-    <a:masterClrMapping/>
-  </p:clrMapOvr>
-</p:notes>
-</file>
-
-<file path=ppt/notesSlides/notesSlide12.xml><?xml version="1.0" encoding="utf-8"?>
 <p:notes xmlns:a="http://schemas.openxmlformats.org/drawingml/2006/main" xmlns:r="http://schemas.openxmlformats.org/officeDocument/2006/relationships" xmlns:p="http://schemas.openxmlformats.org/presentationml/2006/main">
   <p:cSld>
     <p:spTree>
@@ -1424,19 +1338,7 @@
                 <a:ea typeface="+mn-ea"/>
                 <a:cs typeface="+mn-cs"/>
               </a:rPr>
-              <a:t>The server is easily embeddable in a Spring Boot application using </a:t>
-            </a:r>
-            <a:r>
-              <a:rPr lang="en-US" sz="1200" b="1" kern="1200" dirty="0" smtClean="0">
-                <a:solidFill>
-                  <a:schemeClr val="tx1"/>
-                </a:solidFill>
-                <a:effectLst/>
-                <a:latin typeface="+mn-lt"/>
-                <a:ea typeface="+mn-ea"/>
-                <a:cs typeface="+mn-cs"/>
-              </a:rPr>
-              <a:t>the @</a:t>
+              <a:t>The server is easily embeddable in a Spring Boot application using the @</a:t>
             </a:r>
             <a:r>
               <a:rPr lang="en-US" sz="1200" b="1" kern="1200" dirty="0" err="1" smtClean="0">
@@ -9060,760 +8962,6 @@
             <p:ph type="title"/>
           </p:nvPr>
         </p:nvSpPr>
-        <p:spPr/>
-        <p:txBody>
-          <a:bodyPr/>
-          <a:lstStyle/>
-          <a:p>
-            <a:r>
-              <a:rPr lang="en-US" dirty="0" smtClean="0"/>
-              <a:t>HOW??</a:t>
-            </a:r>
-            <a:endParaRPr lang="en-US" dirty="0"/>
-          </a:p>
-        </p:txBody>
-      </p:sp>
-      <p:sp>
-        <p:nvSpPr>
-          <p:cNvPr id="5" name="TextBox 4"/>
-          <p:cNvSpPr txBox="1"/>
-          <p:nvPr/>
-        </p:nvSpPr>
-        <p:spPr>
-          <a:xfrm>
-            <a:off x="193040" y="3017520"/>
-            <a:ext cx="5760720" cy="1384995"/>
-          </a:xfrm>
-          <a:prstGeom prst="rect">
-            <a:avLst/>
-          </a:prstGeom>
-          <a:solidFill>
-            <a:schemeClr val="bg1"/>
-          </a:solidFill>
-        </p:spPr>
-        <p:txBody>
-          <a:bodyPr wrap="square" rtlCol="0">
-            <a:spAutoFit/>
-          </a:bodyPr>
-          <a:lstStyle/>
-          <a:p>
-            <a:r>
-              <a:rPr lang="en-US" sz="1200" dirty="0">
-                <a:latin typeface="Courier New"/>
-                <a:cs typeface="Courier New"/>
-              </a:rPr>
-              <a:t> </a:t>
-            </a:r>
-            <a:r>
-              <a:rPr lang="en-US" sz="1200" dirty="0" smtClean="0">
-                <a:latin typeface="Courier New"/>
-                <a:cs typeface="Courier New"/>
-              </a:rPr>
-              <a:t>  public Portfolio </a:t>
-            </a:r>
-            <a:r>
-              <a:rPr lang="en-US" sz="1200" dirty="0" err="1" smtClean="0">
-                <a:solidFill>
-                  <a:srgbClr val="77933C"/>
-                </a:solidFill>
-                <a:latin typeface="Courier New"/>
-                <a:cs typeface="Courier New"/>
-              </a:rPr>
-              <a:t>accountLookup</a:t>
-            </a:r>
-            <a:r>
-              <a:rPr lang="en-US" sz="1200" dirty="0" smtClean="0">
-                <a:latin typeface="Courier New"/>
-                <a:cs typeface="Courier New"/>
-              </a:rPr>
-              <a:t>(String</a:t>
-            </a:r>
-            <a:r>
-              <a:rPr lang="en-US" sz="1200" dirty="0">
-                <a:latin typeface="Courier New"/>
-                <a:cs typeface="Courier New"/>
-              </a:rPr>
-              <a:t> </a:t>
-            </a:r>
-            <a:r>
-              <a:rPr lang="en-US" sz="1200" dirty="0" err="1" smtClean="0">
-                <a:latin typeface="Courier New"/>
-                <a:cs typeface="Courier New"/>
-              </a:rPr>
-              <a:t>acctId</a:t>
-            </a:r>
-            <a:r>
-              <a:rPr lang="en-US" sz="1200" dirty="0" smtClean="0">
-                <a:latin typeface="Courier New"/>
-                <a:cs typeface="Courier New"/>
-              </a:rPr>
-              <a:t>) {</a:t>
-            </a:r>
-          </a:p>
-          <a:p>
-            <a:r>
-              <a:rPr lang="en-US" sz="1200" dirty="0">
-                <a:latin typeface="Courier New"/>
-                <a:cs typeface="Courier New"/>
-              </a:rPr>
-              <a:t> </a:t>
-            </a:r>
-            <a:r>
-              <a:rPr lang="en-US" sz="1200" dirty="0" smtClean="0">
-                <a:latin typeface="Courier New"/>
-                <a:cs typeface="Courier New"/>
-              </a:rPr>
-              <a:t>     Portfolio p = restTemplate.getForObject(</a:t>
-            </a:r>
-          </a:p>
-          <a:p>
-            <a:r>
-              <a:rPr lang="en-US" sz="1200" dirty="0">
-                <a:latin typeface="Courier New"/>
-                <a:cs typeface="Courier New"/>
-              </a:rPr>
-              <a:t>	</a:t>
-            </a:r>
-            <a:r>
-              <a:rPr lang="en-US" sz="1200" dirty="0" smtClean="0">
-                <a:latin typeface="Courier New"/>
-                <a:cs typeface="Courier New"/>
-              </a:rPr>
-              <a:t>    </a:t>
-            </a:r>
-            <a:r>
-              <a:rPr lang="en-US" sz="1200" dirty="0" smtClean="0">
-                <a:latin typeface="Courier New"/>
-                <a:cs typeface="Courier New"/>
-                <a:hlinkClick r:id="rId3" invalidUrl="http://portfolio-service/portfolio/{accId}"/>
-              </a:rPr>
-              <a:t>“http://portfolio-service/portfolio/{</a:t>
-            </a:r>
-            <a:r>
-              <a:rPr lang="en-US" sz="1200" dirty="0" smtClean="0">
-                <a:latin typeface="Courier New"/>
-                <a:cs typeface="Courier New"/>
-                <a:hlinkClick r:id="rId4" invalidUrl="http://portfolio-service/portfolio/{accId}"/>
-              </a:rPr>
-              <a:t>acctId</a:t>
-            </a:r>
-            <a:r>
-              <a:rPr lang="en-US" sz="1200" dirty="0" smtClean="0">
-                <a:latin typeface="Courier New"/>
-                <a:cs typeface="Courier New"/>
-                <a:hlinkClick r:id="rId5" invalidUrl="http://portfolio-service/portfolio/{accId}"/>
-              </a:rPr>
-              <a:t>}</a:t>
-            </a:r>
-            <a:r>
-              <a:rPr lang="en-US" sz="1200" dirty="0" smtClean="0">
-                <a:latin typeface="Courier New"/>
-                <a:cs typeface="Courier New"/>
-              </a:rPr>
-              <a:t>”,</a:t>
-            </a:r>
-          </a:p>
-          <a:p>
-            <a:r>
-              <a:rPr lang="en-US" sz="1200" dirty="0">
-                <a:latin typeface="Courier New"/>
-                <a:cs typeface="Courier New"/>
-              </a:rPr>
-              <a:t>	 </a:t>
-            </a:r>
-            <a:r>
-              <a:rPr lang="en-US" sz="1200" dirty="0" smtClean="0">
-                <a:latin typeface="Courier New"/>
-                <a:cs typeface="Courier New"/>
-              </a:rPr>
-              <a:t>   </a:t>
-            </a:r>
-            <a:r>
-              <a:rPr lang="en-US" sz="1200" dirty="0" err="1" smtClean="0">
-                <a:latin typeface="Courier New"/>
-                <a:cs typeface="Courier New"/>
-              </a:rPr>
-              <a:t>Portfolio.class</a:t>
-            </a:r>
-            <a:r>
-              <a:rPr lang="en-US" sz="1200" dirty="0" smtClean="0">
-                <a:latin typeface="Courier New"/>
-                <a:cs typeface="Courier New"/>
-              </a:rPr>
-              <a:t>,</a:t>
-            </a:r>
-            <a:endParaRPr lang="en-US" sz="1200" dirty="0" smtClean="0">
-              <a:latin typeface="Courier New"/>
-              <a:cs typeface="Courier New"/>
-            </a:endParaRPr>
-          </a:p>
-          <a:p>
-            <a:r>
-              <a:rPr lang="en-US" sz="1200" dirty="0">
-                <a:latin typeface="Courier New"/>
-                <a:cs typeface="Courier New"/>
-              </a:rPr>
-              <a:t>	</a:t>
-            </a:r>
-            <a:r>
-              <a:rPr lang="en-US" sz="1200" dirty="0" smtClean="0">
-                <a:latin typeface="Courier New"/>
-                <a:cs typeface="Courier New"/>
-              </a:rPr>
-              <a:t>    acctId);</a:t>
-            </a:r>
-            <a:endParaRPr lang="en-US" sz="1200" dirty="0">
-              <a:latin typeface="Courier New"/>
-              <a:cs typeface="Courier New"/>
-            </a:endParaRPr>
-          </a:p>
-          <a:p>
-            <a:r>
-              <a:rPr lang="en-US" sz="1200" dirty="0" smtClean="0">
-                <a:latin typeface="Courier New"/>
-                <a:cs typeface="Courier New"/>
-              </a:rPr>
-              <a:t>	 return p;</a:t>
-            </a:r>
-          </a:p>
-          <a:p>
-            <a:r>
-              <a:rPr lang="en-US" sz="1200" dirty="0" smtClean="0">
-                <a:latin typeface="Courier New"/>
-                <a:cs typeface="Courier New"/>
-              </a:rPr>
-              <a:t>   }</a:t>
-            </a:r>
-            <a:endParaRPr lang="en-US" sz="1200" dirty="0">
-              <a:latin typeface="Courier New"/>
-              <a:cs typeface="Courier New"/>
-            </a:endParaRPr>
-          </a:p>
-        </p:txBody>
-      </p:sp>
-      <p:sp>
-        <p:nvSpPr>
-          <p:cNvPr id="6" name="TextBox 5"/>
-          <p:cNvSpPr txBox="1"/>
-          <p:nvPr/>
-        </p:nvSpPr>
-        <p:spPr>
-          <a:xfrm>
-            <a:off x="3159760" y="3718561"/>
-            <a:ext cx="2214880" cy="461665"/>
-          </a:xfrm>
-          <a:prstGeom prst="rect">
-            <a:avLst/>
-          </a:prstGeom>
-          <a:noFill/>
-        </p:spPr>
-        <p:txBody>
-          <a:bodyPr wrap="square" rtlCol="0">
-            <a:spAutoFit/>
-          </a:bodyPr>
-          <a:lstStyle/>
-          <a:p>
-            <a:r>
-              <a:rPr lang="en-US" sz="1200" b="1" dirty="0" smtClean="0">
-                <a:solidFill>
-                  <a:srgbClr val="FF0000"/>
-                </a:solidFill>
-                <a:latin typeface="Courier New"/>
-                <a:cs typeface="Courier New"/>
-                <a:sym typeface="Wingdings"/>
-              </a:rPr>
-              <a:t> </a:t>
-            </a:r>
-            <a:r>
-              <a:rPr lang="en-US" sz="1200" b="1" dirty="0">
-                <a:solidFill>
-                  <a:srgbClr val="FF0000"/>
-                </a:solidFill>
-                <a:latin typeface="Courier New"/>
-                <a:cs typeface="Courier New"/>
-                <a:sym typeface="Wingdings"/>
-              </a:rPr>
-              <a:t>MAGIC!!</a:t>
-            </a:r>
-            <a:endParaRPr lang="en-US" sz="1200" b="1" dirty="0">
-              <a:solidFill>
-                <a:srgbClr val="FF0000"/>
-              </a:solidFill>
-              <a:latin typeface="Courier New"/>
-              <a:cs typeface="Courier New"/>
-            </a:endParaRPr>
-          </a:p>
-          <a:p>
-            <a:endParaRPr lang="en-US" sz="1200" dirty="0">
-              <a:latin typeface="Courier New"/>
-              <a:cs typeface="Courier New"/>
-            </a:endParaRPr>
-          </a:p>
-        </p:txBody>
-      </p:sp>
-      <p:cxnSp>
-        <p:nvCxnSpPr>
-          <p:cNvPr id="7" name="Straight Arrow Connector 6"/>
-          <p:cNvCxnSpPr/>
-          <p:nvPr/>
-        </p:nvCxnSpPr>
-        <p:spPr>
-          <a:xfrm flipH="1" flipV="1">
-            <a:off x="3088640" y="3637280"/>
-            <a:ext cx="132080" cy="162560"/>
-          </a:xfrm>
-          <a:prstGeom prst="straightConnector1">
-            <a:avLst/>
-          </a:prstGeom>
-          <a:ln>
-            <a:solidFill>
-              <a:srgbClr val="FF0000"/>
-            </a:solidFill>
-            <a:tailEnd type="arrow"/>
-          </a:ln>
-        </p:spPr>
-        <p:style>
-          <a:lnRef idx="2">
-            <a:schemeClr val="accent1"/>
-          </a:lnRef>
-          <a:fillRef idx="0">
-            <a:schemeClr val="accent1"/>
-          </a:fillRef>
-          <a:effectRef idx="1">
-            <a:schemeClr val="accent1"/>
-          </a:effectRef>
-          <a:fontRef idx="minor">
-            <a:schemeClr val="tx1"/>
-          </a:fontRef>
-        </p:style>
-      </p:cxnSp>
-      <p:sp>
-        <p:nvSpPr>
-          <p:cNvPr id="8" name="TextBox 7"/>
-          <p:cNvSpPr txBox="1"/>
-          <p:nvPr/>
-        </p:nvSpPr>
-        <p:spPr>
-          <a:xfrm>
-            <a:off x="193040" y="1107440"/>
-            <a:ext cx="6289040" cy="1569660"/>
-          </a:xfrm>
-          <a:prstGeom prst="rect">
-            <a:avLst/>
-          </a:prstGeom>
-          <a:solidFill>
-            <a:schemeClr val="bg1"/>
-          </a:solidFill>
-        </p:spPr>
-        <p:txBody>
-          <a:bodyPr wrap="square" rtlCol="0">
-            <a:spAutoFit/>
-          </a:bodyPr>
-          <a:lstStyle/>
-          <a:p>
-            <a:r>
-              <a:rPr lang="en-US" sz="1200" dirty="0" smtClean="0">
-                <a:latin typeface="Courier New"/>
-                <a:cs typeface="Courier New"/>
-              </a:rPr>
-              <a:t>  @</a:t>
-            </a:r>
-            <a:r>
-              <a:rPr lang="en-US" sz="1200" b="1" dirty="0" smtClean="0">
-                <a:solidFill>
-                  <a:srgbClr val="FF0000"/>
-                </a:solidFill>
-                <a:latin typeface="Courier New"/>
-                <a:cs typeface="Courier New"/>
-              </a:rPr>
-              <a:t>Autowired</a:t>
-            </a:r>
-            <a:r>
-              <a:rPr lang="en-US" sz="1200" dirty="0" smtClean="0">
-                <a:solidFill>
-                  <a:srgbClr val="FF0000"/>
-                </a:solidFill>
-                <a:latin typeface="Courier New"/>
-                <a:cs typeface="Courier New"/>
-              </a:rPr>
-              <a:t> </a:t>
-            </a:r>
-            <a:r>
-              <a:rPr lang="en-US" sz="1200" dirty="0" smtClean="0">
-                <a:latin typeface="Courier New"/>
-                <a:cs typeface="Courier New"/>
-              </a:rPr>
-              <a:t>LoadBalancerClient </a:t>
-            </a:r>
-            <a:r>
-              <a:rPr lang="en-US" sz="1200" dirty="0">
-                <a:latin typeface="Courier New"/>
-                <a:cs typeface="Courier New"/>
-              </a:rPr>
-              <a:t>loadBalancer</a:t>
-            </a:r>
-            <a:r>
-              <a:rPr lang="en-US" sz="1200" dirty="0" smtClean="0">
-                <a:latin typeface="Courier New"/>
-                <a:cs typeface="Courier New"/>
-              </a:rPr>
-              <a:t>;</a:t>
-            </a:r>
-          </a:p>
-          <a:p>
-            <a:endParaRPr lang="en-US" sz="1200" dirty="0">
-              <a:latin typeface="Courier New"/>
-              <a:cs typeface="Courier New"/>
-            </a:endParaRPr>
-          </a:p>
-          <a:p>
-            <a:r>
-              <a:rPr lang="en-US" sz="1200" dirty="0" smtClean="0">
-                <a:latin typeface="Courier New"/>
-                <a:cs typeface="Courier New"/>
-              </a:rPr>
-              <a:t>  public </a:t>
-            </a:r>
-            <a:r>
-              <a:rPr lang="en-US" sz="1200" dirty="0">
-                <a:latin typeface="Courier New"/>
-                <a:cs typeface="Courier New"/>
-              </a:rPr>
-              <a:t>void </a:t>
-            </a:r>
-            <a:r>
-              <a:rPr lang="en-US" sz="1200" dirty="0">
-                <a:solidFill>
-                  <a:srgbClr val="77933C"/>
-                </a:solidFill>
-                <a:latin typeface="Courier New"/>
-                <a:cs typeface="Courier New"/>
-              </a:rPr>
-              <a:t>doStuff</a:t>
-            </a:r>
-            <a:r>
-              <a:rPr lang="en-US" sz="1200" dirty="0">
-                <a:latin typeface="Courier New"/>
-                <a:cs typeface="Courier New"/>
-              </a:rPr>
-              <a:t>() </a:t>
-            </a:r>
-            <a:r>
-              <a:rPr lang="en-US" sz="1200" dirty="0" smtClean="0">
-                <a:latin typeface="Courier New"/>
-                <a:cs typeface="Courier New"/>
-              </a:rPr>
-              <a:t>{</a:t>
-            </a:r>
-          </a:p>
-          <a:p>
-            <a:r>
-              <a:rPr lang="en-US" sz="1200" dirty="0" smtClean="0">
-                <a:latin typeface="Courier New"/>
-                <a:cs typeface="Courier New"/>
-              </a:rPr>
-              <a:t>  </a:t>
-            </a:r>
-            <a:r>
-              <a:rPr lang="en-US" sz="1200" dirty="0">
-                <a:latin typeface="Courier New"/>
-                <a:cs typeface="Courier New"/>
-              </a:rPr>
-              <a:t> </a:t>
-            </a:r>
-            <a:r>
-              <a:rPr lang="en-US" sz="1200" dirty="0" smtClean="0">
-                <a:latin typeface="Courier New"/>
-                <a:cs typeface="Courier New"/>
-              </a:rPr>
-              <a:t>  ServiceInstance </a:t>
-            </a:r>
-            <a:r>
-              <a:rPr lang="en-US" sz="1200" dirty="0">
-                <a:latin typeface="Courier New"/>
-                <a:cs typeface="Courier New"/>
-              </a:rPr>
-              <a:t>instance = </a:t>
-            </a:r>
-            <a:r>
-              <a:rPr lang="en-US" sz="1200" dirty="0" smtClean="0">
-                <a:latin typeface="Courier New"/>
-                <a:cs typeface="Courier New"/>
-              </a:rPr>
-              <a:t>loadBalancer.choose</a:t>
-            </a:r>
-            <a:r>
-              <a:rPr lang="en-US" sz="1200" dirty="0">
-                <a:latin typeface="Courier New"/>
-                <a:cs typeface="Courier New"/>
-              </a:rPr>
-              <a:t>("stores")</a:t>
-            </a:r>
-            <a:r>
-              <a:rPr lang="en-US" sz="1200" dirty="0" smtClean="0">
-                <a:latin typeface="Courier New"/>
-                <a:cs typeface="Courier New"/>
-              </a:rPr>
-              <a:t>;</a:t>
-            </a:r>
-          </a:p>
-          <a:p>
-            <a:r>
-              <a:rPr lang="en-US" sz="1200" dirty="0" smtClean="0">
-                <a:latin typeface="Courier New"/>
-                <a:cs typeface="Courier New"/>
-              </a:rPr>
-              <a:t>     URI </a:t>
-            </a:r>
-            <a:r>
-              <a:rPr lang="en-US" sz="1200" dirty="0">
-                <a:latin typeface="Courier New"/>
-                <a:cs typeface="Courier New"/>
-              </a:rPr>
-              <a:t>storesUri = URI.create(String.format("http://%s:%s"</a:t>
-            </a:r>
-            <a:r>
-              <a:rPr lang="en-US" sz="1200" dirty="0" smtClean="0">
-                <a:latin typeface="Courier New"/>
-                <a:cs typeface="Courier New"/>
-              </a:rPr>
-              <a:t>,</a:t>
-            </a:r>
-          </a:p>
-          <a:p>
-            <a:r>
-              <a:rPr lang="en-US" sz="1200" dirty="0" smtClean="0">
-                <a:latin typeface="Courier New"/>
-                <a:cs typeface="Courier New"/>
-              </a:rPr>
-              <a:t>                        instance.getHost</a:t>
-            </a:r>
-            <a:r>
-              <a:rPr lang="en-US" sz="1200" dirty="0">
-                <a:latin typeface="Courier New"/>
-                <a:cs typeface="Courier New"/>
-              </a:rPr>
-              <a:t>(), instance.getPort()))</a:t>
-            </a:r>
-            <a:r>
-              <a:rPr lang="en-US" sz="1200" dirty="0" smtClean="0">
-                <a:latin typeface="Courier New"/>
-                <a:cs typeface="Courier New"/>
-              </a:rPr>
-              <a:t>;</a:t>
-            </a:r>
-          </a:p>
-          <a:p>
-            <a:r>
-              <a:rPr lang="en-US" sz="1200" dirty="0">
-                <a:latin typeface="Courier New"/>
-                <a:cs typeface="Courier New"/>
-              </a:rPr>
-              <a:t> </a:t>
-            </a:r>
-            <a:r>
-              <a:rPr lang="en-US" sz="1200" dirty="0" smtClean="0">
-                <a:latin typeface="Courier New"/>
-                <a:cs typeface="Courier New"/>
-              </a:rPr>
-              <a:t>    </a:t>
-            </a:r>
-            <a:r>
-              <a:rPr lang="en-US" sz="1200" dirty="0" smtClean="0">
-                <a:solidFill>
-                  <a:schemeClr val="bg1">
-                    <a:lumMod val="75000"/>
-                  </a:schemeClr>
-                </a:solidFill>
-                <a:latin typeface="Courier New"/>
-                <a:cs typeface="Courier New"/>
-              </a:rPr>
-              <a:t>// Do some stuff</a:t>
-            </a:r>
-            <a:r>
-              <a:rPr lang="is-IS" sz="1200" dirty="0" smtClean="0">
-                <a:solidFill>
-                  <a:schemeClr val="bg1">
-                    <a:lumMod val="75000"/>
-                  </a:schemeClr>
-                </a:solidFill>
-                <a:latin typeface="Courier New"/>
-                <a:cs typeface="Courier New"/>
-              </a:rPr>
-              <a:t>…</a:t>
-            </a:r>
-            <a:r>
-              <a:rPr lang="en-US" sz="1200" dirty="0" smtClean="0">
-                <a:solidFill>
-                  <a:schemeClr val="bg1">
-                    <a:lumMod val="75000"/>
-                  </a:schemeClr>
-                </a:solidFill>
-                <a:latin typeface="Courier New"/>
-                <a:cs typeface="Courier New"/>
-              </a:rPr>
-              <a:t>          </a:t>
-            </a:r>
-          </a:p>
-          <a:p>
-            <a:r>
-              <a:rPr lang="en-US" sz="1200" dirty="0" smtClean="0">
-                <a:latin typeface="Courier New"/>
-                <a:cs typeface="Courier New"/>
-              </a:rPr>
-              <a:t>  }</a:t>
-            </a:r>
-          </a:p>
-        </p:txBody>
-      </p:sp>
-    </p:spTree>
-    <p:extLst>
-      <p:ext uri="{BB962C8B-B14F-4D97-AF65-F5344CB8AC3E}">
-        <p14:creationId xmlns:p14="http://schemas.microsoft.com/office/powerpoint/2010/main" val="2707292111"/>
-      </p:ext>
-    </p:extLst>
-  </p:cSld>
-  <p:clrMapOvr>
-    <a:masterClrMapping/>
-  </p:clrMapOvr>
-  <p:timing>
-    <p:tnLst>
-      <p:par>
-        <p:cTn id="1" dur="indefinite" restart="never" nodeType="tmRoot">
-          <p:childTnLst>
-            <p:seq concurrent="1" nextAc="seek">
-              <p:cTn id="2" dur="indefinite" nodeType="mainSeq">
-                <p:childTnLst>
-                  <p:par>
-                    <p:cTn id="3" fill="hold">
-                      <p:stCondLst>
-                        <p:cond delay="indefinite"/>
-                        <p:cond evt="onBegin" delay="0">
-                          <p:tn val="2"/>
-                        </p:cond>
-                      </p:stCondLst>
-                      <p:childTnLst>
-                        <p:par>
-                          <p:cTn id="4" fill="hold">
-                            <p:stCondLst>
-                              <p:cond delay="0"/>
-                            </p:stCondLst>
-                            <p:childTnLst>
-                              <p:par>
-                                <p:cTn id="5" presetID="1" presetClass="entr" presetSubtype="0" fill="hold" nodeType="withEffect">
-                                  <p:stCondLst>
-                                    <p:cond delay="0"/>
-                                  </p:stCondLst>
-                                  <p:childTnLst>
-                                    <p:set>
-                                      <p:cBhvr>
-                                        <p:cTn id="6" dur="1" fill="hold">
-                                          <p:stCondLst>
-                                            <p:cond delay="0"/>
-                                          </p:stCondLst>
-                                        </p:cTn>
-                                        <p:tgtEl>
-                                          <p:spTgt spid="7"/>
-                                        </p:tgtEl>
-                                        <p:attrNameLst>
-                                          <p:attrName>style.visibility</p:attrName>
-                                        </p:attrNameLst>
-                                      </p:cBhvr>
-                                      <p:to>
-                                        <p:strVal val="visible"/>
-                                      </p:to>
-                                    </p:set>
-                                  </p:childTnLst>
-                                </p:cTn>
-                              </p:par>
-                              <p:par>
-                                <p:cTn id="7" presetID="1" presetClass="entr" presetSubtype="0" fill="hold" grpId="0" nodeType="withEffect">
-                                  <p:stCondLst>
-                                    <p:cond delay="0"/>
-                                  </p:stCondLst>
-                                  <p:childTnLst>
-                                    <p:set>
-                                      <p:cBhvr>
-                                        <p:cTn id="8" dur="1" fill="hold">
-                                          <p:stCondLst>
-                                            <p:cond delay="0"/>
-                                          </p:stCondLst>
-                                        </p:cTn>
-                                        <p:tgtEl>
-                                          <p:spTgt spid="6"/>
-                                        </p:tgtEl>
-                                        <p:attrNameLst>
-                                          <p:attrName>style.visibility</p:attrName>
-                                        </p:attrNameLst>
-                                      </p:cBhvr>
-                                      <p:to>
-                                        <p:strVal val="visible"/>
-                                      </p:to>
-                                    </p:set>
-                                  </p:childTnLst>
-                                </p:cTn>
-                              </p:par>
-                            </p:childTnLst>
-                          </p:cTn>
-                        </p:par>
-                      </p:childTnLst>
-                    </p:cTn>
-                  </p:par>
-                </p:childTnLst>
-              </p:cTn>
-              <p:prevCondLst>
-                <p:cond evt="onPrev" delay="0">
-                  <p:tgtEl>
-                    <p:sldTgt/>
-                  </p:tgtEl>
-                </p:cond>
-              </p:prevCondLst>
-              <p:nextCondLst>
-                <p:cond evt="onNext" delay="0">
-                  <p:tgtEl>
-                    <p:sldTgt/>
-                  </p:tgtEl>
-                </p:cond>
-              </p:nextCondLst>
-            </p:seq>
-          </p:childTnLst>
-        </p:cTn>
-      </p:par>
-    </p:tnLst>
-    <p:bldLst>
-      <p:bldP spid="6" grpId="0"/>
-    </p:bldLst>
-  </p:timing>
-</p:sld>
-</file>
-
-<file path=ppt/slides/slide11.xml><?xml version="1.0" encoding="utf-8"?>
-<p:sld xmlns:a="http://schemas.openxmlformats.org/drawingml/2006/main" xmlns:r="http://schemas.openxmlformats.org/officeDocument/2006/relationships" xmlns:p="http://schemas.openxmlformats.org/presentationml/2006/main">
-  <p:cSld>
-    <p:spTree>
-      <p:nvGrpSpPr>
-        <p:cNvPr id="1" name=""/>
-        <p:cNvGrpSpPr/>
-        <p:nvPr/>
-      </p:nvGrpSpPr>
-      <p:grpSpPr>
-        <a:xfrm>
-          <a:off x="0" y="0"/>
-          <a:ext cx="0" cy="0"/>
-          <a:chOff x="0" y="0"/>
-          <a:chExt cx="0" cy="0"/>
-        </a:xfrm>
-      </p:grpSpPr>
-      <p:sp>
-        <p:nvSpPr>
-          <p:cNvPr id="2" name="Title 1"/>
-          <p:cNvSpPr>
-            <a:spLocks noGrp="1"/>
-          </p:cNvSpPr>
-          <p:nvPr>
-            <p:ph type="title"/>
-          </p:nvPr>
-        </p:nvSpPr>
         <p:spPr>
           <a:xfrm>
             <a:off x="35559" y="320040"/>
@@ -10496,7 +9644,7 @@
 </p:sld>
 </file>
 
-<file path=ppt/slides/slide12.xml><?xml version="1.0" encoding="utf-8"?>
+<file path=ppt/slides/slide11.xml><?xml version="1.0" encoding="utf-8"?>
 <p:sld xmlns:a="http://schemas.openxmlformats.org/drawingml/2006/main" xmlns:r="http://schemas.openxmlformats.org/officeDocument/2006/relationships" xmlns:p="http://schemas.openxmlformats.org/presentationml/2006/main">
   <p:cSld>
     <p:spTree>
@@ -13690,10 +12838,6 @@
               </a:rPr>
               <a:t>,</a:t>
             </a:r>
-            <a:endParaRPr lang="en-US" sz="1200" dirty="0" smtClean="0">
-              <a:latin typeface="Courier New"/>
-              <a:cs typeface="Courier New"/>
-            </a:endParaRPr>
           </a:p>
           <a:p>
             <a:r>
@@ -14581,162 +13725,598 @@
           <a:p>
             <a:r>
               <a:rPr lang="en-US" dirty="0" smtClean="0"/>
-              <a:t>Microservice API Gateways</a:t>
+              <a:t>HOW??</a:t>
             </a:r>
             <a:endParaRPr lang="en-US" dirty="0"/>
           </a:p>
         </p:txBody>
       </p:sp>
-      <p:pic>
-        <p:nvPicPr>
-          <p:cNvPr id="6" name="Picture 5"/>
-          <p:cNvPicPr>
-            <a:picLocks noChangeAspect="1"/>
-          </p:cNvPicPr>
+      <p:sp>
+        <p:nvSpPr>
+          <p:cNvPr id="5" name="TextBox 4"/>
+          <p:cNvSpPr txBox="1"/>
           <p:nvPr/>
-        </p:nvPicPr>
-        <p:blipFill>
-          <a:blip r:embed="rId3"/>
-          <a:stretch>
-            <a:fillRect/>
-          </a:stretch>
-        </p:blipFill>
+        </p:nvSpPr>
         <p:spPr>
           <a:xfrm>
-            <a:off x="4389120" y="1052830"/>
-            <a:ext cx="4627880" cy="3470910"/>
+            <a:off x="193040" y="3017520"/>
+            <a:ext cx="5760720" cy="1384995"/>
           </a:xfrm>
           <a:prstGeom prst="rect">
             <a:avLst/>
           </a:prstGeom>
+          <a:solidFill>
+            <a:schemeClr val="bg1"/>
+          </a:solidFill>
         </p:spPr>
-      </p:pic>
+        <p:txBody>
+          <a:bodyPr wrap="square" rtlCol="0">
+            <a:spAutoFit/>
+          </a:bodyPr>
+          <a:lstStyle/>
+          <a:p>
+            <a:r>
+              <a:rPr lang="en-US" sz="1200" dirty="0">
+                <a:latin typeface="Courier New"/>
+                <a:cs typeface="Courier New"/>
+              </a:rPr>
+              <a:t> </a:t>
+            </a:r>
+            <a:r>
+              <a:rPr lang="en-US" sz="1200" dirty="0" smtClean="0">
+                <a:latin typeface="Courier New"/>
+                <a:cs typeface="Courier New"/>
+              </a:rPr>
+              <a:t>  public Portfolio </a:t>
+            </a:r>
+            <a:r>
+              <a:rPr lang="en-US" sz="1200" dirty="0" err="1" smtClean="0">
+                <a:solidFill>
+                  <a:srgbClr val="77933C"/>
+                </a:solidFill>
+                <a:latin typeface="Courier New"/>
+                <a:cs typeface="Courier New"/>
+              </a:rPr>
+              <a:t>accountLookup</a:t>
+            </a:r>
+            <a:r>
+              <a:rPr lang="en-US" sz="1200" dirty="0" smtClean="0">
+                <a:latin typeface="Courier New"/>
+                <a:cs typeface="Courier New"/>
+              </a:rPr>
+              <a:t>(String</a:t>
+            </a:r>
+            <a:r>
+              <a:rPr lang="en-US" sz="1200" dirty="0">
+                <a:latin typeface="Courier New"/>
+                <a:cs typeface="Courier New"/>
+              </a:rPr>
+              <a:t> </a:t>
+            </a:r>
+            <a:r>
+              <a:rPr lang="en-US" sz="1200" dirty="0" err="1" smtClean="0">
+                <a:latin typeface="Courier New"/>
+                <a:cs typeface="Courier New"/>
+              </a:rPr>
+              <a:t>acctId</a:t>
+            </a:r>
+            <a:r>
+              <a:rPr lang="en-US" sz="1200" dirty="0" smtClean="0">
+                <a:latin typeface="Courier New"/>
+                <a:cs typeface="Courier New"/>
+              </a:rPr>
+              <a:t>) {</a:t>
+            </a:r>
+          </a:p>
+          <a:p>
+            <a:r>
+              <a:rPr lang="en-US" sz="1200" dirty="0">
+                <a:latin typeface="Courier New"/>
+                <a:cs typeface="Courier New"/>
+              </a:rPr>
+              <a:t> </a:t>
+            </a:r>
+            <a:r>
+              <a:rPr lang="en-US" sz="1200" dirty="0" smtClean="0">
+                <a:latin typeface="Courier New"/>
+                <a:cs typeface="Courier New"/>
+              </a:rPr>
+              <a:t>     Portfolio p = restTemplate.getForObject(</a:t>
+            </a:r>
+          </a:p>
+          <a:p>
+            <a:r>
+              <a:rPr lang="en-US" sz="1200" dirty="0">
+                <a:latin typeface="Courier New"/>
+                <a:cs typeface="Courier New"/>
+              </a:rPr>
+              <a:t>	</a:t>
+            </a:r>
+            <a:r>
+              <a:rPr lang="en-US" sz="1200" dirty="0" smtClean="0">
+                <a:latin typeface="Courier New"/>
+                <a:cs typeface="Courier New"/>
+              </a:rPr>
+              <a:t>    </a:t>
+            </a:r>
+            <a:r>
+              <a:rPr lang="en-US" sz="1200" dirty="0" smtClean="0">
+                <a:latin typeface="Courier New"/>
+                <a:cs typeface="Courier New"/>
+                <a:hlinkClick r:id="rId3" invalidUrl="http://portfolio-service/portfolio/{accId}"/>
+              </a:rPr>
+              <a:t>“http://portfolio-service/portfolio/{</a:t>
+            </a:r>
+            <a:r>
+              <a:rPr lang="en-US" sz="1200" dirty="0" smtClean="0">
+                <a:latin typeface="Courier New"/>
+                <a:cs typeface="Courier New"/>
+                <a:hlinkClick r:id="rId4" invalidUrl="http://portfolio-service/portfolio/{accId}"/>
+              </a:rPr>
+              <a:t>acctId</a:t>
+            </a:r>
+            <a:r>
+              <a:rPr lang="en-US" sz="1200" dirty="0" smtClean="0">
+                <a:latin typeface="Courier New"/>
+                <a:cs typeface="Courier New"/>
+                <a:hlinkClick r:id="rId5" invalidUrl="http://portfolio-service/portfolio/{accId}"/>
+              </a:rPr>
+              <a:t>}</a:t>
+            </a:r>
+            <a:r>
+              <a:rPr lang="en-US" sz="1200" dirty="0" smtClean="0">
+                <a:latin typeface="Courier New"/>
+                <a:cs typeface="Courier New"/>
+              </a:rPr>
+              <a:t>”,</a:t>
+            </a:r>
+          </a:p>
+          <a:p>
+            <a:r>
+              <a:rPr lang="en-US" sz="1200" dirty="0">
+                <a:latin typeface="Courier New"/>
+                <a:cs typeface="Courier New"/>
+              </a:rPr>
+              <a:t>	 </a:t>
+            </a:r>
+            <a:r>
+              <a:rPr lang="en-US" sz="1200" dirty="0" smtClean="0">
+                <a:latin typeface="Courier New"/>
+                <a:cs typeface="Courier New"/>
+              </a:rPr>
+              <a:t>   </a:t>
+            </a:r>
+            <a:r>
+              <a:rPr lang="en-US" sz="1200" dirty="0" err="1" smtClean="0">
+                <a:latin typeface="Courier New"/>
+                <a:cs typeface="Courier New"/>
+              </a:rPr>
+              <a:t>Portfolio.class</a:t>
+            </a:r>
+            <a:r>
+              <a:rPr lang="en-US" sz="1200" dirty="0" smtClean="0">
+                <a:latin typeface="Courier New"/>
+                <a:cs typeface="Courier New"/>
+              </a:rPr>
+              <a:t>,</a:t>
+            </a:r>
+          </a:p>
+          <a:p>
+            <a:r>
+              <a:rPr lang="en-US" sz="1200" dirty="0">
+                <a:latin typeface="Courier New"/>
+                <a:cs typeface="Courier New"/>
+              </a:rPr>
+              <a:t>	</a:t>
+            </a:r>
+            <a:r>
+              <a:rPr lang="en-US" sz="1200" dirty="0" smtClean="0">
+                <a:latin typeface="Courier New"/>
+                <a:cs typeface="Courier New"/>
+              </a:rPr>
+              <a:t>    acctId);</a:t>
+            </a:r>
+            <a:endParaRPr lang="en-US" sz="1200" dirty="0">
+              <a:latin typeface="Courier New"/>
+              <a:cs typeface="Courier New"/>
+            </a:endParaRPr>
+          </a:p>
+          <a:p>
+            <a:r>
+              <a:rPr lang="en-US" sz="1200" dirty="0" smtClean="0">
+                <a:latin typeface="Courier New"/>
+                <a:cs typeface="Courier New"/>
+              </a:rPr>
+              <a:t>	 return p;</a:t>
+            </a:r>
+          </a:p>
+          <a:p>
+            <a:r>
+              <a:rPr lang="en-US" sz="1200" dirty="0" smtClean="0">
+                <a:latin typeface="Courier New"/>
+                <a:cs typeface="Courier New"/>
+              </a:rPr>
+              <a:t>   }</a:t>
+            </a:r>
+            <a:endParaRPr lang="en-US" sz="1200" dirty="0">
+              <a:latin typeface="Courier New"/>
+              <a:cs typeface="Courier New"/>
+            </a:endParaRPr>
+          </a:p>
+        </p:txBody>
+      </p:sp>
       <p:sp>
         <p:nvSpPr>
-          <p:cNvPr id="7" name="Content Placeholder 2"/>
-          <p:cNvSpPr>
-            <a:spLocks noGrp="1"/>
-          </p:cNvSpPr>
-          <p:nvPr>
-            <p:ph sz="quarter" idx="10"/>
-          </p:nvPr>
+          <p:cNvPr id="6" name="TextBox 5"/>
+          <p:cNvSpPr txBox="1"/>
+          <p:nvPr/>
         </p:nvSpPr>
         <p:spPr>
           <a:xfrm>
-            <a:off x="457200" y="1108074"/>
-            <a:ext cx="8229600" cy="3082925"/>
+            <a:off x="3159760" y="3718561"/>
+            <a:ext cx="2214880" cy="461665"/>
           </a:xfrm>
+          <a:prstGeom prst="rect">
+            <a:avLst/>
+          </a:prstGeom>
+          <a:noFill/>
         </p:spPr>
         <p:txBody>
-          <a:bodyPr/>
+          <a:bodyPr wrap="square" rtlCol="0">
+            <a:spAutoFit/>
+          </a:bodyPr>
           <a:lstStyle/>
           <a:p>
-            <a:pPr marL="0" indent="0">
-              <a:buNone/>
-            </a:pPr>
-            <a:r>
-              <a:rPr lang="en-US" sz="1800" dirty="0" smtClean="0">
-                <a:solidFill>
-                  <a:srgbClr val="FFFFFF"/>
-                </a:solidFill>
-              </a:rPr>
-              <a:t>Netflix uses Zuul</a:t>
-            </a:r>
-            <a:r>
-              <a:rPr lang="en-US" sz="1800" dirty="0">
-                <a:solidFill>
-                  <a:srgbClr val="FFFFFF"/>
-                </a:solidFill>
+            <a:r>
+              <a:rPr lang="en-US" sz="1200" b="1" dirty="0" smtClean="0">
+                <a:solidFill>
+                  <a:srgbClr val="FF0000"/>
+                </a:solidFill>
+                <a:latin typeface="Courier New"/>
+                <a:cs typeface="Courier New"/>
+                <a:sym typeface="Wingdings"/>
               </a:rPr>
               <a:t> </a:t>
             </a:r>
             <a:r>
-              <a:rPr lang="en-US" sz="1800" dirty="0" smtClean="0">
-                <a:solidFill>
-                  <a:srgbClr val="FFFFFF"/>
-                </a:solidFill>
-              </a:rPr>
-              <a:t>and Ribbon for</a:t>
-            </a:r>
-            <a:endParaRPr lang="en-US" sz="1800" dirty="0" smtClean="0">
+              <a:rPr lang="en-US" sz="1200" b="1" dirty="0">
+                <a:solidFill>
+                  <a:srgbClr val="FF0000"/>
+                </a:solidFill>
+                <a:latin typeface="Courier New"/>
+                <a:cs typeface="Courier New"/>
+                <a:sym typeface="Wingdings"/>
+              </a:rPr>
+              <a:t>MAGIC!!</a:t>
+            </a:r>
+            <a:endParaRPr lang="en-US" sz="1200" b="1" dirty="0">
               <a:solidFill>
-                <a:srgbClr val="FFFFFF"/>
+                <a:srgbClr val="FF0000"/>
               </a:solidFill>
-              <a:hlinkClick r:id="rId4"/>
+              <a:latin typeface="Courier New"/>
+              <a:cs typeface="Courier New"/>
             </a:endParaRPr>
           </a:p>
           <a:p>
-            <a:pPr lvl="0"/>
-            <a:r>
-              <a:rPr lang="en-US" sz="1800" dirty="0" smtClean="0"/>
-              <a:t>Authentication</a:t>
-            </a:r>
-            <a:endParaRPr lang="en-US" sz="1800" dirty="0"/>
-          </a:p>
-          <a:p>
-            <a:pPr lvl="0"/>
-            <a:r>
-              <a:rPr lang="en-US" sz="1800" dirty="0" smtClean="0"/>
-              <a:t>Stress </a:t>
-            </a:r>
-            <a:r>
-              <a:rPr lang="en-US" sz="1800" dirty="0"/>
-              <a:t>Testing</a:t>
-            </a:r>
-          </a:p>
-          <a:p>
-            <a:pPr lvl="0"/>
-            <a:r>
-              <a:rPr lang="en-US" sz="1800" dirty="0"/>
-              <a:t>Canary Testing</a:t>
-            </a:r>
-          </a:p>
-          <a:p>
-            <a:pPr lvl="0"/>
-            <a:r>
-              <a:rPr lang="en-US" sz="1800" dirty="0"/>
-              <a:t>Dynamic Routing</a:t>
-            </a:r>
-          </a:p>
-          <a:p>
-            <a:pPr lvl="0"/>
-            <a:r>
-              <a:rPr lang="en-US" sz="1800" dirty="0"/>
-              <a:t>Service Migration</a:t>
-            </a:r>
-          </a:p>
-          <a:p>
-            <a:pPr lvl="0"/>
-            <a:r>
-              <a:rPr lang="en-US" sz="1800" dirty="0"/>
-              <a:t>Load Shedding</a:t>
-            </a:r>
-          </a:p>
-          <a:p>
-            <a:pPr lvl="0"/>
-            <a:r>
-              <a:rPr lang="en-US" sz="1800" dirty="0"/>
-              <a:t>Security</a:t>
-            </a:r>
-          </a:p>
-          <a:p>
-            <a:pPr lvl="0"/>
-            <a:r>
-              <a:rPr lang="en-US" sz="1800" dirty="0"/>
-              <a:t>Static Response handling</a:t>
-            </a:r>
-          </a:p>
-          <a:p>
-            <a:pPr lvl="0"/>
-            <a:r>
-              <a:rPr lang="en-US" sz="1800" dirty="0"/>
-              <a:t>Active/Active </a:t>
-            </a:r>
-            <a:r>
-              <a:rPr lang="en-US" sz="1800" dirty="0" smtClean="0"/>
-              <a:t>management</a:t>
-            </a:r>
-            <a:endParaRPr lang="en-US" sz="1800" dirty="0"/>
+            <a:endParaRPr lang="en-US" sz="1200" dirty="0">
+              <a:latin typeface="Courier New"/>
+              <a:cs typeface="Courier New"/>
+            </a:endParaRPr>
+          </a:p>
+        </p:txBody>
+      </p:sp>
+      <p:cxnSp>
+        <p:nvCxnSpPr>
+          <p:cNvPr id="7" name="Straight Arrow Connector 6"/>
+          <p:cNvCxnSpPr/>
+          <p:nvPr/>
+        </p:nvCxnSpPr>
+        <p:spPr>
+          <a:xfrm flipH="1" flipV="1">
+            <a:off x="3088640" y="3637280"/>
+            <a:ext cx="132080" cy="162560"/>
+          </a:xfrm>
+          <a:prstGeom prst="straightConnector1">
+            <a:avLst/>
+          </a:prstGeom>
+          <a:ln>
+            <a:solidFill>
+              <a:srgbClr val="FF0000"/>
+            </a:solidFill>
+            <a:tailEnd type="arrow"/>
+          </a:ln>
+        </p:spPr>
+        <p:style>
+          <a:lnRef idx="2">
+            <a:schemeClr val="accent1"/>
+          </a:lnRef>
+          <a:fillRef idx="0">
+            <a:schemeClr val="accent1"/>
+          </a:fillRef>
+          <a:effectRef idx="1">
+            <a:schemeClr val="accent1"/>
+          </a:effectRef>
+          <a:fontRef idx="minor">
+            <a:schemeClr val="tx1"/>
+          </a:fontRef>
+        </p:style>
+      </p:cxnSp>
+      <p:sp>
+        <p:nvSpPr>
+          <p:cNvPr id="8" name="TextBox 7"/>
+          <p:cNvSpPr txBox="1"/>
+          <p:nvPr/>
+        </p:nvSpPr>
+        <p:spPr>
+          <a:xfrm>
+            <a:off x="193040" y="1107440"/>
+            <a:ext cx="6289040" cy="1569660"/>
+          </a:xfrm>
+          <a:prstGeom prst="rect">
+            <a:avLst/>
+          </a:prstGeom>
+          <a:solidFill>
+            <a:schemeClr val="bg1"/>
+          </a:solidFill>
+        </p:spPr>
+        <p:txBody>
+          <a:bodyPr wrap="square" rtlCol="0">
+            <a:spAutoFit/>
+          </a:bodyPr>
+          <a:lstStyle/>
+          <a:p>
+            <a:r>
+              <a:rPr lang="en-US" sz="1200" dirty="0" smtClean="0">
+                <a:latin typeface="Courier New"/>
+                <a:cs typeface="Courier New"/>
+              </a:rPr>
+              <a:t>  @</a:t>
+            </a:r>
+            <a:r>
+              <a:rPr lang="en-US" sz="1200" b="1" dirty="0" smtClean="0">
+                <a:solidFill>
+                  <a:srgbClr val="FF0000"/>
+                </a:solidFill>
+                <a:latin typeface="Courier New"/>
+                <a:cs typeface="Courier New"/>
+              </a:rPr>
+              <a:t>Autowired</a:t>
+            </a:r>
+            <a:r>
+              <a:rPr lang="en-US" sz="1200" dirty="0" smtClean="0">
+                <a:solidFill>
+                  <a:srgbClr val="FF0000"/>
+                </a:solidFill>
+                <a:latin typeface="Courier New"/>
+                <a:cs typeface="Courier New"/>
+              </a:rPr>
+              <a:t> </a:t>
+            </a:r>
+            <a:r>
+              <a:rPr lang="en-US" sz="1200" dirty="0" smtClean="0">
+                <a:latin typeface="Courier New"/>
+                <a:cs typeface="Courier New"/>
+              </a:rPr>
+              <a:t>LoadBalancerClient </a:t>
+            </a:r>
+            <a:r>
+              <a:rPr lang="en-US" sz="1200" dirty="0">
+                <a:latin typeface="Courier New"/>
+                <a:cs typeface="Courier New"/>
+              </a:rPr>
+              <a:t>loadBalancer</a:t>
+            </a:r>
+            <a:r>
+              <a:rPr lang="en-US" sz="1200" dirty="0" smtClean="0">
+                <a:latin typeface="Courier New"/>
+                <a:cs typeface="Courier New"/>
+              </a:rPr>
+              <a:t>;</a:t>
+            </a:r>
+          </a:p>
+          <a:p>
+            <a:endParaRPr lang="en-US" sz="1200" dirty="0">
+              <a:latin typeface="Courier New"/>
+              <a:cs typeface="Courier New"/>
+            </a:endParaRPr>
+          </a:p>
+          <a:p>
+            <a:r>
+              <a:rPr lang="en-US" sz="1200" dirty="0" smtClean="0">
+                <a:latin typeface="Courier New"/>
+                <a:cs typeface="Courier New"/>
+              </a:rPr>
+              <a:t>  public </a:t>
+            </a:r>
+            <a:r>
+              <a:rPr lang="en-US" sz="1200" dirty="0">
+                <a:latin typeface="Courier New"/>
+                <a:cs typeface="Courier New"/>
+              </a:rPr>
+              <a:t>void </a:t>
+            </a:r>
+            <a:r>
+              <a:rPr lang="en-US" sz="1200" dirty="0">
+                <a:solidFill>
+                  <a:srgbClr val="77933C"/>
+                </a:solidFill>
+                <a:latin typeface="Courier New"/>
+                <a:cs typeface="Courier New"/>
+              </a:rPr>
+              <a:t>doStuff</a:t>
+            </a:r>
+            <a:r>
+              <a:rPr lang="en-US" sz="1200" dirty="0">
+                <a:latin typeface="Courier New"/>
+                <a:cs typeface="Courier New"/>
+              </a:rPr>
+              <a:t>() </a:t>
+            </a:r>
+            <a:r>
+              <a:rPr lang="en-US" sz="1200" dirty="0" smtClean="0">
+                <a:latin typeface="Courier New"/>
+                <a:cs typeface="Courier New"/>
+              </a:rPr>
+              <a:t>{</a:t>
+            </a:r>
+          </a:p>
+          <a:p>
+            <a:r>
+              <a:rPr lang="en-US" sz="1200" dirty="0" smtClean="0">
+                <a:latin typeface="Courier New"/>
+                <a:cs typeface="Courier New"/>
+              </a:rPr>
+              <a:t>  </a:t>
+            </a:r>
+            <a:r>
+              <a:rPr lang="en-US" sz="1200" dirty="0">
+                <a:latin typeface="Courier New"/>
+                <a:cs typeface="Courier New"/>
+              </a:rPr>
+              <a:t> </a:t>
+            </a:r>
+            <a:r>
+              <a:rPr lang="en-US" sz="1200" dirty="0" smtClean="0">
+                <a:latin typeface="Courier New"/>
+                <a:cs typeface="Courier New"/>
+              </a:rPr>
+              <a:t>  ServiceInstance </a:t>
+            </a:r>
+            <a:r>
+              <a:rPr lang="en-US" sz="1200" dirty="0">
+                <a:latin typeface="Courier New"/>
+                <a:cs typeface="Courier New"/>
+              </a:rPr>
+              <a:t>instance = </a:t>
+            </a:r>
+            <a:r>
+              <a:rPr lang="en-US" sz="1200" dirty="0" smtClean="0">
+                <a:latin typeface="Courier New"/>
+                <a:cs typeface="Courier New"/>
+              </a:rPr>
+              <a:t>loadBalancer.choose</a:t>
+            </a:r>
+            <a:r>
+              <a:rPr lang="en-US" sz="1200" dirty="0">
+                <a:latin typeface="Courier New"/>
+                <a:cs typeface="Courier New"/>
+              </a:rPr>
+              <a:t>("stores")</a:t>
+            </a:r>
+            <a:r>
+              <a:rPr lang="en-US" sz="1200" dirty="0" smtClean="0">
+                <a:latin typeface="Courier New"/>
+                <a:cs typeface="Courier New"/>
+              </a:rPr>
+              <a:t>;</a:t>
+            </a:r>
+          </a:p>
+          <a:p>
+            <a:r>
+              <a:rPr lang="en-US" sz="1200" dirty="0" smtClean="0">
+                <a:latin typeface="Courier New"/>
+                <a:cs typeface="Courier New"/>
+              </a:rPr>
+              <a:t>     URI </a:t>
+            </a:r>
+            <a:r>
+              <a:rPr lang="en-US" sz="1200" dirty="0">
+                <a:latin typeface="Courier New"/>
+                <a:cs typeface="Courier New"/>
+              </a:rPr>
+              <a:t>storesUri = URI.create(String.format("http://%s:%s"</a:t>
+            </a:r>
+            <a:r>
+              <a:rPr lang="en-US" sz="1200" dirty="0" smtClean="0">
+                <a:latin typeface="Courier New"/>
+                <a:cs typeface="Courier New"/>
+              </a:rPr>
+              <a:t>,</a:t>
+            </a:r>
+          </a:p>
+          <a:p>
+            <a:r>
+              <a:rPr lang="en-US" sz="1200" dirty="0" smtClean="0">
+                <a:latin typeface="Courier New"/>
+                <a:cs typeface="Courier New"/>
+              </a:rPr>
+              <a:t>                        instance.getHost</a:t>
+            </a:r>
+            <a:r>
+              <a:rPr lang="en-US" sz="1200" dirty="0">
+                <a:latin typeface="Courier New"/>
+                <a:cs typeface="Courier New"/>
+              </a:rPr>
+              <a:t>(), instance.getPort()))</a:t>
+            </a:r>
+            <a:r>
+              <a:rPr lang="en-US" sz="1200" dirty="0" smtClean="0">
+                <a:latin typeface="Courier New"/>
+                <a:cs typeface="Courier New"/>
+              </a:rPr>
+              <a:t>;</a:t>
+            </a:r>
+          </a:p>
+          <a:p>
+            <a:r>
+              <a:rPr lang="en-US" sz="1200" dirty="0">
+                <a:latin typeface="Courier New"/>
+                <a:cs typeface="Courier New"/>
+              </a:rPr>
+              <a:t> </a:t>
+            </a:r>
+            <a:r>
+              <a:rPr lang="en-US" sz="1200" dirty="0" smtClean="0">
+                <a:latin typeface="Courier New"/>
+                <a:cs typeface="Courier New"/>
+              </a:rPr>
+              <a:t>    </a:t>
+            </a:r>
+            <a:r>
+              <a:rPr lang="en-US" sz="1200" dirty="0" smtClean="0">
+                <a:solidFill>
+                  <a:schemeClr val="bg1">
+                    <a:lumMod val="75000"/>
+                  </a:schemeClr>
+                </a:solidFill>
+                <a:latin typeface="Courier New"/>
+                <a:cs typeface="Courier New"/>
+              </a:rPr>
+              <a:t>// Do some stuff</a:t>
+            </a:r>
+            <a:r>
+              <a:rPr lang="is-IS" sz="1200" dirty="0" smtClean="0">
+                <a:solidFill>
+                  <a:schemeClr val="bg1">
+                    <a:lumMod val="75000"/>
+                  </a:schemeClr>
+                </a:solidFill>
+                <a:latin typeface="Courier New"/>
+                <a:cs typeface="Courier New"/>
+              </a:rPr>
+              <a:t>…</a:t>
+            </a:r>
+            <a:r>
+              <a:rPr lang="en-US" sz="1200" dirty="0" smtClean="0">
+                <a:solidFill>
+                  <a:schemeClr val="bg1">
+                    <a:lumMod val="75000"/>
+                  </a:schemeClr>
+                </a:solidFill>
+                <a:latin typeface="Courier New"/>
+                <a:cs typeface="Courier New"/>
+              </a:rPr>
+              <a:t>          </a:t>
+            </a:r>
+          </a:p>
+          <a:p>
+            <a:r>
+              <a:rPr lang="en-US" sz="1200" dirty="0" smtClean="0">
+                <a:latin typeface="Courier New"/>
+                <a:cs typeface="Courier New"/>
+              </a:rPr>
+              <a:t>  }</a:t>
+            </a:r>
           </a:p>
         </p:txBody>
       </p:sp>
@@ -14753,9 +14333,110 @@
   <p:timing>
     <p:tnLst>
       <p:par>
-        <p:cTn id="1" dur="indefinite" restart="never" nodeType="tmRoot"/>
+        <p:cTn id="1" dur="indefinite" restart="never" nodeType="tmRoot">
+          <p:childTnLst>
+            <p:seq concurrent="1" nextAc="seek">
+              <p:cTn id="2" dur="indefinite" nodeType="mainSeq">
+                <p:childTnLst>
+                  <p:par>
+                    <p:cTn id="3" fill="hold">
+                      <p:stCondLst>
+                        <p:cond delay="indefinite"/>
+                        <p:cond evt="onBegin" delay="0">
+                          <p:tn val="2"/>
+                        </p:cond>
+                      </p:stCondLst>
+                      <p:childTnLst>
+                        <p:par>
+                          <p:cTn id="4" fill="hold">
+                            <p:stCondLst>
+                              <p:cond delay="0"/>
+                            </p:stCondLst>
+                            <p:childTnLst>
+                              <p:par>
+                                <p:cTn id="5" presetID="1" presetClass="entr" presetSubtype="0" fill="hold" nodeType="withEffect">
+                                  <p:stCondLst>
+                                    <p:cond delay="0"/>
+                                  </p:stCondLst>
+                                  <p:childTnLst>
+                                    <p:set>
+                                      <p:cBhvr>
+                                        <p:cTn id="6" dur="1" fill="hold">
+                                          <p:stCondLst>
+                                            <p:cond delay="0"/>
+                                          </p:stCondLst>
+                                        </p:cTn>
+                                        <p:tgtEl>
+                                          <p:spTgt spid="7"/>
+                                        </p:tgtEl>
+                                        <p:attrNameLst>
+                                          <p:attrName>style.visibility</p:attrName>
+                                        </p:attrNameLst>
+                                      </p:cBhvr>
+                                      <p:to>
+                                        <p:strVal val="visible"/>
+                                      </p:to>
+                                    </p:set>
+                                  </p:childTnLst>
+                                </p:cTn>
+                              </p:par>
+                              <p:par>
+                                <p:cTn id="7" presetID="1" presetClass="entr" presetSubtype="0" fill="hold" grpId="0" nodeType="withEffect">
+                                  <p:stCondLst>
+                                    <p:cond delay="0"/>
+                                  </p:stCondLst>
+                                  <p:childTnLst>
+                                    <p:set>
+                                      <p:cBhvr>
+                                        <p:cTn id="8" dur="1" fill="hold">
+                                          <p:stCondLst>
+                                            <p:cond delay="0"/>
+                                          </p:stCondLst>
+                                        </p:cTn>
+                                        <p:tgtEl>
+                                          <p:spTgt spid="6"/>
+                                        </p:tgtEl>
+                                        <p:attrNameLst>
+                                          <p:attrName>style.visibility</p:attrName>
+                                        </p:attrNameLst>
+                                      </p:cBhvr>
+                                      <p:to>
+                                        <p:strVal val="visible"/>
+                                      </p:to>
+                                    </p:set>
+                                  </p:childTnLst>
+                                </p:cTn>
+                              </p:par>
+                            </p:childTnLst>
+                          </p:cTn>
+                        </p:par>
+                      </p:childTnLst>
+                    </p:cTn>
+                  </p:par>
+                </p:childTnLst>
+              </p:cTn>
+              <p:prevCondLst>
+                <p:cond evt="onPrev" delay="0">
+                  <p:tgtEl>
+                    <p:sldTgt/>
+                  </p:tgtEl>
+                </p:cond>
+              </p:prevCondLst>
+              <p:nextCondLst>
+                <p:cond evt="onNext" delay="0">
+                  <p:tgtEl>
+                    <p:sldTgt/>
+                  </p:tgtEl>
+                </p:cond>
+              </p:nextCondLst>
+            </p:seq>
+          </p:childTnLst>
+        </p:cTn>
       </p:par>
     </p:tnLst>
+    <p:bldLst>
+      <p:bldP spid="6" grpId="0"/>
+    </p:bldLst>
   </p:timing>
 </p:sld>
 </file>

--- a/presentations/103 - Intro to Spring Cloud Services/Session_7_SC_Discovery_LB.pptx
+++ b/presentations/103 - Intro to Spring Cloud Services/Session_7_SC_Discovery_LB.pptx
@@ -243,7 +243,7 @@
           <a:p>
             <a:fld id="{372E5B6B-8713-8747-AE5B-F1241B2BF5F0}" type="datetimeFigureOut">
               <a:rPr lang="en-US" smtClean="0"/>
-              <a:t>10/3/17</a:t>
+              <a:t>10/12/17</a:t>
             </a:fld>
             <a:endParaRPr lang="en-US"/>
           </a:p>
@@ -409,7 +409,7 @@
           <a:p>
             <a:fld id="{7E7B7340-DDD5-1B49-81AA-25BC4050C073}" type="datetimeFigureOut">
               <a:rPr lang="en-US" smtClean="0"/>
-              <a:t>10/3/17</a:t>
+              <a:t>10/12/17</a:t>
             </a:fld>
             <a:endParaRPr lang="en-US"/>
           </a:p>
@@ -8891,30 +8891,6 @@
           </a:p>
         </p:txBody>
       </p:sp>
-      <p:pic>
-        <p:nvPicPr>
-          <p:cNvPr id="9" name="Picture 8"/>
-          <p:cNvPicPr>
-            <a:picLocks noChangeAspect="1"/>
-          </p:cNvPicPr>
-          <p:nvPr/>
-        </p:nvPicPr>
-        <p:blipFill>
-          <a:blip r:embed="rId5"/>
-          <a:stretch>
-            <a:fillRect/>
-          </a:stretch>
-        </p:blipFill>
-        <p:spPr>
-          <a:xfrm>
-            <a:off x="7251252" y="247243"/>
-            <a:ext cx="1652494" cy="435864"/>
-          </a:xfrm>
-          <a:prstGeom prst="rect">
-            <a:avLst/>
-          </a:prstGeom>
-        </p:spPr>
-      </p:pic>
     </p:spTree>
     <p:extLst>
       <p:ext uri="{BB962C8B-B14F-4D97-AF65-F5344CB8AC3E}">

--- a/presentations/103 - Intro to Spring Cloud Services/Session_7_SC_Discovery_LB.pptx
+++ b/presentations/103 - Intro to Spring Cloud Services/Session_7_SC_Discovery_LB.pptx
@@ -243,7 +243,7 @@
           <a:p>
             <a:fld id="{372E5B6B-8713-8747-AE5B-F1241B2BF5F0}" type="datetimeFigureOut">
               <a:rPr lang="en-US" smtClean="0"/>
-              <a:t>10/12/17</a:t>
+              <a:t>10/3/17</a:t>
             </a:fld>
             <a:endParaRPr lang="en-US"/>
           </a:p>
@@ -409,7 +409,7 @@
           <a:p>
             <a:fld id="{7E7B7340-DDD5-1B49-81AA-25BC4050C073}" type="datetimeFigureOut">
               <a:rPr lang="en-US" smtClean="0"/>
-              <a:t>10/12/17</a:t>
+              <a:t>10/3/17</a:t>
             </a:fld>
             <a:endParaRPr lang="en-US"/>
           </a:p>
@@ -8891,6 +8891,30 @@
           </a:p>
         </p:txBody>
       </p:sp>
+      <p:pic>
+        <p:nvPicPr>
+          <p:cNvPr id="9" name="Picture 8"/>
+          <p:cNvPicPr>
+            <a:picLocks noChangeAspect="1"/>
+          </p:cNvPicPr>
+          <p:nvPr/>
+        </p:nvPicPr>
+        <p:blipFill>
+          <a:blip r:embed="rId5"/>
+          <a:stretch>
+            <a:fillRect/>
+          </a:stretch>
+        </p:blipFill>
+        <p:spPr>
+          <a:xfrm>
+            <a:off x="7251252" y="247243"/>
+            <a:ext cx="1652494" cy="435864"/>
+          </a:xfrm>
+          <a:prstGeom prst="rect">
+            <a:avLst/>
+          </a:prstGeom>
+        </p:spPr>
+      </p:pic>
     </p:spTree>
     <p:extLst>
       <p:ext uri="{BB962C8B-B14F-4D97-AF65-F5344CB8AC3E}">

--- a/presentations/103 - Intro to Spring Cloud Services/Session_7_SC_Discovery_LB.pptx
+++ b/presentations/103 - Intro to Spring Cloud Services/Session_7_SC_Discovery_LB.pptx
@@ -243,7 +243,7 @@
           <a:p>
             <a:fld id="{372E5B6B-8713-8747-AE5B-F1241B2BF5F0}" type="datetimeFigureOut">
               <a:rPr lang="en-US" smtClean="0"/>
-              <a:t>10/12/17</a:t>
+              <a:t>10/22/18</a:t>
             </a:fld>
             <a:endParaRPr lang="en-US"/>
           </a:p>
@@ -409,7 +409,7 @@
           <a:p>
             <a:fld id="{7E7B7340-DDD5-1B49-81AA-25BC4050C073}" type="datetimeFigureOut">
               <a:rPr lang="en-US" smtClean="0"/>
-              <a:t>10/12/17</a:t>
+              <a:t>10/22/18</a:t>
             </a:fld>
             <a:endParaRPr lang="en-US"/>
           </a:p>
@@ -473,38 +473,37 @@
           <a:p>
             <a:pPr lvl="0"/>
             <a:r>
-              <a:rPr lang="en-US" smtClean="0"/>
+              <a:rPr lang="en-US"/>
               <a:t>Click to edit Master text styles</a:t>
             </a:r>
           </a:p>
           <a:p>
             <a:pPr lvl="1"/>
             <a:r>
-              <a:rPr lang="en-US" smtClean="0"/>
+              <a:rPr lang="en-US"/>
               <a:t>Second level</a:t>
             </a:r>
           </a:p>
           <a:p>
             <a:pPr lvl="2"/>
             <a:r>
-              <a:rPr lang="en-US" smtClean="0"/>
+              <a:rPr lang="en-US"/>
               <a:t>Third level</a:t>
             </a:r>
           </a:p>
           <a:p>
             <a:pPr lvl="3"/>
             <a:r>
-              <a:rPr lang="en-US" smtClean="0"/>
+              <a:rPr lang="en-US"/>
               <a:t>Fourth level</a:t>
             </a:r>
           </a:p>
           <a:p>
             <a:pPr lvl="4"/>
             <a:r>
-              <a:rPr lang="en-US" smtClean="0"/>
+              <a:rPr lang="en-US"/>
               <a:t>Fifth level</a:t>
             </a:r>
-            <a:endParaRPr lang="en-US"/>
           </a:p>
         </p:txBody>
       </p:sp>
@@ -723,11 +722,11 @@
           <a:lstStyle/>
           <a:p>
             <a:r>
-              <a:rPr lang="en-US" dirty="0" smtClean="0"/>
+              <a:rPr lang="en-US" dirty="0"/>
               <a:t>Resting slide</a:t>
             </a:r>
             <a:r>
-              <a:rPr lang="en-US" baseline="0" dirty="0" smtClean="0"/>
+              <a:rPr lang="en-US" baseline="0" dirty="0"/>
               <a:t> on screen before you begin presenting.</a:t>
             </a:r>
             <a:endParaRPr lang="en-US" dirty="0"/>
@@ -967,22 +966,21 @@
           <a:lstStyle/>
           <a:p>
             <a:r>
-              <a:rPr lang="en-US" dirty="0" smtClean="0"/>
+              <a:rPr lang="en-US" dirty="0"/>
               <a:t>Service Discovery is one of the key tenets of a microservice based architecture.</a:t>
             </a:r>
           </a:p>
           <a:p>
             <a:r>
-              <a:rPr lang="en-US" dirty="0" smtClean="0"/>
+              <a:rPr lang="en-US" dirty="0"/>
               <a:t>In distributed systems, application dependencies cease to be a method call away.</a:t>
             </a:r>
           </a:p>
           <a:p>
             <a:r>
-              <a:rPr lang="en-US" dirty="0" smtClean="0"/>
+              <a:rPr lang="en-US" dirty="0"/>
               <a:t>Trying to hand configure each client or use some form of convention can be very difficult to do and can be very brittle.</a:t>
             </a:r>
-            <a:endParaRPr lang="en-US" dirty="0"/>
           </a:p>
         </p:txBody>
       </p:sp>
@@ -1067,16 +1065,15 @@
           <a:lstStyle/>
           <a:p>
             <a:r>
-              <a:rPr lang="en-US" dirty="0" smtClean="0"/>
+              <a:rPr lang="en-US" dirty="0"/>
               <a:t>Service instances in the registry all have to send heartbeats to keep their registrations up to date</a:t>
             </a:r>
           </a:p>
           <a:p>
             <a:r>
-              <a:rPr lang="en-US" dirty="0" smtClean="0"/>
+              <a:rPr lang="en-US" dirty="0"/>
               <a:t>Clients also have an in-memory cache of eureka registrations (so they don’t have to go to the registry for every single request to a service)</a:t>
             </a:r>
-            <a:endParaRPr lang="en-US" dirty="0"/>
           </a:p>
         </p:txBody>
       </p:sp>
@@ -1329,7 +1326,7 @@
           <a:lstStyle/>
           <a:p>
             <a:r>
-              <a:rPr lang="en-US" sz="1200" b="1" kern="1200" dirty="0" smtClean="0">
+              <a:rPr lang="en-US" sz="1200" b="1" kern="1200" dirty="0">
                 <a:solidFill>
                   <a:schemeClr val="tx1"/>
                 </a:solidFill>
@@ -1341,7 +1338,7 @@
               <a:t>The server is easily embeddable in a Spring Boot application using the @</a:t>
             </a:r>
             <a:r>
-              <a:rPr lang="en-US" sz="1200" b="1" kern="1200" dirty="0" err="1" smtClean="0">
+              <a:rPr lang="en-US" sz="1200" b="1" kern="1200" dirty="0" err="1">
                 <a:solidFill>
                   <a:schemeClr val="tx1"/>
                 </a:solidFill>
@@ -1353,7 +1350,7 @@
               <a:t>EnableConfigServer</a:t>
             </a:r>
             <a:r>
-              <a:rPr lang="en-US" sz="1200" b="1" kern="1200" dirty="0" smtClean="0">
+              <a:rPr lang="en-US" sz="1200" b="1" kern="1200" dirty="0">
                 <a:solidFill>
                   <a:schemeClr val="tx1"/>
                 </a:solidFill>
@@ -1364,7 +1361,7 @@
               </a:rPr>
               <a:t> annotation.</a:t>
             </a:r>
-            <a:endParaRPr lang="en-US" sz="1200" kern="1200" dirty="0" smtClean="0">
+            <a:endParaRPr lang="en-US" sz="1200" kern="1200" dirty="0">
               <a:solidFill>
                 <a:schemeClr val="tx1"/>
               </a:solidFill>
@@ -1375,12 +1372,12 @@
             </a:endParaRPr>
           </a:p>
           <a:p>
-            <a:endParaRPr lang="en-US" dirty="0" smtClean="0"/>
+            <a:endParaRPr lang="en-US" dirty="0"/>
           </a:p>
           <a:p>
             <a:pPr lvl="0" fontAlgn="base"/>
             <a:r>
-              <a:rPr lang="en-US" sz="1200" b="1" kern="1200" dirty="0" smtClean="0">
+              <a:rPr lang="en-US" sz="1200" b="1" kern="1200" dirty="0">
                 <a:solidFill>
                   <a:schemeClr val="tx1"/>
                 </a:solidFill>
@@ -1391,7 +1388,7 @@
               </a:rPr>
               <a:t>Application configuration data is stored in a backend</a:t>
             </a:r>
-            <a:endParaRPr lang="en-US" sz="1200" kern="1200" dirty="0" smtClean="0">
+            <a:endParaRPr lang="en-US" sz="1200" kern="1200" dirty="0">
               <a:solidFill>
                 <a:schemeClr val="tx1"/>
               </a:solidFill>
@@ -1404,7 +1401,7 @@
           <a:p>
             <a:pPr lvl="0" fontAlgn="base"/>
             <a:r>
-              <a:rPr lang="en-US" sz="1200" b="1" kern="1200" dirty="0" smtClean="0">
+              <a:rPr lang="en-US" sz="1200" b="1" kern="1200" dirty="0">
                 <a:solidFill>
                   <a:schemeClr val="tx1"/>
                 </a:solidFill>
@@ -1416,7 +1413,7 @@
               <a:t>Git, Subversion and File System </a:t>
             </a:r>
             <a:r>
-              <a:rPr lang="en-US" sz="1200" b="1" kern="1200" dirty="0" err="1" smtClean="0">
+              <a:rPr lang="en-US" sz="1200" b="1" kern="1200" dirty="0" err="1">
                 <a:solidFill>
                   <a:schemeClr val="tx1"/>
                 </a:solidFill>
@@ -1428,7 +1425,7 @@
               <a:t>backends</a:t>
             </a:r>
             <a:r>
-              <a:rPr lang="en-US" sz="1200" b="1" kern="1200" dirty="0" smtClean="0">
+              <a:rPr lang="en-US" sz="1200" b="1" kern="1200" dirty="0">
                 <a:solidFill>
                   <a:schemeClr val="tx1"/>
                 </a:solidFill>
@@ -1439,7 +1436,7 @@
               </a:rPr>
               <a:t> are supported</a:t>
             </a:r>
-            <a:endParaRPr lang="en-US" sz="1200" kern="1200" dirty="0" smtClean="0">
+            <a:endParaRPr lang="en-US" sz="1200" kern="1200" dirty="0">
               <a:solidFill>
                 <a:schemeClr val="tx1"/>
               </a:solidFill>
@@ -1452,7 +1449,7 @@
           <a:p>
             <a:pPr lvl="0" fontAlgn="base"/>
             <a:r>
-              <a:rPr lang="en-US" sz="1200" b="1" kern="1200" dirty="0" smtClean="0">
+              <a:rPr lang="en-US" sz="1200" b="1" kern="1200" dirty="0">
                 <a:solidFill>
                   <a:schemeClr val="tx1"/>
                 </a:solidFill>
@@ -1463,7 +1460,7 @@
               </a:rPr>
               <a:t>Git is the default backend. It's great for auditing changes and managing upgrades</a:t>
             </a:r>
-            <a:endParaRPr lang="en-US" sz="1200" kern="1200" dirty="0" smtClean="0">
+            <a:endParaRPr lang="en-US" sz="1200" kern="1200" dirty="0">
               <a:solidFill>
                 <a:schemeClr val="tx1"/>
               </a:solidFill>
@@ -1476,7 +1473,7 @@
           <a:p>
             <a:pPr lvl="0" fontAlgn="base"/>
             <a:r>
-              <a:rPr lang="en-US" sz="1200" b="1" kern="1200" dirty="0" smtClean="0">
+              <a:rPr lang="en-US" sz="1200" b="1" kern="1200" dirty="0">
                 <a:solidFill>
                   <a:schemeClr val="tx1"/>
                 </a:solidFill>
@@ -1488,7 +1485,7 @@
               <a:t>Setting the git backend is done via the </a:t>
             </a:r>
             <a:r>
-              <a:rPr lang="en-US" sz="1200" b="1" kern="1200" dirty="0" err="1" smtClean="0">
+              <a:rPr lang="en-US" sz="1200" b="1" kern="1200" dirty="0" err="1">
                 <a:solidFill>
                   <a:schemeClr val="tx1"/>
                 </a:solidFill>
@@ -1500,7 +1497,7 @@
               <a:t>spring.cloud.config.server.git.uriconfiguration</a:t>
             </a:r>
             <a:r>
-              <a:rPr lang="en-US" sz="1200" b="1" kern="1200" dirty="0" smtClean="0">
+              <a:rPr lang="en-US" sz="1200" b="1" kern="1200" dirty="0">
                 <a:solidFill>
                   <a:schemeClr val="tx1"/>
                 </a:solidFill>
@@ -1514,7 +1511,7 @@
           </a:p>
           <a:p>
             <a:pPr lvl="0" fontAlgn="base"/>
-            <a:endParaRPr lang="en-US" sz="1200" b="1" kern="1200" dirty="0" smtClean="0">
+            <a:endParaRPr lang="en-US" sz="1200" b="1" kern="1200" dirty="0">
               <a:solidFill>
                 <a:schemeClr val="tx1"/>
               </a:solidFill>
@@ -1526,7 +1523,7 @@
           </a:p>
           <a:p>
             <a:pPr lvl="0" fontAlgn="base"/>
-            <a:endParaRPr lang="en-US" sz="1200" kern="1200" dirty="0" smtClean="0">
+            <a:endParaRPr lang="en-US" sz="1200" kern="1200" dirty="0">
               <a:solidFill>
                 <a:schemeClr val="tx1"/>
               </a:solidFill>
@@ -1538,7 +1535,7 @@
           </a:p>
           <a:p>
             <a:r>
-              <a:rPr lang="en-US" sz="1200" kern="1200" dirty="0" smtClean="0">
+              <a:rPr lang="en-US" sz="1200" kern="1200" dirty="0">
                 <a:solidFill>
                   <a:schemeClr val="tx1"/>
                 </a:solidFill>
@@ -1723,7 +1720,7 @@
           <a:lstStyle/>
           <a:p>
             <a:r>
-              <a:rPr lang="en-US" sz="1200" u="sng" kern="1200" dirty="0" smtClean="0">
+              <a:rPr lang="en-US" sz="1200" u="sng" kern="1200" dirty="0">
                 <a:solidFill>
                   <a:schemeClr val="tx1"/>
                 </a:solidFill>
@@ -1736,7 +1733,7 @@
               <a:t>Netflix uses Zuul</a:t>
             </a:r>
             <a:r>
-              <a:rPr lang="en-US" sz="1200" kern="1200" dirty="0" smtClean="0">
+              <a:rPr lang="en-US" sz="1200" kern="1200" dirty="0">
                 <a:solidFill>
                   <a:schemeClr val="tx1"/>
                 </a:solidFill>
@@ -1751,7 +1748,7 @@
           <a:p>
             <a:pPr lvl="0"/>
             <a:r>
-              <a:rPr lang="en-US" sz="1200" kern="1200" dirty="0" smtClean="0">
+              <a:rPr lang="en-US" sz="1200" kern="1200" dirty="0">
                 <a:solidFill>
                   <a:schemeClr val="tx1"/>
                 </a:solidFill>
@@ -1766,7 +1763,7 @@
           <a:p>
             <a:pPr lvl="0"/>
             <a:r>
-              <a:rPr lang="en-US" sz="1200" kern="1200" dirty="0" smtClean="0">
+              <a:rPr lang="en-US" sz="1200" kern="1200" dirty="0">
                 <a:solidFill>
                   <a:schemeClr val="tx1"/>
                 </a:solidFill>
@@ -1781,7 +1778,7 @@
           <a:p>
             <a:pPr lvl="0"/>
             <a:r>
-              <a:rPr lang="en-US" sz="1200" kern="1200" dirty="0" smtClean="0">
+              <a:rPr lang="en-US" sz="1200" kern="1200" dirty="0">
                 <a:solidFill>
                   <a:schemeClr val="tx1"/>
                 </a:solidFill>
@@ -1796,7 +1793,7 @@
           <a:p>
             <a:pPr lvl="0"/>
             <a:r>
-              <a:rPr lang="en-US" sz="1200" kern="1200" dirty="0" smtClean="0">
+              <a:rPr lang="en-US" sz="1200" kern="1200" dirty="0">
                 <a:solidFill>
                   <a:schemeClr val="tx1"/>
                 </a:solidFill>
@@ -1811,7 +1808,7 @@
           <a:p>
             <a:pPr lvl="0"/>
             <a:r>
-              <a:rPr lang="en-US" sz="1200" kern="1200" dirty="0" smtClean="0">
+              <a:rPr lang="en-US" sz="1200" kern="1200" dirty="0">
                 <a:solidFill>
                   <a:schemeClr val="tx1"/>
                 </a:solidFill>
@@ -1826,7 +1823,7 @@
           <a:p>
             <a:pPr lvl="0"/>
             <a:r>
-              <a:rPr lang="en-US" sz="1200" kern="1200" dirty="0" smtClean="0">
+              <a:rPr lang="en-US" sz="1200" kern="1200" dirty="0">
                 <a:solidFill>
                   <a:schemeClr val="tx1"/>
                 </a:solidFill>
@@ -1841,7 +1838,7 @@
           <a:p>
             <a:pPr lvl="0"/>
             <a:r>
-              <a:rPr lang="en-US" sz="1200" kern="1200" dirty="0" smtClean="0">
+              <a:rPr lang="en-US" sz="1200" kern="1200" dirty="0">
                 <a:solidFill>
                   <a:schemeClr val="tx1"/>
                 </a:solidFill>
@@ -1856,7 +1853,7 @@
           <a:p>
             <a:pPr lvl="0"/>
             <a:r>
-              <a:rPr lang="en-US" sz="1200" kern="1200" dirty="0" smtClean="0">
+              <a:rPr lang="en-US" sz="1200" kern="1200" dirty="0">
                 <a:solidFill>
                   <a:schemeClr val="tx1"/>
                 </a:solidFill>
@@ -1871,7 +1868,7 @@
           <a:p>
             <a:pPr lvl="0"/>
             <a:r>
-              <a:rPr lang="en-US" sz="1200" kern="1200" dirty="0" smtClean="0">
+              <a:rPr lang="en-US" sz="1200" kern="1200" dirty="0">
                 <a:solidFill>
                   <a:schemeClr val="tx1"/>
                 </a:solidFill>
@@ -1886,7 +1883,7 @@
           <a:p>
             <a:pPr lvl="0"/>
             <a:r>
-              <a:rPr lang="en-US" sz="1200" kern="1200" dirty="0" smtClean="0">
+              <a:rPr lang="en-US" sz="1200" kern="1200" dirty="0">
                 <a:solidFill>
                   <a:schemeClr val="tx1"/>
                 </a:solidFill>
@@ -1900,7 +1897,7 @@
           </a:p>
           <a:p>
             <a:r>
-              <a:rPr lang="en-US" sz="1200" kern="1200" dirty="0" err="1" smtClean="0">
+              <a:rPr lang="en-US" sz="1200" kern="1200" dirty="0" err="1">
                 <a:solidFill>
                   <a:schemeClr val="tx1"/>
                 </a:solidFill>
@@ -1912,7 +1909,7 @@
               <a:t>Zuul’s</a:t>
             </a:r>
             <a:r>
-              <a:rPr lang="en-US" sz="1200" kern="1200" dirty="0" smtClean="0">
+              <a:rPr lang="en-US" sz="1200" kern="1200" dirty="0">
                 <a:solidFill>
                   <a:schemeClr val="tx1"/>
                 </a:solidFill>
@@ -1926,7 +1923,7 @@
           </a:p>
           <a:p>
             <a:r>
-              <a:rPr lang="en-US" sz="1200" kern="1200" dirty="0" smtClean="0">
+              <a:rPr lang="en-US" sz="1200" kern="1200" dirty="0">
                 <a:solidFill>
                   <a:schemeClr val="tx1"/>
                 </a:solidFill>
@@ -1940,7 +1937,7 @@
           </a:p>
           <a:p>
             <a:r>
-              <a:rPr lang="en-US" sz="1200" kern="1200" dirty="0" smtClean="0">
+              <a:rPr lang="en-US" sz="1200" kern="1200" dirty="0">
                 <a:solidFill>
                   <a:schemeClr val="tx1"/>
                 </a:solidFill>
@@ -1951,15 +1948,6 @@
               </a:rPr>
               <a:t> </a:t>
             </a:r>
-            <a:endParaRPr lang="en-US" sz="1200" kern="1200" dirty="0">
-              <a:solidFill>
-                <a:schemeClr val="tx1"/>
-              </a:solidFill>
-              <a:effectLst/>
-              <a:latin typeface="+mn-lt"/>
-              <a:ea typeface="+mn-ea"/>
-              <a:cs typeface="+mn-cs"/>
-            </a:endParaRPr>
           </a:p>
         </p:txBody>
       </p:sp>
@@ -2134,10 +2122,9 @@
           </a:lstStyle>
           <a:p>
             <a:r>
-              <a:rPr lang="en-US" dirty="0" smtClean="0"/>
+              <a:rPr lang="en-US" dirty="0"/>
               <a:t>Click to edit Master title style</a:t>
             </a:r>
-            <a:endParaRPr lang="en-US" dirty="0"/>
           </a:p>
         </p:txBody>
       </p:sp>
@@ -2200,10 +2187,9 @@
           <a:p>
             <a:pPr lvl="0"/>
             <a:r>
-              <a:rPr lang="en-US" dirty="0" smtClean="0"/>
+              <a:rPr lang="en-US" dirty="0"/>
               <a:t>Click to edit Master</a:t>
             </a:r>
-            <a:endParaRPr lang="en-US" dirty="0"/>
           </a:p>
         </p:txBody>
       </p:sp>
@@ -2217,13 +2203,6 @@
   <p:clrMapOvr>
     <a:masterClrMapping/>
   </p:clrMapOvr>
-  <p:timing>
-    <p:tnLst>
-      <p:par>
-        <p:cTn id="1" dur="indefinite" restart="never" nodeType="tmRoot"/>
-      </p:par>
-    </p:tnLst>
-  </p:timing>
 </p:sldLayout>
 </file>
 
@@ -2645,10 +2624,9 @@
           </a:lstStyle>
           <a:p>
             <a:r>
-              <a:rPr lang="en-US" dirty="0" smtClean="0"/>
+              <a:rPr lang="en-US" dirty="0"/>
               <a:t>Click to edit Master title style</a:t>
             </a:r>
-            <a:endParaRPr lang="en-US" dirty="0"/>
           </a:p>
         </p:txBody>
       </p:sp>
@@ -2744,10 +2722,9 @@
           <a:p>
             <a:pPr lvl="0"/>
             <a:r>
-              <a:rPr lang="en-US" dirty="0" smtClean="0"/>
+              <a:rPr lang="en-US" dirty="0"/>
               <a:t>Click to edit Master</a:t>
             </a:r>
-            <a:endParaRPr lang="en-US" dirty="0"/>
           </a:p>
         </p:txBody>
       </p:sp>
@@ -2761,13 +2738,6 @@
   <p:clrMapOvr>
     <a:masterClrMapping/>
   </p:clrMapOvr>
-  <p:timing>
-    <p:tnLst>
-      <p:par>
-        <p:cTn id="1" dur="indefinite" restart="never" nodeType="tmRoot"/>
-      </p:par>
-    </p:tnLst>
-  </p:timing>
 </p:sldLayout>
 </file>
 
@@ -2939,13 +2909,6 @@
   <p:clrMapOvr>
     <a:masterClrMapping/>
   </p:clrMapOvr>
-  <p:timing>
-    <p:tnLst>
-      <p:par>
-        <p:cTn id="1" dur="indefinite" restart="never" nodeType="tmRoot"/>
-      </p:par>
-    </p:tnLst>
-  </p:timing>
 </p:sldLayout>
 </file>
 
@@ -3032,13 +2995,6 @@
   <p:clrMapOvr>
     <a:masterClrMapping/>
   </p:clrMapOvr>
-  <p:timing>
-    <p:tnLst>
-      <p:par>
-        <p:cTn id="1" dur="indefinite" restart="never" nodeType="tmRoot"/>
-      </p:par>
-    </p:tnLst>
-  </p:timing>
 </p:sldLayout>
 </file>
 
@@ -3097,10 +3053,9 @@
           </a:lstStyle>
           <a:p>
             <a:r>
-              <a:rPr lang="en-US" dirty="0" smtClean="0"/>
+              <a:rPr lang="en-US" dirty="0"/>
               <a:t>Click to Edit Master Title Style</a:t>
             </a:r>
-            <a:endParaRPr lang="en-US" dirty="0"/>
           </a:p>
         </p:txBody>
       </p:sp>
@@ -3117,13 +3072,6 @@
   <p:transition>
     <p:fade/>
   </p:transition>
-  <p:timing>
-    <p:tnLst>
-      <p:par>
-        <p:cTn id="1" dur="indefinite" restart="never" nodeType="tmRoot"/>
-      </p:par>
-    </p:tnLst>
-  </p:timing>
 </p:sldLayout>
 </file>
 
@@ -3493,10 +3441,9 @@
           </a:lstStyle>
           <a:p>
             <a:r>
-              <a:rPr lang="en-US" dirty="0" smtClean="0"/>
+              <a:rPr lang="en-US" dirty="0"/>
               <a:t>Click to edit Master title style</a:t>
             </a:r>
-            <a:endParaRPr lang="en-US" dirty="0"/>
           </a:p>
         </p:txBody>
       </p:sp>
@@ -3592,10 +3539,9 @@
           <a:p>
             <a:pPr lvl="0"/>
             <a:r>
-              <a:rPr lang="en-US" dirty="0" smtClean="0"/>
+              <a:rPr lang="en-US" dirty="0"/>
               <a:t>Click to edit Master</a:t>
             </a:r>
-            <a:endParaRPr lang="en-US" dirty="0"/>
           </a:p>
         </p:txBody>
       </p:sp>
@@ -3659,13 +3605,6 @@
   <p:clrMapOvr>
     <a:masterClrMapping/>
   </p:clrMapOvr>
-  <p:timing>
-    <p:tnLst>
-      <p:par>
-        <p:cTn id="1" dur="indefinite" restart="never" nodeType="tmRoot"/>
-      </p:par>
-    </p:tnLst>
-  </p:timing>
 </p:sldLayout>
 </file>
 
@@ -3837,13 +3776,6 @@
   <p:clrMapOvr>
     <a:masterClrMapping/>
   </p:clrMapOvr>
-  <p:timing>
-    <p:tnLst>
-      <p:par>
-        <p:cTn id="1" dur="indefinite" restart="never" nodeType="tmRoot"/>
-      </p:par>
-    </p:tnLst>
-  </p:timing>
 </p:sldLayout>
 </file>
 
@@ -3897,13 +3829,6 @@
   <p:clrMapOvr>
     <a:masterClrMapping/>
   </p:clrMapOvr>
-  <p:timing>
-    <p:tnLst>
-      <p:par>
-        <p:cTn id="1" dur="indefinite" restart="never" nodeType="tmRoot"/>
-      </p:par>
-    </p:tnLst>
-  </p:timing>
 </p:sldLayout>
 </file>
 
@@ -3990,13 +3915,6 @@
   <p:clrMapOvr>
     <a:masterClrMapping/>
   </p:clrMapOvr>
-  <p:timing>
-    <p:tnLst>
-      <p:par>
-        <p:cTn id="1" dur="indefinite" restart="never" nodeType="tmRoot"/>
-      </p:par>
-    </p:tnLst>
-  </p:timing>
 </p:sldLayout>
 </file>
 
@@ -4055,10 +3973,9 @@
           </a:lstStyle>
           <a:p>
             <a:r>
-              <a:rPr lang="en-US" dirty="0" smtClean="0"/>
+              <a:rPr lang="en-US" dirty="0"/>
               <a:t>Click to Edit Master Title Style</a:t>
             </a:r>
-            <a:endParaRPr lang="en-US" dirty="0"/>
           </a:p>
         </p:txBody>
       </p:sp>
@@ -4075,13 +3992,6 @@
   <p:transition>
     <p:fade/>
   </p:transition>
-  <p:timing>
-    <p:tnLst>
-      <p:par>
-        <p:cTn id="1" dur="indefinite" restart="never" nodeType="tmRoot"/>
-      </p:par>
-    </p:tnLst>
-  </p:timing>
 </p:sldLayout>
 </file>
 
@@ -4451,10 +4361,9 @@
           </a:lstStyle>
           <a:p>
             <a:r>
-              <a:rPr lang="en-US" dirty="0" smtClean="0"/>
+              <a:rPr lang="en-US" dirty="0"/>
               <a:t>Click to edit Master title style</a:t>
             </a:r>
-            <a:endParaRPr lang="en-US" dirty="0"/>
           </a:p>
         </p:txBody>
       </p:sp>
@@ -4491,13 +4400,6 @@
   <p:clrMapOvr>
     <a:masterClrMapping/>
   </p:clrMapOvr>
-  <p:timing>
-    <p:tnLst>
-      <p:par>
-        <p:cTn id="1" dur="indefinite" restart="never" nodeType="tmRoot"/>
-      </p:par>
-    </p:tnLst>
-  </p:timing>
 </p:sldLayout>
 </file>
 
@@ -4560,10 +4462,9 @@
           </a:lstStyle>
           <a:p>
             <a:r>
-              <a:rPr lang="en-US" dirty="0" smtClean="0"/>
+              <a:rPr lang="en-US" dirty="0"/>
               <a:t>CLICK TO EDIT MASTER TITLE STYLE</a:t>
             </a:r>
-            <a:endParaRPr lang="en-US" dirty="0"/>
           </a:p>
         </p:txBody>
       </p:sp>
@@ -4638,35 +4539,35 @@
           <a:p>
             <a:pPr lvl="0"/>
             <a:r>
-              <a:rPr lang="en-US" smtClean="0"/>
+              <a:rPr lang="en-US"/>
               <a:t>Click to edit Master text styles</a:t>
             </a:r>
           </a:p>
           <a:p>
             <a:pPr lvl="1"/>
             <a:r>
-              <a:rPr lang="en-US" smtClean="0"/>
+              <a:rPr lang="en-US"/>
               <a:t>Second level</a:t>
             </a:r>
           </a:p>
           <a:p>
             <a:pPr lvl="2"/>
             <a:r>
-              <a:rPr lang="en-US" smtClean="0"/>
+              <a:rPr lang="en-US"/>
               <a:t>Third level</a:t>
             </a:r>
           </a:p>
           <a:p>
             <a:pPr lvl="3"/>
             <a:r>
-              <a:rPr lang="en-US" smtClean="0"/>
+              <a:rPr lang="en-US"/>
               <a:t>Fourth level</a:t>
             </a:r>
           </a:p>
           <a:p>
             <a:pPr lvl="4"/>
             <a:r>
-              <a:rPr lang="en-US" smtClean="0"/>
+              <a:rPr lang="en-US"/>
               <a:t>Fifth level</a:t>
             </a:r>
             <a:endParaRPr lang="en-US" dirty="0"/>
@@ -4745,7 +4646,7 @@
           <a:p>
             <a:pPr algn="l"/>
             <a:r>
-              <a:rPr lang="en-US" sz="600" dirty="0" smtClean="0">
+              <a:rPr lang="en-US" sz="600" dirty="0">
                 <a:solidFill>
                   <a:schemeClr val="bg1">
                     <a:lumMod val="50000"/>
@@ -4757,7 +4658,7 @@
               <a:t>© Copyright 2015 Pivotal.</a:t>
             </a:r>
             <a:r>
-              <a:rPr lang="en-US" sz="600" baseline="0" dirty="0" smtClean="0">
+              <a:rPr lang="en-US" sz="600" baseline="0" dirty="0">
                 <a:solidFill>
                   <a:schemeClr val="bg1">
                     <a:lumMod val="50000"/>
@@ -4769,7 +4670,7 @@
               <a:t> </a:t>
             </a:r>
             <a:r>
-              <a:rPr lang="en-US" sz="600" dirty="0" smtClean="0">
+              <a:rPr lang="en-US" sz="600" dirty="0">
                 <a:solidFill>
                   <a:schemeClr val="bg1">
                     <a:lumMod val="50000"/>
@@ -4780,15 +4681,6 @@
               </a:rPr>
               <a:t>All rights reserved.</a:t>
             </a:r>
-            <a:endParaRPr lang="en-US" sz="600" dirty="0">
-              <a:solidFill>
-                <a:schemeClr val="bg1">
-                  <a:lumMod val="50000"/>
-                </a:schemeClr>
-              </a:solidFill>
-              <a:latin typeface="Arial"/>
-              <a:cs typeface="Arial"/>
-            </a:endParaRPr>
           </a:p>
         </p:txBody>
       </p:sp>
@@ -4861,13 +4753,6 @@
   <p:clrMapOvr>
     <a:masterClrMapping/>
   </p:clrMapOvr>
-  <p:timing>
-    <p:tnLst>
-      <p:par>
-        <p:cTn id="1" dur="indefinite" restart="never" nodeType="tmRoot"/>
-      </p:par>
-    </p:tnLst>
-  </p:timing>
 </p:sldLayout>
 </file>
 
@@ -6423,13 +6308,6 @@
     <p:sldLayoutId id="2147483734" r:id="rId4"/>
     <p:sldLayoutId id="2147483735" r:id="rId5"/>
   </p:sldLayoutIdLst>
-  <p:timing>
-    <p:tnLst>
-      <p:par>
-        <p:cTn id="1" dur="indefinite" restart="never" nodeType="tmRoot"/>
-      </p:par>
-    </p:tnLst>
-  </p:timing>
   <p:hf hdr="0" ftr="0" dt="0"/>
   <p:txStyles>
     <p:titleStyle>
@@ -8051,13 +7929,6 @@
     <p:sldLayoutId id="2147483722" r:id="rId6"/>
     <p:sldLayoutId id="2147483723" r:id="rId7"/>
   </p:sldLayoutIdLst>
-  <p:timing>
-    <p:tnLst>
-      <p:par>
-        <p:cTn id="1" dur="indefinite" restart="never" nodeType="tmRoot"/>
-      </p:par>
-    </p:tnLst>
-  </p:timing>
   <p:hf hdr="0" ftr="0" dt="0"/>
   <p:txStyles>
     <p:titleStyle>
@@ -8384,13 +8255,6 @@
     <p:sldLayoutId id="2147483730" r:id="rId6"/>
     <p:sldLayoutId id="2147483731" r:id="rId7"/>
   </p:sldLayoutIdLst>
-  <p:timing>
-    <p:tnLst>
-      <p:par>
-        <p:cTn id="1" dur="indefinite" restart="never" nodeType="tmRoot"/>
-      </p:par>
-    </p:tnLst>
-  </p:timing>
   <p:hf hdr="0" ftr="0" dt="0"/>
   <p:txStyles>
     <p:titleStyle>
@@ -8803,7 +8667,7 @@
               </a:spcAft>
             </a:pPr>
             <a:r>
-              <a:rPr lang="en-US" sz="4200" b="1" spc="-100" dirty="0" smtClean="0">
+              <a:rPr lang="en-US" sz="4200" b="1" spc="-100" dirty="0">
                 <a:solidFill>
                   <a:srgbClr val="00AE9E"/>
                 </a:solidFill>
@@ -8860,7 +8724,7 @@
               </a:spcAft>
             </a:pPr>
             <a:r>
-              <a:rPr lang="en-US" sz="2800" spc="-100" dirty="0" smtClean="0">
+              <a:rPr lang="en-US" sz="2800" spc="-100" dirty="0">
                 <a:solidFill>
                   <a:schemeClr val="bg1"/>
                 </a:solidFill>
@@ -8875,19 +8739,6 @@
               </a:rPr>
               <a:t>Spring Cloud Netflix – Service Discovery and Load Balancing</a:t>
             </a:r>
-            <a:endParaRPr lang="en-US" sz="2800" spc="-100" dirty="0">
-              <a:solidFill>
-                <a:schemeClr val="bg1"/>
-              </a:solidFill>
-              <a:effectLst>
-                <a:outerShdw blurRad="50800" dist="38100" dir="5400000" algn="t" rotWithShape="0">
-                  <a:prstClr val="black">
-                    <a:alpha val="40000"/>
-                  </a:prstClr>
-                </a:outerShdw>
-              </a:effectLst>
-              <a:cs typeface="Arial"/>
-            </a:endParaRPr>
           </a:p>
         </p:txBody>
       </p:sp>
@@ -8901,13 +8752,6 @@
   <p:clrMapOvr>
     <a:masterClrMapping/>
   </p:clrMapOvr>
-  <p:timing>
-    <p:tnLst>
-      <p:par>
-        <p:cTn id="1" dur="indefinite" restart="never" nodeType="tmRoot"/>
-      </p:par>
-    </p:tnLst>
-  </p:timing>
 </p:sld>
 </file>
 
@@ -8949,7 +8793,7 @@
           <a:lstStyle/>
           <a:p>
             <a:r>
-              <a:rPr lang="en-US" dirty="0" smtClean="0"/>
+              <a:rPr lang="en-US" dirty="0"/>
               <a:t>HOW??</a:t>
             </a:r>
             <a:endParaRPr lang="en-US" dirty="0">
@@ -8985,7 +8829,7 @@
           <a:lstStyle/>
           <a:p>
             <a:r>
-              <a:rPr lang="en-US" sz="1100" b="1" dirty="0" smtClean="0">
+              <a:rPr lang="en-US" sz="1100" b="1" dirty="0">
                 <a:solidFill>
                   <a:schemeClr val="accent1"/>
                 </a:solidFill>
@@ -8995,7 +8839,7 @@
               <a:t>@</a:t>
             </a:r>
             <a:r>
-              <a:rPr lang="en-US" sz="1100" b="1" dirty="0" smtClean="0">
+              <a:rPr lang="en-US" sz="1100" b="1" dirty="0">
                 <a:solidFill>
                   <a:srgbClr val="008774"/>
                 </a:solidFill>
@@ -9007,7 +8851,7 @@
           </a:p>
           <a:p>
             <a:r>
-              <a:rPr lang="en-US" sz="1100" b="1" dirty="0" smtClean="0">
+              <a:rPr lang="en-US" sz="1100" b="1" dirty="0">
                 <a:solidFill>
                   <a:srgbClr val="008774"/>
                 </a:solidFill>
@@ -9016,13 +8860,6 @@
               </a:rPr>
               <a:t>@EnableZuulProxy</a:t>
             </a:r>
-            <a:endParaRPr lang="en-US" sz="1100" b="1" dirty="0">
-              <a:solidFill>
-                <a:srgbClr val="008774"/>
-              </a:solidFill>
-              <a:latin typeface="Courier New"/>
-              <a:cs typeface="Courier New"/>
-            </a:endParaRPr>
           </a:p>
           <a:p>
             <a:r>
@@ -9033,20 +8870,10 @@
                 <a:latin typeface="Courier New"/>
                 <a:cs typeface="Courier New"/>
               </a:rPr>
-              <a:t>@</a:t>
-            </a:r>
-            <a:r>
-              <a:rPr lang="en-US" sz="1100" b="1" dirty="0" smtClean="0">
-                <a:solidFill>
-                  <a:srgbClr val="008774"/>
-                </a:solidFill>
-                <a:latin typeface="Courier New"/>
-                <a:cs typeface="Courier New"/>
-              </a:rPr>
-              <a:t>EnableDiscoveryClient</a:t>
-            </a:r>
-            <a:r>
-              <a:rPr lang="en-US" sz="1100" b="1" dirty="0" smtClean="0">
+              <a:t>@EnableDiscoveryClient</a:t>
+            </a:r>
+            <a:r>
+              <a:rPr lang="en-US" sz="1100" b="1" dirty="0">
                 <a:solidFill>
                   <a:srgbClr val="FF0000"/>
                 </a:solidFill>
@@ -9055,7 +8882,7 @@
               </a:rPr>
               <a:t> </a:t>
             </a:r>
-            <a:endParaRPr lang="en-US" sz="1100" b="1" dirty="0" smtClean="0">
+            <a:endParaRPr lang="en-US" sz="1100" b="1" dirty="0">
               <a:solidFill>
                 <a:schemeClr val="accent1"/>
               </a:solidFill>
@@ -9066,7 +8893,7 @@
           <a:p>
             <a:pPr latinLnBrk="1"/>
             <a:r>
-              <a:rPr lang="en-US" sz="1100" dirty="0" smtClean="0">
+              <a:rPr lang="en-US" sz="1100" dirty="0">
                 <a:latin typeface="Courier New"/>
                 <a:cs typeface="Courier New"/>
               </a:rPr>
@@ -9076,7 +8903,7 @@
           <a:p>
             <a:pPr latinLnBrk="1"/>
             <a:r>
-              <a:rPr lang="en-US" sz="1100" dirty="0" smtClean="0">
+              <a:rPr lang="en-US" sz="1100" dirty="0">
                 <a:latin typeface="Courier New"/>
                 <a:cs typeface="Courier New"/>
               </a:rPr>
@@ -9085,18 +8912,11 @@
           </a:p>
           <a:p>
             <a:r>
-              <a:rPr lang="en-US" sz="1100" dirty="0" smtClean="0">
-                <a:latin typeface="Courier New"/>
-                <a:cs typeface="Courier New"/>
-              </a:rPr>
-              <a:t>   </a:t>
-            </a:r>
-            <a:r>
               <a:rPr lang="en-US" sz="1100" dirty="0">
                 <a:latin typeface="Courier New"/>
                 <a:cs typeface="Courier New"/>
               </a:rPr>
-              <a:t>public static </a:t>
+              <a:t>   public static </a:t>
             </a:r>
             <a:r>
               <a:rPr lang="en-US" sz="1100" dirty="0">
@@ -9124,17 +8944,10 @@
                 <a:latin typeface="Courier New"/>
                 <a:cs typeface="Courier New"/>
               </a:rPr>
-              <a:t>     SpringApplication.run</a:t>
-            </a:r>
-            <a:r>
-              <a:rPr lang="en-US" sz="1100" dirty="0" smtClean="0">
-                <a:latin typeface="Courier New"/>
-                <a:cs typeface="Courier New"/>
-              </a:rPr>
-              <a:t>(MyAPIGateway</a:t>
-            </a:r>
-            <a:r>
-              <a:rPr lang="en-US" sz="1100" dirty="0" smtClean="0">
+              <a:t>     SpringApplication.run(MyAPIGateway</a:t>
+            </a:r>
+            <a:r>
+              <a:rPr lang="en-US" sz="1100" dirty="0">
                 <a:solidFill>
                   <a:srgbClr val="1F6FB8"/>
                 </a:solidFill>
@@ -9157,14 +8970,7 @@
                 <a:latin typeface="Courier New"/>
                 <a:cs typeface="Courier New"/>
               </a:rPr>
-              <a:t>   </a:t>
-            </a:r>
-            <a:r>
-              <a:rPr lang="en-US" sz="1100" dirty="0" smtClean="0">
-                <a:latin typeface="Courier New"/>
-                <a:cs typeface="Courier New"/>
-              </a:rPr>
-              <a:t>}</a:t>
+              <a:t>   }</a:t>
             </a:r>
           </a:p>
           <a:p>
@@ -9207,99 +9013,43 @@
                 <a:latin typeface="Courier New"/>
                 <a:cs typeface="Courier New"/>
               </a:rPr>
-              <a:t>zuul</a:t>
-            </a:r>
-            <a:r>
-              <a:rPr lang="en-US" sz="1200" dirty="0" smtClean="0">
-                <a:latin typeface="Courier New"/>
-                <a:cs typeface="Courier New"/>
-              </a:rPr>
-              <a:t>:</a:t>
-            </a:r>
-          </a:p>
-          <a:p>
-            <a:r>
-              <a:rPr lang="en-US" sz="1200" dirty="0" smtClean="0">
-                <a:latin typeface="Courier New"/>
-                <a:cs typeface="Courier New"/>
-              </a:rPr>
-              <a:t>   </a:t>
-            </a:r>
+              <a:t>zuul:</a:t>
+            </a:r>
+          </a:p>
+          <a:p>
             <a:r>
               <a:rPr lang="en-US" sz="1200" dirty="0">
                 <a:latin typeface="Courier New"/>
                 <a:cs typeface="Courier New"/>
               </a:rPr>
-              <a:t>routes</a:t>
-            </a:r>
-            <a:r>
-              <a:rPr lang="en-US" sz="1200" dirty="0" smtClean="0">
-                <a:latin typeface="Courier New"/>
-                <a:cs typeface="Courier New"/>
-              </a:rPr>
-              <a:t>:</a:t>
-            </a:r>
-          </a:p>
-          <a:p>
-            <a:r>
-              <a:rPr lang="en-US" sz="1200" dirty="0" smtClean="0">
-                <a:latin typeface="Courier New"/>
-                <a:cs typeface="Courier New"/>
-              </a:rPr>
-              <a:t>     </a:t>
-            </a:r>
+              <a:t>   routes:</a:t>
+            </a:r>
+          </a:p>
+          <a:p>
             <a:r>
               <a:rPr lang="en-US" sz="1200" dirty="0">
                 <a:latin typeface="Courier New"/>
                 <a:cs typeface="Courier New"/>
               </a:rPr>
-              <a:t>users</a:t>
-            </a:r>
-            <a:r>
-              <a:rPr lang="en-US" sz="1200" dirty="0" smtClean="0">
-                <a:latin typeface="Courier New"/>
-                <a:cs typeface="Courier New"/>
-              </a:rPr>
-              <a:t>:</a:t>
-            </a:r>
-          </a:p>
-          <a:p>
-            <a:r>
-              <a:rPr lang="en-US" sz="1200" dirty="0" smtClean="0">
-                <a:latin typeface="Courier New"/>
-                <a:cs typeface="Courier New"/>
-              </a:rPr>
-              <a:t>       </a:t>
-            </a:r>
+              <a:t>     users:</a:t>
+            </a:r>
+          </a:p>
+          <a:p>
             <a:r>
               <a:rPr lang="en-US" sz="1200" dirty="0">
                 <a:latin typeface="Courier New"/>
                 <a:cs typeface="Courier New"/>
               </a:rPr>
-              <a:t>path: /myusers/*</a:t>
-            </a:r>
-            <a:r>
-              <a:rPr lang="en-US" sz="1200" dirty="0" smtClean="0">
-                <a:latin typeface="Courier New"/>
-                <a:cs typeface="Courier New"/>
-              </a:rPr>
-              <a:t>*</a:t>
-            </a:r>
-          </a:p>
-          <a:p>
-            <a:r>
-              <a:rPr lang="en-US" sz="1200" dirty="0" smtClean="0">
-                <a:latin typeface="Courier New"/>
-                <a:cs typeface="Courier New"/>
-              </a:rPr>
-              <a:t>       </a:t>
-            </a:r>
+              <a:t>       path: /myusers/**</a:t>
+            </a:r>
+          </a:p>
+          <a:p>
             <a:r>
               <a:rPr lang="en-US" sz="1200" dirty="0">
                 <a:latin typeface="Courier New"/>
                 <a:cs typeface="Courier New"/>
               </a:rPr>
-              <a:t>serviceId: users_service  </a:t>
+              <a:t>       serviceId: users_service  </a:t>
             </a:r>
           </a:p>
         </p:txBody>
@@ -9332,21 +9082,8 @@
                   <a:schemeClr val="accent1"/>
                 </a:solidFill>
               </a:rPr>
-              <a:t>a</a:t>
-            </a:r>
-            <a:r>
-              <a:rPr lang="en-US" dirty="0" smtClean="0">
-                <a:solidFill>
-                  <a:schemeClr val="accent1"/>
-                </a:solidFill>
-              </a:rPr>
-              <a:t>pplication.yml</a:t>
-            </a:r>
-            <a:endParaRPr lang="en-US" dirty="0">
-              <a:solidFill>
-                <a:schemeClr val="accent1"/>
-              </a:solidFill>
-            </a:endParaRPr>
+              <a:t>application.yml</a:t>
+            </a:r>
           </a:p>
         </p:txBody>
       </p:sp>
@@ -9373,7 +9110,7 @@
           <a:lstStyle/>
           <a:p>
             <a:r>
-              <a:rPr lang="en-US" sz="1200" b="1" dirty="0" smtClean="0">
+              <a:rPr lang="en-US" sz="1200" b="1" dirty="0">
                 <a:solidFill>
                   <a:srgbClr val="FF0000"/>
                 </a:solidFill>
@@ -9381,18 +9118,7 @@
                 <a:cs typeface="Courier New"/>
                 <a:sym typeface="Wingdings"/>
               </a:rPr>
-              <a:t> </a:t>
-            </a:r>
-            <a:r>
-              <a:rPr lang="en-US" sz="1200" b="1" dirty="0">
-                <a:solidFill>
-                  <a:srgbClr val="FF0000"/>
-                </a:solidFill>
-                <a:latin typeface="Courier New"/>
-                <a:cs typeface="Courier New"/>
-                <a:sym typeface="Wingdings"/>
-              </a:rPr>
-              <a:t>MAGIC!!</a:t>
+              <a:t> MAGIC!!</a:t>
             </a:r>
             <a:endParaRPr lang="en-US" sz="1200" b="1" dirty="0">
               <a:solidFill>
@@ -9467,30 +9193,21 @@
           <a:lstStyle/>
           <a:p>
             <a:r>
-              <a:rPr lang="en-US" sz="1800" b="1" dirty="0" smtClean="0"/>
+              <a:rPr lang="en-US" sz="1800" b="1" dirty="0"/>
               <a:t>API proxy will be created at /myusers</a:t>
             </a:r>
           </a:p>
           <a:p>
             <a:r>
-              <a:rPr lang="en-US" sz="1800" b="1" dirty="0" smtClean="0"/>
+              <a:rPr lang="en-US" sz="1800" b="1" dirty="0"/>
               <a:t>Ribbon/Zuul creates load balancer for Eureka service “users_service”</a:t>
             </a:r>
           </a:p>
           <a:p>
             <a:r>
-              <a:rPr lang="en-US" sz="1800" b="1" dirty="0" smtClean="0"/>
-              <a:t>All requests </a:t>
-            </a:r>
-            <a:r>
               <a:rPr lang="en-US" sz="1800" b="1" dirty="0"/>
-              <a:t>are executed in a H</a:t>
-            </a:r>
-            <a:r>
-              <a:rPr lang="en-US" sz="1800" b="1" dirty="0" smtClean="0"/>
-              <a:t>ystrix command</a:t>
-            </a:r>
-            <a:endParaRPr lang="en-US" sz="1800" b="1" dirty="0"/>
+              <a:t>All requests are executed in a Hystrix command</a:t>
+            </a:r>
           </a:p>
         </p:txBody>
       </p:sp>
@@ -9504,14 +9221,6 @@
   <p:clrMapOvr>
     <a:masterClrMapping/>
   </p:clrMapOvr>
-  <mc:AlternateContent xmlns:mc="http://schemas.openxmlformats.org/markup-compatibility/2006" xmlns:p14="http://schemas.microsoft.com/office/powerpoint/2010/main">
-    <mc:Choice Requires="p14">
-      <p:transition spd="slow" p14:dur="2000"/>
-    </mc:Choice>
-    <mc:Fallback xmlns="">
-      <p:transition xmlns:p14="http://schemas.microsoft.com/office/powerpoint/2010/main" spd="slow"/>
-    </mc:Fallback>
-  </mc:AlternateContent>
   <p:timing>
     <p:tnLst>
       <p:par>
@@ -9965,7 +9674,7 @@
               <a:buSzPct val="25000"/>
             </a:pPr>
             <a:r>
-              <a:rPr lang="en-US" b="1" cap="all" dirty="0" smtClean="0">
+              <a:rPr lang="en-US" b="1" cap="all" dirty="0">
                 <a:solidFill>
                   <a:srgbClr val="74CEC7"/>
                 </a:solidFill>
@@ -9990,21 +9699,6 @@
   <p:clrMapOvr>
     <a:masterClrMapping/>
   </p:clrMapOvr>
-  <mc:AlternateContent xmlns:mc="http://schemas.openxmlformats.org/markup-compatibility/2006" xmlns:p14="http://schemas.microsoft.com/office/powerpoint/2010/main">
-    <mc:Choice Requires="p14">
-      <p:transition p14:dur="0"/>
-    </mc:Choice>
-    <mc:Fallback xmlns="">
-      <p:transition xmlns:p14="http://schemas.microsoft.com/office/powerpoint/2010/main"/>
-    </mc:Fallback>
-  </mc:AlternateContent>
-  <p:timing>
-    <p:tnLst>
-      <p:par>
-        <p:cTn id="1" dur="indefinite" restart="never" nodeType="tmRoot"/>
-      </p:par>
-    </p:tnLst>
-  </p:timing>
 </p:sld>
 </file>
 
@@ -10041,10 +9735,9 @@
           <a:lstStyle/>
           <a:p>
             <a:r>
-              <a:rPr lang="en-US" dirty="0" smtClean="0"/>
+              <a:rPr lang="en-US" dirty="0"/>
               <a:t>Distributed Service Challenges</a:t>
             </a:r>
-            <a:endParaRPr lang="en-US" dirty="0"/>
           </a:p>
         </p:txBody>
       </p:sp>
@@ -10065,14 +9758,10 @@
           <a:p>
             <a:r>
               <a:rPr lang="en-US" sz="1800" dirty="0"/>
-              <a:t>Service Discovery is one of the key tenets of a microservice based architecture</a:t>
-            </a:r>
-            <a:r>
-              <a:rPr lang="en-US" sz="1800" dirty="0" smtClean="0"/>
-              <a:t>.</a:t>
+              <a:t>Service Discovery is one of the key tenets of a microservice based architecture.</a:t>
             </a:r>
             <a:br>
-              <a:rPr lang="en-US" sz="1800" dirty="0" smtClean="0"/>
+              <a:rPr lang="en-US" sz="1800" dirty="0"/>
             </a:br>
             <a:endParaRPr lang="en-US" sz="1800" dirty="0"/>
           </a:p>
@@ -10082,35 +9771,31 @@
               <a:t>In distributed systems, </a:t>
             </a:r>
             <a:r>
-              <a:rPr lang="en-US" sz="1800" b="1" i="1" u="sng" dirty="0" smtClean="0"/>
+              <a:rPr lang="en-US" sz="1800" b="1" i="1" u="sng" dirty="0"/>
               <a:t>dependencies != inter-process</a:t>
             </a:r>
             <a:r>
-              <a:rPr lang="en-US" sz="1800" b="1" dirty="0" smtClean="0"/>
+              <a:rPr lang="en-US" sz="1800" b="1" dirty="0"/>
               <a:t> </a:t>
             </a:r>
             <a:r>
-              <a:rPr lang="en-US" sz="1800" dirty="0" smtClean="0"/>
+              <a:rPr lang="en-US" sz="1800" dirty="0"/>
               <a:t>method call</a:t>
             </a:r>
             <a:br>
-              <a:rPr lang="en-US" sz="1800" dirty="0" smtClean="0"/>
+              <a:rPr lang="en-US" sz="1800" dirty="0"/>
             </a:br>
             <a:endParaRPr lang="en-US" sz="1800" dirty="0"/>
           </a:p>
           <a:p>
             <a:r>
               <a:rPr lang="en-US" sz="1800" dirty="0"/>
-              <a:t>Trying to hand configure each client or use some form of convention can be very difficult to do and can be very brittle</a:t>
-            </a:r>
-            <a:r>
-              <a:rPr lang="en-US" sz="1800" dirty="0" smtClean="0"/>
-              <a:t>.</a:t>
+              <a:t>Trying to hand configure each client or use some form of convention can be very difficult to do and can be very brittle.</a:t>
             </a:r>
             <a:br>
-              <a:rPr lang="en-US" sz="1800" dirty="0" smtClean="0"/>
+              <a:rPr lang="en-US" sz="1800" dirty="0"/>
             </a:br>
-            <a:endParaRPr lang="en-US" sz="1800" dirty="0" smtClean="0"/>
+            <a:endParaRPr lang="en-US" sz="1800" dirty="0"/>
           </a:p>
           <a:p>
             <a:r>
@@ -10166,13 +9851,6 @@
   <p:clrMapOvr>
     <a:masterClrMapping/>
   </p:clrMapOvr>
-  <p:timing>
-    <p:tnLst>
-      <p:par>
-        <p:cTn id="1" dur="indefinite" restart="never" nodeType="tmRoot"/>
-      </p:par>
-    </p:tnLst>
-  </p:timing>
 </p:sld>
 </file>
 
@@ -10247,13 +9925,6 @@
   <p:clrMapOvr>
     <a:masterClrMapping/>
   </p:clrMapOvr>
-  <p:timing>
-    <p:tnLst>
-      <p:par>
-        <p:cTn id="1" dur="indefinite" restart="never" nodeType="tmRoot"/>
-      </p:par>
-    </p:tnLst>
-  </p:timing>
 </p:sld>
 </file>
 
@@ -10291,11 +9962,7 @@
           <a:p>
             <a:r>
               <a:rPr lang="en-US" dirty="0"/>
-              <a:t>Spring Cloud </a:t>
-            </a:r>
-            <a:r>
-              <a:rPr lang="en-US" dirty="0" smtClean="0"/>
-              <a:t>Service Registry</a:t>
+              <a:t>Spring Cloud Service Registry</a:t>
             </a:r>
             <a:endParaRPr lang="en-US" dirty="0">
               <a:solidFill>
@@ -10329,64 +9996,55 @@
           <a:p>
             <a:pPr lvl="0" fontAlgn="base"/>
             <a:r>
-              <a:rPr lang="en-US" sz="1800" b="1" dirty="0" smtClean="0"/>
-              <a:t>Provides </a:t>
-            </a:r>
-            <a:r>
               <a:rPr lang="en-US" sz="1800" b="1" dirty="0"/>
-              <a:t>an </a:t>
-            </a:r>
-            <a:r>
-              <a:rPr lang="en-US" sz="1800" b="1" dirty="0" smtClean="0"/>
-              <a:t>HTTP interface + client libs for client registry/discovery</a:t>
-            </a:r>
+              <a:t>Provides an HTTP interface + client libs for client registry/discovery</a:t>
+            </a:r>
+          </a:p>
+          <a:p>
+            <a:pPr lvl="0" fontAlgn="base"/>
             <a:endParaRPr lang="en-US" sz="1800" b="1" dirty="0"/>
           </a:p>
           <a:p>
             <a:pPr lvl="0" fontAlgn="base"/>
-            <a:endParaRPr lang="en-US" sz="1800" b="1" dirty="0" smtClean="0"/>
+            <a:r>
+              <a:rPr lang="en-US" sz="1800" b="1" dirty="0"/>
+              <a:t>Registry server collects heartbeats, maintains registry of available services/instances, exchanges registries with local peers + other “zones”</a:t>
+            </a:r>
           </a:p>
           <a:p>
             <a:pPr lvl="0" fontAlgn="base"/>
-            <a:r>
-              <a:rPr lang="en-US" sz="1800" b="1" dirty="0" smtClean="0"/>
-              <a:t>Registry server collects heartbeats, maintains registry of available services/instances, exchanges registries with local peers + other “zones”</a:t>
-            </a:r>
+            <a:endParaRPr lang="en-US" sz="1800" b="1" dirty="0"/>
           </a:p>
           <a:p>
             <a:pPr lvl="0" fontAlgn="base"/>
-            <a:endParaRPr lang="en-US" sz="1800" b="1" dirty="0" smtClean="0"/>
-          </a:p>
-          <a:p>
-            <a:pPr lvl="0" fontAlgn="base"/>
-            <a:r>
-              <a:rPr lang="en-US" sz="1800" b="1" dirty="0" smtClean="0"/>
+            <a:r>
+              <a:rPr lang="en-US" sz="1800" b="1" dirty="0"/>
               <a:t>Registry contains detailed information about each service</a:t>
             </a:r>
           </a:p>
           <a:p>
             <a:pPr lvl="1" fontAlgn="base"/>
             <a:r>
-              <a:rPr lang="en-US" sz="1400" b="1" dirty="0" smtClean="0"/>
+              <a:rPr lang="en-US" sz="1400" b="1" dirty="0"/>
               <a:t>Service name, Host &amp; port of each instance</a:t>
             </a:r>
           </a:p>
           <a:p>
             <a:pPr lvl="1" fontAlgn="base"/>
             <a:r>
-              <a:rPr lang="en-US" sz="1400" b="1" dirty="0" smtClean="0"/>
+              <a:rPr lang="en-US" sz="1400" b="1" dirty="0"/>
               <a:t>Health indicator, URLs (health, homepage, </a:t>
             </a:r>
             <a:r>
-              <a:rPr lang="en-US" sz="1400" b="1" dirty="0" err="1" smtClean="0"/>
+              <a:rPr lang="en-US" sz="1400" b="1" dirty="0" err="1"/>
               <a:t>etc</a:t>
             </a:r>
             <a:r>
-              <a:rPr lang="en-US" sz="1400" b="1" dirty="0" smtClean="0"/>
+              <a:rPr lang="en-US" sz="1400" b="1" dirty="0"/>
               <a:t>)</a:t>
             </a:r>
             <a:br>
-              <a:rPr lang="en-US" sz="1400" b="1" dirty="0" smtClean="0"/>
+              <a:rPr lang="en-US" sz="1400" b="1" dirty="0"/>
             </a:br>
             <a:endParaRPr lang="en-US" sz="1800" dirty="0"/>
           </a:p>
@@ -10397,11 +10055,11 @@
               <a:t>Embeddable easily in a Spring Boot application using @</a:t>
             </a:r>
             <a:r>
-              <a:rPr lang="en-US" sz="1800" b="1" dirty="0" err="1" smtClean="0"/>
+              <a:rPr lang="en-US" sz="1800" b="1" dirty="0" err="1"/>
               <a:t>EnableEurekaServer</a:t>
             </a:r>
             <a:r>
-              <a:rPr lang="en-US" sz="1800" b="1" dirty="0" smtClean="0"/>
+              <a:rPr lang="en-US" sz="1800" b="1" dirty="0"/>
               <a:t> and @EnableDiscoveryClient</a:t>
             </a:r>
             <a:endParaRPr lang="en-US" sz="1800" dirty="0"/>
@@ -10418,21 +10076,6 @@
   <p:clrMapOvr>
     <a:masterClrMapping/>
   </p:clrMapOvr>
-  <mc:AlternateContent xmlns:mc="http://schemas.openxmlformats.org/markup-compatibility/2006" xmlns:p14="http://schemas.microsoft.com/office/powerpoint/2010/main">
-    <mc:Choice Requires="p14">
-      <p:transition spd="slow" p14:dur="2000"/>
-    </mc:Choice>
-    <mc:Fallback xmlns="">
-      <p:transition xmlns:p14="http://schemas.microsoft.com/office/powerpoint/2010/main" spd="slow"/>
-    </mc:Fallback>
-  </mc:AlternateContent>
-  <p:timing>
-    <p:tnLst>
-      <p:par>
-        <p:cTn id="1" dur="indefinite" restart="never" nodeType="tmRoot"/>
-      </p:par>
-    </p:tnLst>
-  </p:timing>
 </p:sld>
 </file>
 
@@ -10469,10 +10112,9 @@
           <a:lstStyle/>
           <a:p>
             <a:r>
-              <a:rPr lang="en-US" dirty="0" smtClean="0"/>
+              <a:rPr lang="en-US" dirty="0"/>
               <a:t>Service Registry – Availability Zones</a:t>
             </a:r>
-            <a:endParaRPr lang="en-US" dirty="0"/>
           </a:p>
         </p:txBody>
       </p:sp>
@@ -10760,10 +10402,9 @@
             <a:p>
               <a:pPr algn="ctr"/>
               <a:r>
-                <a:rPr lang="en-US" sz="1400" dirty="0" smtClean="0"/>
+                <a:rPr lang="en-US" sz="1400" dirty="0"/>
                 <a:t>Service Registry</a:t>
               </a:r>
-              <a:endParaRPr lang="en-US" sz="1400" dirty="0"/>
             </a:p>
           </p:txBody>
         </p:sp>
@@ -11042,7 +10683,7 @@
             <a:p>
               <a:pPr algn="ctr"/>
               <a:r>
-                <a:rPr lang="en-US" sz="1400" dirty="0" smtClean="0"/>
+                <a:rPr lang="en-US" sz="1400" dirty="0"/>
                 <a:t>Client</a:t>
               </a:r>
             </a:p>
@@ -11137,10 +10778,9 @@
             <a:p>
               <a:pPr algn="ctr"/>
               <a:r>
-                <a:rPr lang="en-US" sz="1400" dirty="0" smtClean="0"/>
+                <a:rPr lang="en-US" sz="1400" dirty="0"/>
                 <a:t>Service</a:t>
               </a:r>
-              <a:endParaRPr lang="en-US" sz="1400" dirty="0"/>
             </a:p>
           </p:txBody>
         </p:sp>
@@ -11233,10 +10873,9 @@
             <a:p>
               <a:pPr algn="ctr"/>
               <a:r>
-                <a:rPr lang="en-US" sz="1400" dirty="0" smtClean="0"/>
+                <a:rPr lang="en-US" sz="1400" dirty="0"/>
                 <a:t>Client</a:t>
               </a:r>
-              <a:endParaRPr lang="en-US" sz="1400" dirty="0"/>
             </a:p>
           </p:txBody>
         </p:sp>
@@ -11329,10 +10968,9 @@
             <a:p>
               <a:pPr algn="ctr"/>
               <a:r>
-                <a:rPr lang="en-US" sz="1400" dirty="0" smtClean="0"/>
+                <a:rPr lang="en-US" sz="1400" dirty="0"/>
                 <a:t>Service</a:t>
               </a:r>
-              <a:endParaRPr lang="en-US" sz="1400" dirty="0"/>
             </a:p>
           </p:txBody>
         </p:sp>
@@ -11359,18 +10997,13 @@
             <a:lstStyle/>
             <a:p>
               <a:r>
-                <a:rPr lang="en-US" b="1" dirty="0" smtClean="0">
+                <a:rPr lang="en-US" b="1" dirty="0">
                   <a:solidFill>
                     <a:schemeClr val="bg1"/>
                   </a:solidFill>
                 </a:rPr>
                 <a:t>West ‘Zone’</a:t>
               </a:r>
-              <a:endParaRPr lang="en-US" b="1" dirty="0">
-                <a:solidFill>
-                  <a:schemeClr val="bg1"/>
-                </a:solidFill>
-              </a:endParaRPr>
             </a:p>
           </p:txBody>
         </p:sp>
@@ -11397,18 +11030,13 @@
             <a:lstStyle/>
             <a:p>
               <a:r>
-                <a:rPr lang="en-US" b="1" dirty="0" smtClean="0">
+                <a:rPr lang="en-US" b="1" dirty="0">
                   <a:solidFill>
                     <a:schemeClr val="bg1"/>
                   </a:solidFill>
                 </a:rPr>
                 <a:t>East ‘Zone’</a:t>
               </a:r>
-              <a:endParaRPr lang="en-US" b="1" dirty="0">
-                <a:solidFill>
-                  <a:schemeClr val="bg1"/>
-                </a:solidFill>
-              </a:endParaRPr>
             </a:p>
           </p:txBody>
         </p:sp>
@@ -11680,18 +11308,13 @@
             <a:lstStyle/>
             <a:p>
               <a:r>
-                <a:rPr lang="en-US" sz="1200" dirty="0" smtClean="0">
+                <a:rPr lang="en-US" sz="1200" dirty="0">
                   <a:solidFill>
                     <a:schemeClr val="bg1"/>
                   </a:solidFill>
                 </a:rPr>
                 <a:t>Register</a:t>
               </a:r>
-              <a:endParaRPr lang="en-US" sz="1200" dirty="0">
-                <a:solidFill>
-                  <a:schemeClr val="bg1"/>
-                </a:solidFill>
-              </a:endParaRPr>
             </a:p>
           </p:txBody>
         </p:sp>
@@ -11718,18 +11341,13 @@
             <a:lstStyle/>
             <a:p>
               <a:r>
-                <a:rPr lang="en-US" sz="1200" dirty="0" smtClean="0">
+                <a:rPr lang="en-US" sz="1200" dirty="0">
                   <a:solidFill>
                     <a:schemeClr val="bg1"/>
                   </a:solidFill>
                 </a:rPr>
                 <a:t>Register</a:t>
               </a:r>
-              <a:endParaRPr lang="en-US" sz="1200" dirty="0">
-                <a:solidFill>
-                  <a:schemeClr val="bg1"/>
-                </a:solidFill>
-              </a:endParaRPr>
             </a:p>
           </p:txBody>
         </p:sp>
@@ -11756,18 +11374,13 @@
             <a:lstStyle/>
             <a:p>
               <a:r>
-                <a:rPr lang="en-US" sz="1200" dirty="0" smtClean="0">
+                <a:rPr lang="en-US" sz="1200" dirty="0">
                   <a:solidFill>
                     <a:schemeClr val="bg1"/>
                   </a:solidFill>
                 </a:rPr>
                 <a:t>Exchange</a:t>
               </a:r>
-              <a:endParaRPr lang="en-US" sz="1200" dirty="0">
-                <a:solidFill>
-                  <a:schemeClr val="bg1"/>
-                </a:solidFill>
-              </a:endParaRPr>
             </a:p>
           </p:txBody>
         </p:sp>
@@ -11846,18 +11459,13 @@
             <a:lstStyle/>
             <a:p>
               <a:r>
-                <a:rPr lang="en-US" sz="1200" dirty="0" smtClean="0">
+                <a:rPr lang="en-US" sz="1200" dirty="0">
                   <a:solidFill>
                     <a:schemeClr val="bg1"/>
                   </a:solidFill>
                 </a:rPr>
                 <a:t>Discover</a:t>
               </a:r>
-              <a:endParaRPr lang="en-US" sz="1200" dirty="0">
-                <a:solidFill>
-                  <a:schemeClr val="bg1"/>
-                </a:solidFill>
-              </a:endParaRPr>
             </a:p>
           </p:txBody>
         </p:sp>
@@ -11938,18 +11546,13 @@
             <a:lstStyle/>
             <a:p>
               <a:r>
-                <a:rPr lang="en-US" sz="1200" dirty="0" smtClean="0">
+                <a:rPr lang="en-US" sz="1200" dirty="0">
                   <a:solidFill>
                     <a:schemeClr val="bg1"/>
                   </a:solidFill>
                 </a:rPr>
                 <a:t>Connect</a:t>
               </a:r>
-              <a:endParaRPr lang="en-US" sz="1200" dirty="0">
-                <a:solidFill>
-                  <a:schemeClr val="bg1"/>
-                </a:solidFill>
-              </a:endParaRPr>
             </a:p>
           </p:txBody>
         </p:sp>
@@ -11976,7 +11579,7 @@
           <a:lstStyle/>
           <a:p>
             <a:r>
-              <a:rPr lang="en-US" sz="6000" b="1" dirty="0" smtClean="0">
+              <a:rPr lang="en-US" sz="6000" b="1" dirty="0">
                 <a:solidFill>
                   <a:srgbClr val="FF0000"/>
                 </a:solidFill>
@@ -11987,7 +11590,7 @@
               <a:t>✗</a:t>
             </a:r>
             <a:r>
-              <a:rPr lang="en-US" sz="6000" b="1" dirty="0" smtClean="0">
+              <a:rPr lang="en-US" sz="6000" b="1" dirty="0">
                 <a:solidFill>
                   <a:srgbClr val="FF0000"/>
                 </a:solidFill>
@@ -12028,7 +11631,7 @@
           <a:lstStyle/>
           <a:p>
             <a:r>
-              <a:rPr lang="en-US" sz="3200" b="1" dirty="0" smtClean="0">
+              <a:rPr lang="en-US" sz="3200" b="1" dirty="0">
                 <a:solidFill>
                   <a:srgbClr val="FF0000"/>
                 </a:solidFill>
@@ -12039,7 +11642,7 @@
               <a:t>✗</a:t>
             </a:r>
             <a:r>
-              <a:rPr lang="en-US" sz="3200" b="1" dirty="0" smtClean="0">
+              <a:rPr lang="en-US" sz="3200" b="1" dirty="0">
                 <a:solidFill>
                   <a:srgbClr val="FF0000"/>
                 </a:solidFill>
@@ -12417,7 +12020,7 @@
           <a:lstStyle/>
           <a:p>
             <a:r>
-              <a:rPr lang="en-US" dirty="0" smtClean="0"/>
+              <a:rPr lang="en-US" dirty="0"/>
               <a:t>Client Service Discovery</a:t>
             </a:r>
             <a:endParaRPr lang="en-US" dirty="0">
@@ -12460,22 +12063,12 @@
                 <a:latin typeface="Courier New"/>
                 <a:cs typeface="Courier New"/>
               </a:rPr>
-              <a:t>@</a:t>
-            </a:r>
-            <a:r>
-              <a:rPr lang="en-US" sz="1200" b="1" dirty="0" smtClean="0">
-                <a:solidFill>
-                  <a:srgbClr val="008774"/>
-                </a:solidFill>
-                <a:latin typeface="Courier New"/>
-                <a:cs typeface="Courier New"/>
-              </a:rPr>
-              <a:t>SpringBootApplication</a:t>
-            </a:r>
-          </a:p>
-          <a:p>
-            <a:r>
-              <a:rPr lang="en-US" sz="1200" b="1" dirty="0" smtClean="0">
+              <a:t>@SpringBootApplication</a:t>
+            </a:r>
+          </a:p>
+          <a:p>
+            <a:r>
+              <a:rPr lang="en-US" sz="1200" b="1" dirty="0">
                 <a:solidFill>
                   <a:srgbClr val="008774"/>
                 </a:solidFill>
@@ -12484,7 +12077,7 @@
               </a:rPr>
               <a:t>@EnableDiscoveryClient</a:t>
             </a:r>
-            <a:endParaRPr lang="en-US" sz="1200" b="1" dirty="0" smtClean="0">
+            <a:endParaRPr lang="en-US" sz="1200" b="1" dirty="0">
               <a:solidFill>
                 <a:srgbClr val="FF0000"/>
               </a:solidFill>
@@ -12494,21 +12087,14 @@
           </a:p>
           <a:p>
             <a:r>
-              <a:rPr lang="en-US" sz="1200" dirty="0" smtClean="0">
-                <a:latin typeface="Courier New"/>
-                <a:cs typeface="Courier New"/>
-              </a:rPr>
-              <a:t>public </a:t>
-            </a:r>
-            <a:r>
               <a:rPr lang="en-US" sz="1200" dirty="0">
                 <a:latin typeface="Courier New"/>
                 <a:cs typeface="Courier New"/>
               </a:rPr>
-              <a:t>class </a:t>
-            </a:r>
-            <a:r>
-              <a:rPr lang="en-US" sz="1200" dirty="0" smtClean="0">
+              <a:t>public class </a:t>
+            </a:r>
+            <a:r>
+              <a:rPr lang="en-US" sz="1200" dirty="0">
                 <a:solidFill>
                   <a:schemeClr val="accent3"/>
                 </a:solidFill>
@@ -12518,7 +12104,7 @@
               <a:t>MyClientApp</a:t>
             </a:r>
             <a:r>
-              <a:rPr lang="en-US" sz="1200" dirty="0" smtClean="0">
+              <a:rPr lang="en-US" sz="1200" dirty="0">
                 <a:latin typeface="Courier New"/>
                 <a:cs typeface="Courier New"/>
               </a:rPr>
@@ -12527,18 +12113,11 @@
           </a:p>
           <a:p>
             <a:r>
-              <a:rPr lang="en-US" sz="1200" dirty="0" smtClean="0">
-                <a:latin typeface="Courier New"/>
-                <a:cs typeface="Courier New"/>
-              </a:rPr>
-              <a:t>   </a:t>
-            </a:r>
-            <a:r>
               <a:rPr lang="en-US" sz="1200" dirty="0">
                 <a:latin typeface="Courier New"/>
                 <a:cs typeface="Courier New"/>
               </a:rPr>
-              <a:t>public static </a:t>
+              <a:t>   public static </a:t>
             </a:r>
             <a:r>
               <a:rPr lang="en-US" sz="1200" dirty="0">
@@ -12557,40 +12136,19 @@
                 <a:latin typeface="Courier New"/>
                 <a:cs typeface="Courier New"/>
               </a:rPr>
-              <a:t> main(String[] </a:t>
-            </a:r>
-            <a:r>
-              <a:rPr lang="en-US" sz="1200" dirty="0" smtClean="0">
-                <a:latin typeface="Courier New"/>
-                <a:cs typeface="Courier New"/>
-              </a:rPr>
-              <a:t>args</a:t>
-            </a:r>
+              <a:t> main(String[] args) {</a:t>
+            </a:r>
+          </a:p>
+          <a:p>
             <a:r>
               <a:rPr lang="en-US" sz="1200" dirty="0">
                 <a:latin typeface="Courier New"/>
                 <a:cs typeface="Courier New"/>
               </a:rPr>
-              <a:t>) </a:t>
-            </a:r>
-            <a:r>
-              <a:rPr lang="en-US" sz="1200" dirty="0" smtClean="0">
-                <a:latin typeface="Courier New"/>
-                <a:cs typeface="Courier New"/>
-              </a:rPr>
-              <a:t>{</a:t>
-            </a:r>
-          </a:p>
-          <a:p>
-            <a:r>
-              <a:rPr lang="en-US" sz="1200" dirty="0" smtClean="0">
-                <a:latin typeface="Courier New"/>
-                <a:cs typeface="Courier New"/>
-              </a:rPr>
               <a:t>     SpringApplication.run(MyClientApp</a:t>
             </a:r>
             <a:r>
-              <a:rPr lang="en-US" sz="1200" dirty="0" smtClean="0">
+              <a:rPr lang="en-US" sz="1200" dirty="0">
                 <a:solidFill>
                   <a:srgbClr val="1F6FB8"/>
                 </a:solidFill>
@@ -12600,30 +12158,16 @@
               <a:t>.class</a:t>
             </a:r>
             <a:r>
-              <a:rPr lang="en-US" sz="1200" dirty="0" smtClean="0">
-                <a:latin typeface="Courier New"/>
-                <a:cs typeface="Courier New"/>
-              </a:rPr>
-              <a:t>, </a:t>
-            </a:r>
-            <a:r>
               <a:rPr lang="en-US" sz="1200" dirty="0">
                 <a:latin typeface="Courier New"/>
                 <a:cs typeface="Courier New"/>
               </a:rPr>
-              <a:t>args)</a:t>
-            </a:r>
-            <a:r>
-              <a:rPr lang="en-US" sz="1200" dirty="0" smtClean="0">
-                <a:latin typeface="Courier New"/>
-                <a:cs typeface="Courier New"/>
-              </a:rPr>
-              <a:t>;</a:t>
-            </a:r>
-          </a:p>
-          <a:p>
-            <a:r>
-              <a:rPr lang="en-US" sz="1200" dirty="0" smtClean="0">
+              <a:t>, args);</a:t>
+            </a:r>
+          </a:p>
+          <a:p>
+            <a:r>
+              <a:rPr lang="en-US" sz="1200" dirty="0">
                 <a:latin typeface="Courier New"/>
                 <a:cs typeface="Courier New"/>
               </a:rPr>
@@ -12632,16 +12176,12 @@
           </a:p>
           <a:p>
             <a:r>
-              <a:rPr lang="en-US" sz="1200" dirty="0" smtClean="0">
+              <a:rPr lang="en-US" sz="1200" dirty="0">
                 <a:latin typeface="Courier New"/>
                 <a:cs typeface="Courier New"/>
               </a:rPr>
               <a:t>}</a:t>
             </a:r>
-            <a:endParaRPr lang="en-US" sz="1200" dirty="0">
-              <a:latin typeface="Courier New"/>
-              <a:cs typeface="Courier New"/>
-            </a:endParaRPr>
           </a:p>
         </p:txBody>
       </p:sp>
@@ -12674,17 +12214,10 @@
                 <a:latin typeface="Courier New"/>
                 <a:cs typeface="Courier New"/>
               </a:rPr>
-              <a:t> </a:t>
-            </a:r>
-            <a:r>
-              <a:rPr lang="en-US" sz="1200" dirty="0" smtClean="0">
-                <a:latin typeface="Courier New"/>
-                <a:cs typeface="Courier New"/>
-              </a:rPr>
-              <a:t>  public Portfolio </a:t>
-            </a:r>
-            <a:r>
-              <a:rPr lang="en-US" sz="1200" dirty="0" err="1" smtClean="0">
+              <a:t>   public Portfolio </a:t>
+            </a:r>
+            <a:r>
+              <a:rPr lang="en-US" sz="1200" dirty="0" err="1">
                 <a:solidFill>
                   <a:srgbClr val="77933C"/>
                 </a:solidFill>
@@ -12694,28 +12227,21 @@
               <a:t>accountLookup</a:t>
             </a:r>
             <a:r>
-              <a:rPr lang="en-US" sz="1200" dirty="0" smtClean="0">
-                <a:latin typeface="Courier New"/>
-                <a:cs typeface="Courier New"/>
-              </a:rPr>
-              <a:t>(String</a:t>
-            </a:r>
-            <a:r>
               <a:rPr lang="en-US" sz="1200" dirty="0">
                 <a:latin typeface="Courier New"/>
                 <a:cs typeface="Courier New"/>
               </a:rPr>
-              <a:t> </a:t>
-            </a:r>
-            <a:r>
-              <a:rPr lang="en-US" sz="1200" dirty="0" err="1" smtClean="0">
+              <a:t>(String </a:t>
+            </a:r>
+            <a:r>
+              <a:rPr lang="en-US" sz="1200" dirty="0" err="1">
                 <a:latin typeface="Courier New"/>
                 <a:cs typeface="Courier New"/>
               </a:rPr>
               <a:t>acctId</a:t>
             </a:r>
             <a:r>
-              <a:rPr lang="en-US" sz="1200" dirty="0" smtClean="0">
+              <a:rPr lang="en-US" sz="1200" dirty="0">
                 <a:latin typeface="Courier New"/>
                 <a:cs typeface="Courier New"/>
               </a:rPr>
@@ -12728,14 +12254,7 @@
                 <a:latin typeface="Courier New"/>
                 <a:cs typeface="Courier New"/>
               </a:rPr>
-              <a:t> </a:t>
-            </a:r>
-            <a:r>
-              <a:rPr lang="en-US" sz="1200" dirty="0" smtClean="0">
-                <a:latin typeface="Courier New"/>
-                <a:cs typeface="Courier New"/>
-              </a:rPr>
-              <a:t>     Portfolio p = restTemplate.getForObject(</a:t>
+              <a:t>      Portfolio p = restTemplate.getForObject(</a:t>
             </a:r>
           </a:p>
           <a:p>
@@ -12744,17 +12263,10 @@
                 <a:latin typeface="Courier New"/>
                 <a:cs typeface="Courier New"/>
               </a:rPr>
-              <a:t>	</a:t>
-            </a:r>
-            <a:r>
-              <a:rPr lang="en-US" sz="1200" dirty="0" smtClean="0">
-                <a:latin typeface="Courier New"/>
-                <a:cs typeface="Courier New"/>
-              </a:rPr>
-              <a:t>    </a:t>
-            </a:r>
-            <a:r>
-              <a:rPr lang="en-US" sz="1200" dirty="0" smtClean="0">
+              <a:t>	    </a:t>
+            </a:r>
+            <a:r>
+              <a:rPr lang="en-US" sz="1200" dirty="0">
                 <a:latin typeface="Courier New"/>
                 <a:cs typeface="Courier New"/>
                 <a:hlinkClick r:id="rId3" invalidUrl="http://portfolio-service/portfolio/{accId}"/>
@@ -12762,23 +12274,23 @@
               <a:t>“http://portfolio-service/portfolio/{</a:t>
             </a:r>
             <a:r>
-              <a:rPr lang="en-US" sz="1200" dirty="0" smtClean="0">
+              <a:rPr lang="en-US" sz="1200" dirty="0">
                 <a:latin typeface="Courier New"/>
                 <a:cs typeface="Courier New"/>
-                <a:hlinkClick r:id="rId4" invalidUrl="http://portfolio-service/portfolio/{accId}"/>
+                <a:hlinkClick r:id="rId3" invalidUrl="http://portfolio-service/portfolio/{accId}"/>
               </a:rPr>
               <a:t>acctId</a:t>
             </a:r>
             <a:r>
-              <a:rPr lang="en-US" sz="1200" dirty="0" smtClean="0">
+              <a:rPr lang="en-US" sz="1200" dirty="0">
                 <a:latin typeface="Courier New"/>
                 <a:cs typeface="Courier New"/>
-                <a:hlinkClick r:id="rId5" invalidUrl="http://portfolio-service/portfolio/{accId}"/>
+                <a:hlinkClick r:id="rId3" invalidUrl="http://portfolio-service/portfolio/{accId}"/>
               </a:rPr>
               <a:t>}</a:t>
             </a:r>
             <a:r>
-              <a:rPr lang="en-US" sz="1200" dirty="0" smtClean="0">
+              <a:rPr lang="en-US" sz="1200" dirty="0">
                 <a:latin typeface="Courier New"/>
                 <a:cs typeface="Courier New"/>
               </a:rPr>
@@ -12791,24 +12303,17 @@
                 <a:latin typeface="Courier New"/>
                 <a:cs typeface="Courier New"/>
               </a:rPr>
-              <a:t>	 </a:t>
-            </a:r>
-            <a:r>
-              <a:rPr lang="en-US" sz="1200" dirty="0" smtClean="0">
-                <a:latin typeface="Courier New"/>
-                <a:cs typeface="Courier New"/>
-              </a:rPr>
-              <a:t>   </a:t>
-            </a:r>
-            <a:r>
-              <a:rPr lang="en-US" sz="1200" dirty="0" err="1" smtClean="0">
+              <a:t>	    </a:t>
+            </a:r>
+            <a:r>
+              <a:rPr lang="en-US" sz="1200" dirty="0" err="1">
                 <a:latin typeface="Courier New"/>
                 <a:cs typeface="Courier New"/>
               </a:rPr>
               <a:t>Portfolio.class</a:t>
             </a:r>
             <a:r>
-              <a:rPr lang="en-US" sz="1200" dirty="0" smtClean="0">
+              <a:rPr lang="en-US" sz="1200" dirty="0">
                 <a:latin typeface="Courier New"/>
                 <a:cs typeface="Courier New"/>
               </a:rPr>
@@ -12821,37 +12326,26 @@
                 <a:latin typeface="Courier New"/>
                 <a:cs typeface="Courier New"/>
               </a:rPr>
-              <a:t>	</a:t>
-            </a:r>
-            <a:r>
-              <a:rPr lang="en-US" sz="1200" dirty="0" smtClean="0">
-                <a:latin typeface="Courier New"/>
-                <a:cs typeface="Courier New"/>
-              </a:rPr>
-              <a:t>    </a:t>
-            </a:r>
-            <a:r>
-              <a:rPr lang="en-US" sz="1200" dirty="0" err="1" smtClean="0">
+              <a:t>	    </a:t>
+            </a:r>
+            <a:r>
+              <a:rPr lang="en-US" sz="1200" dirty="0" err="1">
                 <a:latin typeface="Courier New"/>
                 <a:cs typeface="Courier New"/>
               </a:rPr>
               <a:t>acctId</a:t>
             </a:r>
             <a:r>
-              <a:rPr lang="en-US" sz="1200" dirty="0" smtClean="0">
+              <a:rPr lang="en-US" sz="1200" dirty="0">
                 <a:latin typeface="Courier New"/>
                 <a:cs typeface="Courier New"/>
               </a:rPr>
               <a:t>);</a:t>
             </a:r>
-            <a:endParaRPr lang="en-US" sz="1200" dirty="0">
-              <a:latin typeface="Courier New"/>
-              <a:cs typeface="Courier New"/>
-            </a:endParaRPr>
-          </a:p>
-          <a:p>
-            <a:r>
-              <a:rPr lang="en-US" sz="1200" dirty="0" smtClean="0">
+          </a:p>
+          <a:p>
+            <a:r>
+              <a:rPr lang="en-US" sz="1200" dirty="0">
                 <a:latin typeface="Courier New"/>
                 <a:cs typeface="Courier New"/>
               </a:rPr>
@@ -12860,16 +12354,12 @@
           </a:p>
           <a:p>
             <a:r>
-              <a:rPr lang="en-US" sz="1200" dirty="0" smtClean="0">
+              <a:rPr lang="en-US" sz="1200" dirty="0">
                 <a:latin typeface="Courier New"/>
                 <a:cs typeface="Courier New"/>
               </a:rPr>
               <a:t>   }</a:t>
             </a:r>
-            <a:endParaRPr lang="en-US" sz="1200" dirty="0">
-              <a:latin typeface="Courier New"/>
-              <a:cs typeface="Courier New"/>
-            </a:endParaRPr>
           </a:p>
         </p:txBody>
       </p:sp>
@@ -12896,7 +12386,7 @@
           <a:lstStyle/>
           <a:p>
             <a:r>
-              <a:rPr lang="en-US" sz="1200" b="1" dirty="0" smtClean="0">
+              <a:rPr lang="en-US" sz="1200" b="1" dirty="0">
                 <a:solidFill>
                   <a:srgbClr val="FF0000"/>
                 </a:solidFill>
@@ -12904,18 +12394,7 @@
                 <a:cs typeface="Courier New"/>
                 <a:sym typeface="Wingdings"/>
               </a:rPr>
-              <a:t> </a:t>
-            </a:r>
-            <a:r>
-              <a:rPr lang="en-US" sz="1200" b="1" dirty="0">
-                <a:solidFill>
-                  <a:srgbClr val="FF0000"/>
-                </a:solidFill>
-                <a:latin typeface="Courier New"/>
-                <a:cs typeface="Courier New"/>
-                <a:sym typeface="Wingdings"/>
-              </a:rPr>
-              <a:t>MAGIC!!</a:t>
+              <a:t> MAGIC!!</a:t>
             </a:r>
             <a:endParaRPr lang="en-US" sz="1200" b="1" dirty="0">
               <a:solidFill>
@@ -12992,7 +12471,7 @@
           <a:lstStyle/>
           <a:p>
             <a:r>
-              <a:rPr lang="en-US" sz="1200" b="1" dirty="0" smtClean="0">
+              <a:rPr lang="en-US" sz="1200" b="1" dirty="0">
                 <a:solidFill>
                   <a:srgbClr val="FF0000"/>
                 </a:solidFill>
@@ -13000,18 +12479,7 @@
                 <a:cs typeface="Courier New"/>
                 <a:sym typeface="Wingdings"/>
               </a:rPr>
-              <a:t> </a:t>
-            </a:r>
-            <a:r>
-              <a:rPr lang="en-US" sz="1200" b="1" dirty="0">
-                <a:solidFill>
-                  <a:srgbClr val="FF0000"/>
-                </a:solidFill>
-                <a:latin typeface="Courier New"/>
-                <a:cs typeface="Courier New"/>
-                <a:sym typeface="Wingdings"/>
-              </a:rPr>
-              <a:t>MAGIC!!</a:t>
+              <a:t> MAGIC!!</a:t>
             </a:r>
             <a:endParaRPr lang="en-US" sz="1200" b="1" dirty="0">
               <a:solidFill>
@@ -13074,7 +12542,7 @@
           <p:nvPr/>
         </p:nvPicPr>
         <p:blipFill>
-          <a:blip r:embed="rId6"/>
+          <a:blip r:embed="rId4"/>
           <a:stretch>
             <a:fillRect/>
           </a:stretch>
@@ -13099,14 +12567,6 @@
   <p:clrMapOvr>
     <a:masterClrMapping/>
   </p:clrMapOvr>
-  <mc:AlternateContent xmlns:mc="http://schemas.openxmlformats.org/markup-compatibility/2006" xmlns:p14="http://schemas.microsoft.com/office/powerpoint/2010/main">
-    <mc:Choice Requires="p14">
-      <p:transition spd="slow" p14:dur="2000"/>
-    </mc:Choice>
-    <mc:Fallback xmlns="">
-      <p:transition xmlns:p14="http://schemas.microsoft.com/office/powerpoint/2010/main" spd="slow"/>
-    </mc:Fallback>
-  </mc:AlternateContent>
   <p:timing>
     <p:tnLst>
       <p:par>
@@ -13308,7 +12768,7 @@
           <a:lstStyle/>
           <a:p>
             <a:r>
-              <a:rPr lang="en-US" dirty="0" smtClean="0"/>
+              <a:rPr lang="en-US" dirty="0"/>
               <a:t>Spring Cloud Services: Service Registry</a:t>
             </a:r>
             <a:endParaRPr lang="en-US" dirty="0">
@@ -13346,7 +12806,7 @@
               <a:buChar char="•"/>
             </a:pPr>
             <a:r>
-              <a:rPr lang="en-US" dirty="0" smtClean="0">
+              <a:rPr lang="en-US" dirty="0">
                 <a:solidFill>
                   <a:srgbClr val="FFFFFF"/>
                 </a:solidFill>
@@ -13354,7 +12814,7 @@
               <a:t>Automated deployment of server component</a:t>
             </a:r>
             <a:br>
-              <a:rPr lang="en-US" dirty="0" smtClean="0">
+              <a:rPr lang="en-US" dirty="0">
                 <a:solidFill>
                   <a:srgbClr val="FFFFFF"/>
                 </a:solidFill>
@@ -13372,7 +12832,7 @@
               <a:buChar char="•"/>
             </a:pPr>
             <a:r>
-              <a:rPr lang="en-US" dirty="0" smtClean="0">
+              <a:rPr lang="en-US" dirty="0">
                 <a:solidFill>
                   <a:srgbClr val="FFFFFF"/>
                 </a:solidFill>
@@ -13397,7 +12857,7 @@
               <a:buChar char="•"/>
             </a:pPr>
             <a:r>
-              <a:rPr lang="en-US" dirty="0" smtClean="0">
+              <a:rPr lang="en-US" dirty="0">
                 <a:solidFill>
                   <a:srgbClr val="FFFFFF"/>
                 </a:solidFill>
@@ -13410,7 +12870,7 @@
               <a:buFont typeface="Arial"/>
               <a:buChar char="•"/>
             </a:pPr>
-            <a:endParaRPr lang="en-US" dirty="0" smtClean="0">
+            <a:endParaRPr lang="en-US" dirty="0">
               <a:solidFill>
                 <a:srgbClr val="FFFFFF"/>
               </a:solidFill>
@@ -13422,7 +12882,7 @@
               <a:buChar char="•"/>
             </a:pPr>
             <a:r>
-              <a:rPr lang="en-US" dirty="0" smtClean="0">
+              <a:rPr lang="en-US" dirty="0">
                 <a:solidFill>
                   <a:srgbClr val="FFFFFF"/>
                 </a:solidFill>
@@ -13430,14 +12890,14 @@
               <a:t>Cloud Connectors for auto</a:t>
             </a:r>
             <a:r>
-              <a:rPr lang="en-US" smtClean="0">
+              <a:rPr lang="en-US">
                 <a:solidFill>
                   <a:srgbClr val="FFFFFF"/>
                 </a:solidFill>
               </a:rPr>
               <a:t>-reconfiguration</a:t>
             </a:r>
-            <a:endParaRPr lang="en-US" dirty="0" smtClean="0">
+            <a:endParaRPr lang="en-US" dirty="0">
               <a:solidFill>
                 <a:srgbClr val="FFFFFF"/>
               </a:solidFill>
@@ -13447,7 +12907,13 @@
       </p:sp>
       <p:pic>
         <p:nvPicPr>
-          <p:cNvPr id="4" name="Picture 3"/>
+          <p:cNvPr id="6" name="Picture 5">
+            <a:extLst>
+              <a:ext uri="{FF2B5EF4-FFF2-40B4-BE49-F238E27FC236}">
+                <a16:creationId xmlns:a16="http://schemas.microsoft.com/office/drawing/2014/main" id="{625B3ABA-E34D-3845-BC71-DC72A7E1FF79}"/>
+              </a:ext>
+            </a:extLst>
+          </p:cNvPr>
           <p:cNvPicPr>
             <a:picLocks noChangeAspect="1"/>
           </p:cNvPicPr>
@@ -13461,8 +12927,8 @@
         </p:blipFill>
         <p:spPr>
           <a:xfrm>
-            <a:off x="3711203" y="952377"/>
-            <a:ext cx="5113493" cy="3599303"/>
+            <a:off x="4678680" y="1032053"/>
+            <a:ext cx="4226247" cy="3493294"/>
           </a:xfrm>
           <a:prstGeom prst="rect">
             <a:avLst/>
@@ -13479,21 +12945,6 @@
   <p:clrMapOvr>
     <a:masterClrMapping/>
   </p:clrMapOvr>
-  <mc:AlternateContent xmlns:mc="http://schemas.openxmlformats.org/markup-compatibility/2006" xmlns:p14="http://schemas.microsoft.com/office/powerpoint/2010/main">
-    <mc:Choice Requires="p14">
-      <p:transition spd="slow" p14:dur="2000"/>
-    </mc:Choice>
-    <mc:Fallback xmlns="">
-      <p:transition xmlns:p14="http://schemas.microsoft.com/office/powerpoint/2010/main" spd="slow"/>
-    </mc:Fallback>
-  </mc:AlternateContent>
-  <p:timing>
-    <p:tnLst>
-      <p:par>
-        <p:cTn id="1" dur="indefinite" restart="never" nodeType="tmRoot"/>
-      </p:par>
-    </p:tnLst>
-  </p:timing>
 </p:sld>
 </file>
 
@@ -13530,10 +12981,9 @@
           <a:lstStyle/>
           <a:p>
             <a:r>
-              <a:rPr lang="en-US" dirty="0" smtClean="0"/>
+              <a:rPr lang="en-US" dirty="0"/>
               <a:t>Spring Cloud: Client-side Load Balancing</a:t>
             </a:r>
-            <a:endParaRPr lang="en-US" dirty="0"/>
           </a:p>
         </p:txBody>
       </p:sp>
@@ -13553,95 +13003,71 @@
           <a:lstStyle/>
           <a:p>
             <a:r>
-              <a:rPr lang="en-US" sz="1800" b="1" dirty="0" smtClean="0"/>
+              <a:rPr lang="en-US" sz="1800" b="1" dirty="0"/>
               <a:t>Eureka </a:t>
             </a:r>
             <a:r>
-              <a:rPr lang="en-US" sz="1800" b="1" i="1" u="sng" dirty="0" smtClean="0"/>
+              <a:rPr lang="en-US" sz="1800" b="1" i="1" u="sng" dirty="0"/>
               <a:t>only</a:t>
             </a:r>
             <a:r>
-              <a:rPr lang="en-US" sz="1800" b="1" dirty="0" smtClean="0"/>
+              <a:rPr lang="en-US" sz="1800" b="1" dirty="0"/>
               <a:t> provides registry + discovery</a:t>
             </a:r>
             <a:br>
-              <a:rPr lang="en-US" sz="1800" b="1" dirty="0" smtClean="0"/>
+              <a:rPr lang="en-US" sz="1800" b="1" dirty="0"/>
             </a:br>
-            <a:endParaRPr lang="en-US" sz="1800" b="1" dirty="0" smtClean="0"/>
-          </a:p>
-          <a:p>
-            <a:r>
-              <a:rPr lang="en-US" sz="1800" b="1" dirty="0" smtClean="0"/>
-              <a:t>Ribbon </a:t>
-            </a:r>
+            <a:endParaRPr lang="en-US" sz="1800" b="1" dirty="0"/>
+          </a:p>
+          <a:p>
             <a:r>
               <a:rPr lang="en-US" sz="1800" b="1" dirty="0"/>
-              <a:t>is a </a:t>
+              <a:t>Ribbon is a </a:t>
             </a:r>
             <a:r>
               <a:rPr lang="en-US" sz="1800" b="1" i="1" u="sng" dirty="0"/>
-              <a:t>client side </a:t>
-            </a:r>
-            <a:r>
-              <a:rPr lang="en-US" sz="1800" b="1" i="1" u="sng" dirty="0" smtClean="0"/>
-              <a:t>LB </a:t>
-            </a:r>
-            <a:r>
-              <a:rPr lang="en-US" sz="1800" b="1" dirty="0" smtClean="0"/>
-              <a:t>providing </a:t>
+              <a:t>client side LB </a:t>
             </a:r>
             <a:r>
               <a:rPr lang="en-US" sz="1800" b="1" dirty="0"/>
-              <a:t>control over the </a:t>
-            </a:r>
-            <a:r>
-              <a:rPr lang="en-US" sz="1800" b="1" dirty="0" smtClean="0"/>
-              <a:t>behavior </a:t>
-            </a:r>
-            <a:r>
-              <a:rPr lang="en-US" sz="1800" b="1" dirty="0"/>
-              <a:t>of HTTP and TCP </a:t>
-            </a:r>
-            <a:r>
-              <a:rPr lang="en-US" sz="1800" b="1" dirty="0" smtClean="0"/>
-              <a:t>clients</a:t>
+              <a:t>providing control over the behavior of HTTP and TCP clients</a:t>
             </a:r>
           </a:p>
           <a:p>
             <a:pPr lvl="1"/>
             <a:r>
-              <a:rPr lang="en-US" sz="1400" dirty="0" smtClean="0"/>
+              <a:rPr lang="en-US" sz="1400" dirty="0"/>
               <a:t>Pick right LB algorithm for client application + extensible algorithms</a:t>
             </a:r>
           </a:p>
           <a:p>
             <a:pPr lvl="1"/>
             <a:r>
-              <a:rPr lang="en-US" sz="1400" dirty="0" smtClean="0"/>
+              <a:rPr lang="en-US" sz="1400" dirty="0"/>
               <a:t>At least 1 less hop for client requests</a:t>
             </a:r>
           </a:p>
           <a:p>
             <a:pPr lvl="1"/>
             <a:r>
-              <a:rPr lang="en-US" sz="1400" dirty="0" smtClean="0"/>
+              <a:rPr lang="en-US" sz="1400" dirty="0"/>
               <a:t>Cloud-aware patterns (zones, circuit breakers, etc.)</a:t>
             </a:r>
           </a:p>
           <a:p>
             <a:pPr lvl="1"/>
             <a:r>
-              <a:rPr lang="en-US" sz="1400" dirty="0" smtClean="0"/>
+              <a:rPr lang="en-US" sz="1400" dirty="0"/>
               <a:t>No additional setup, just deploy apps</a:t>
             </a:r>
             <a:endParaRPr lang="en-US" sz="1800" dirty="0"/>
           </a:p>
           <a:p>
-            <a:endParaRPr lang="is-IS" sz="1800" dirty="0" smtClean="0"/>
-          </a:p>
-          <a:p>
-            <a:r>
-              <a:rPr lang="is-IS" sz="1800" b="1" dirty="0" smtClean="0"/>
+            <a:endParaRPr lang="is-IS" sz="1800" dirty="0"/>
+          </a:p>
+          <a:p>
+            <a:r>
+              <a:rPr lang="is-IS" sz="1800" b="1" dirty="0"/>
               <a:t>Zuul is JVM-based router and proxy commonly paired with Ribbon to create API gateways and reverse proxies</a:t>
             </a:r>
           </a:p>
@@ -13657,13 +13083,6 @@
   <p:clrMapOvr>
     <a:masterClrMapping/>
   </p:clrMapOvr>
-  <p:timing>
-    <p:tnLst>
-      <p:par>
-        <p:cTn id="1" dur="indefinite" restart="never" nodeType="tmRoot"/>
-      </p:par>
-    </p:tnLst>
-  </p:timing>
 </p:sld>
 </file>
 
@@ -13700,10 +13119,9 @@
           <a:lstStyle/>
           <a:p>
             <a:r>
-              <a:rPr lang="en-US" dirty="0" smtClean="0"/>
+              <a:rPr lang="en-US" dirty="0"/>
               <a:t>HOW??</a:t>
             </a:r>
-            <a:endParaRPr lang="en-US" dirty="0"/>
           </a:p>
         </p:txBody>
       </p:sp>
@@ -13736,17 +13154,10 @@
                 <a:latin typeface="Courier New"/>
                 <a:cs typeface="Courier New"/>
               </a:rPr>
-              <a:t> </a:t>
-            </a:r>
-            <a:r>
-              <a:rPr lang="en-US" sz="1200" dirty="0" smtClean="0">
-                <a:latin typeface="Courier New"/>
-                <a:cs typeface="Courier New"/>
-              </a:rPr>
-              <a:t>  public Portfolio </a:t>
-            </a:r>
-            <a:r>
-              <a:rPr lang="en-US" sz="1200" dirty="0" err="1" smtClean="0">
+              <a:t>   public Portfolio </a:t>
+            </a:r>
+            <a:r>
+              <a:rPr lang="en-US" sz="1200" dirty="0" err="1">
                 <a:solidFill>
                   <a:srgbClr val="77933C"/>
                 </a:solidFill>
@@ -13756,28 +13167,21 @@
               <a:t>accountLookup</a:t>
             </a:r>
             <a:r>
-              <a:rPr lang="en-US" sz="1200" dirty="0" smtClean="0">
-                <a:latin typeface="Courier New"/>
-                <a:cs typeface="Courier New"/>
-              </a:rPr>
-              <a:t>(String</a:t>
-            </a:r>
-            <a:r>
               <a:rPr lang="en-US" sz="1200" dirty="0">
                 <a:latin typeface="Courier New"/>
                 <a:cs typeface="Courier New"/>
               </a:rPr>
-              <a:t> </a:t>
-            </a:r>
-            <a:r>
-              <a:rPr lang="en-US" sz="1200" dirty="0" err="1" smtClean="0">
+              <a:t>(String </a:t>
+            </a:r>
+            <a:r>
+              <a:rPr lang="en-US" sz="1200" dirty="0" err="1">
                 <a:latin typeface="Courier New"/>
                 <a:cs typeface="Courier New"/>
               </a:rPr>
               <a:t>acctId</a:t>
             </a:r>
             <a:r>
-              <a:rPr lang="en-US" sz="1200" dirty="0" smtClean="0">
+              <a:rPr lang="en-US" sz="1200" dirty="0">
                 <a:latin typeface="Courier New"/>
                 <a:cs typeface="Courier New"/>
               </a:rPr>
@@ -13790,14 +13194,7 @@
                 <a:latin typeface="Courier New"/>
                 <a:cs typeface="Courier New"/>
               </a:rPr>
-              <a:t> </a:t>
-            </a:r>
-            <a:r>
-              <a:rPr lang="en-US" sz="1200" dirty="0" smtClean="0">
-                <a:latin typeface="Courier New"/>
-                <a:cs typeface="Courier New"/>
-              </a:rPr>
-              <a:t>     Portfolio p = restTemplate.getForObject(</a:t>
+              <a:t>      Portfolio p = restTemplate.getForObject(</a:t>
             </a:r>
           </a:p>
           <a:p>
@@ -13806,71 +13203,40 @@
                 <a:latin typeface="Courier New"/>
                 <a:cs typeface="Courier New"/>
               </a:rPr>
-              <a:t>	</a:t>
-            </a:r>
-            <a:r>
-              <a:rPr lang="en-US" sz="1200" dirty="0" smtClean="0">
+              <a:t>	    </a:t>
+            </a:r>
+            <a:r>
+              <a:rPr lang="en-US" sz="1200" dirty="0" err="1">
                 <a:latin typeface="Courier New"/>
                 <a:cs typeface="Courier New"/>
               </a:rPr>
-              <a:t>    </a:t>
-            </a:r>
-            <a:r>
-              <a:rPr lang="en-US" sz="1200" dirty="0" smtClean="0">
-                <a:latin typeface="Courier New"/>
-                <a:cs typeface="Courier New"/>
-                <a:hlinkClick r:id="rId3" invalidUrl="http://portfolio-service/portfolio/{accId}"/>
-              </a:rPr>
-              <a:t>“http://portfolio-service/portfolio/{</a:t>
-            </a:r>
-            <a:r>
-              <a:rPr lang="en-US" sz="1200" dirty="0" smtClean="0">
-                <a:latin typeface="Courier New"/>
-                <a:cs typeface="Courier New"/>
-                <a:hlinkClick r:id="rId4" invalidUrl="http://portfolio-service/portfolio/{accId}"/>
-              </a:rPr>
-              <a:t>acctId</a:t>
-            </a:r>
-            <a:r>
-              <a:rPr lang="en-US" sz="1200" dirty="0" smtClean="0">
-                <a:latin typeface="Courier New"/>
-                <a:cs typeface="Courier New"/>
-                <a:hlinkClick r:id="rId5" invalidUrl="http://portfolio-service/portfolio/{accId}"/>
-              </a:rPr>
-              <a:t>}</a:t>
-            </a:r>
-            <a:r>
-              <a:rPr lang="en-US" sz="1200" dirty="0" smtClean="0">
-                <a:latin typeface="Courier New"/>
-                <a:cs typeface="Courier New"/>
-              </a:rPr>
-              <a:t>”,</a:t>
-            </a:r>
-          </a:p>
-          <a:p>
+              <a:t>storesURI.toString</a:t>
+            </a:r>
             <a:r>
               <a:rPr lang="en-US" sz="1200" dirty="0">
                 <a:latin typeface="Courier New"/>
                 <a:cs typeface="Courier New"/>
               </a:rPr>
-              <a:t>	 </a:t>
-            </a:r>
-            <a:r>
-              <a:rPr lang="en-US" sz="1200" dirty="0" smtClean="0">
+              <a:t>(),</a:t>
+            </a:r>
+          </a:p>
+          <a:p>
+            <a:r>
+              <a:rPr lang="en-US" sz="1200" dirty="0">
                 <a:latin typeface="Courier New"/>
                 <a:cs typeface="Courier New"/>
               </a:rPr>
-              <a:t>   </a:t>
-            </a:r>
-            <a:r>
-              <a:rPr lang="en-US" sz="1200" dirty="0" err="1" smtClean="0">
+              <a:t>	    </a:t>
+            </a:r>
+            <a:r>
+              <a:rPr lang="en-US" sz="1200" dirty="0" err="1">
                 <a:latin typeface="Courier New"/>
                 <a:cs typeface="Courier New"/>
               </a:rPr>
               <a:t>Portfolio.class</a:t>
             </a:r>
             <a:r>
-              <a:rPr lang="en-US" sz="1200" dirty="0" smtClean="0">
+              <a:rPr lang="en-US" sz="1200" dirty="0">
                 <a:latin typeface="Courier New"/>
                 <a:cs typeface="Courier New"/>
               </a:rPr>
@@ -13883,23 +13249,12 @@
                 <a:latin typeface="Courier New"/>
                 <a:cs typeface="Courier New"/>
               </a:rPr>
-              <a:t>	</a:t>
-            </a:r>
-            <a:r>
-              <a:rPr lang="en-US" sz="1200" dirty="0" smtClean="0">
-                <a:latin typeface="Courier New"/>
-                <a:cs typeface="Courier New"/>
-              </a:rPr>
-              <a:t>    acctId);</a:t>
-            </a:r>
-            <a:endParaRPr lang="en-US" sz="1200" dirty="0">
-              <a:latin typeface="Courier New"/>
-              <a:cs typeface="Courier New"/>
-            </a:endParaRPr>
-          </a:p>
-          <a:p>
-            <a:r>
-              <a:rPr lang="en-US" sz="1200" dirty="0" smtClean="0">
+              <a:t>	    acctId);</a:t>
+            </a:r>
+          </a:p>
+          <a:p>
+            <a:r>
+              <a:rPr lang="en-US" sz="1200" dirty="0">
                 <a:latin typeface="Courier New"/>
                 <a:cs typeface="Courier New"/>
               </a:rPr>
@@ -13908,16 +13263,12 @@
           </a:p>
           <a:p>
             <a:r>
-              <a:rPr lang="en-US" sz="1200" dirty="0" smtClean="0">
+              <a:rPr lang="en-US" sz="1200" dirty="0">
                 <a:latin typeface="Courier New"/>
                 <a:cs typeface="Courier New"/>
               </a:rPr>
               <a:t>   }</a:t>
             </a:r>
-            <a:endParaRPr lang="en-US" sz="1200" dirty="0">
-              <a:latin typeface="Courier New"/>
-              <a:cs typeface="Courier New"/>
-            </a:endParaRPr>
           </a:p>
         </p:txBody>
       </p:sp>
@@ -13944,7 +13295,7 @@
           <a:lstStyle/>
           <a:p>
             <a:r>
-              <a:rPr lang="en-US" sz="1200" b="1" dirty="0" smtClean="0">
+              <a:rPr lang="en-US" sz="1200" b="1" dirty="0">
                 <a:solidFill>
                   <a:srgbClr val="FF0000"/>
                 </a:solidFill>
@@ -13952,18 +13303,7 @@
                 <a:cs typeface="Courier New"/>
                 <a:sym typeface="Wingdings"/>
               </a:rPr>
-              <a:t> </a:t>
-            </a:r>
-            <a:r>
-              <a:rPr lang="en-US" sz="1200" b="1" dirty="0">
-                <a:solidFill>
-                  <a:srgbClr val="FF0000"/>
-                </a:solidFill>
-                <a:latin typeface="Courier New"/>
-                <a:cs typeface="Courier New"/>
-                <a:sym typeface="Wingdings"/>
-              </a:rPr>
-              <a:t>MAGIC!!</a:t>
+              <a:t> MAGIC!!</a:t>
             </a:r>
             <a:endParaRPr lang="en-US" sz="1200" b="1" dirty="0">
               <a:solidFill>
@@ -14042,14 +13382,14 @@
           <a:lstStyle/>
           <a:p>
             <a:r>
-              <a:rPr lang="en-US" sz="1200" dirty="0" smtClean="0">
+              <a:rPr lang="en-US" sz="1200" dirty="0">
                 <a:latin typeface="Courier New"/>
                 <a:cs typeface="Courier New"/>
               </a:rPr>
               <a:t>  @</a:t>
             </a:r>
             <a:r>
-              <a:rPr lang="en-US" sz="1200" b="1" dirty="0" smtClean="0">
+              <a:rPr lang="en-US" sz="1200" b="1" dirty="0">
                 <a:solidFill>
                   <a:srgbClr val="FF0000"/>
                 </a:solidFill>
@@ -14059,7 +13399,7 @@
               <a:t>Autowired</a:t>
             </a:r>
             <a:r>
-              <a:rPr lang="en-US" sz="1200" dirty="0" smtClean="0">
+              <a:rPr lang="en-US" sz="1200" dirty="0">
                 <a:solidFill>
                   <a:srgbClr val="FF0000"/>
                 </a:solidFill>
@@ -14069,25 +13409,11 @@
               <a:t> </a:t>
             </a:r>
             <a:r>
-              <a:rPr lang="en-US" sz="1200" dirty="0" smtClean="0">
-                <a:latin typeface="Courier New"/>
-                <a:cs typeface="Courier New"/>
-              </a:rPr>
-              <a:t>LoadBalancerClient </a:t>
-            </a:r>
-            <a:r>
               <a:rPr lang="en-US" sz="1200" dirty="0">
                 <a:latin typeface="Courier New"/>
                 <a:cs typeface="Courier New"/>
               </a:rPr>
-              <a:t>loadBalancer</a:t>
-            </a:r>
-            <a:r>
-              <a:rPr lang="en-US" sz="1200" dirty="0" smtClean="0">
-                <a:latin typeface="Courier New"/>
-                <a:cs typeface="Courier New"/>
-              </a:rPr>
-              <a:t>;</a:t>
+              <a:t>LoadBalancerClient loadBalancer;</a:t>
             </a:r>
           </a:p>
           <a:p>
@@ -14098,18 +13424,11 @@
           </a:p>
           <a:p>
             <a:r>
-              <a:rPr lang="en-US" sz="1200" dirty="0" smtClean="0">
-                <a:latin typeface="Courier New"/>
-                <a:cs typeface="Courier New"/>
-              </a:rPr>
-              <a:t>  public </a:t>
-            </a:r>
-            <a:r>
               <a:rPr lang="en-US" sz="1200" dirty="0">
                 <a:latin typeface="Courier New"/>
                 <a:cs typeface="Courier New"/>
               </a:rPr>
-              <a:t>void </a:t>
+              <a:t>  public void </a:t>
             </a:r>
             <a:r>
               <a:rPr lang="en-US" sz="1200" dirty="0">
@@ -14126,130 +13445,46 @@
                 <a:latin typeface="Courier New"/>
                 <a:cs typeface="Courier New"/>
               </a:rPr>
-              <a:t>() </a:t>
-            </a:r>
-            <a:r>
-              <a:rPr lang="en-US" sz="1200" dirty="0" smtClean="0">
-                <a:latin typeface="Courier New"/>
-                <a:cs typeface="Courier New"/>
-              </a:rPr>
-              <a:t>{</a:t>
-            </a:r>
-          </a:p>
-          <a:p>
-            <a:r>
-              <a:rPr lang="en-US" sz="1200" dirty="0" smtClean="0">
-                <a:latin typeface="Courier New"/>
-                <a:cs typeface="Courier New"/>
-              </a:rPr>
-              <a:t>  </a:t>
-            </a:r>
+              <a:t>() {</a:t>
+            </a:r>
+          </a:p>
+          <a:p>
             <a:r>
               <a:rPr lang="en-US" sz="1200" dirty="0">
                 <a:latin typeface="Courier New"/>
                 <a:cs typeface="Courier New"/>
               </a:rPr>
-              <a:t> </a:t>
-            </a:r>
-            <a:r>
-              <a:rPr lang="en-US" sz="1200" dirty="0" smtClean="0">
-                <a:latin typeface="Courier New"/>
-                <a:cs typeface="Courier New"/>
-              </a:rPr>
-              <a:t>  ServiceInstance </a:t>
-            </a:r>
+              <a:t>     ServiceInstance instance = loadBalancer.choose("stores");</a:t>
+            </a:r>
+          </a:p>
+          <a:p>
             <a:r>
               <a:rPr lang="en-US" sz="1200" dirty="0">
                 <a:latin typeface="Courier New"/>
                 <a:cs typeface="Courier New"/>
               </a:rPr>
-              <a:t>instance = </a:t>
-            </a:r>
-            <a:r>
-              <a:rPr lang="en-US" sz="1200" dirty="0" smtClean="0">
-                <a:latin typeface="Courier New"/>
-                <a:cs typeface="Courier New"/>
-              </a:rPr>
-              <a:t>loadBalancer.choose</a:t>
-            </a:r>
+              <a:t>     URI storesUri = URI.create(String.format("http://%s:%s",</a:t>
+            </a:r>
+          </a:p>
+          <a:p>
             <a:r>
               <a:rPr lang="en-US" sz="1200" dirty="0">
                 <a:latin typeface="Courier New"/>
                 <a:cs typeface="Courier New"/>
               </a:rPr>
-              <a:t>("stores")</a:t>
-            </a:r>
-            <a:r>
-              <a:rPr lang="en-US" sz="1200" dirty="0" smtClean="0">
-                <a:latin typeface="Courier New"/>
-                <a:cs typeface="Courier New"/>
-              </a:rPr>
-              <a:t>;</a:t>
-            </a:r>
-          </a:p>
-          <a:p>
-            <a:r>
-              <a:rPr lang="en-US" sz="1200" dirty="0" smtClean="0">
-                <a:latin typeface="Courier New"/>
-                <a:cs typeface="Courier New"/>
-              </a:rPr>
-              <a:t>     URI </a:t>
-            </a:r>
+              <a:t>                        instance.getHost(), instance.getPort()));</a:t>
+            </a:r>
+          </a:p>
+          <a:p>
             <a:r>
               <a:rPr lang="en-US" sz="1200" dirty="0">
                 <a:latin typeface="Courier New"/>
                 <a:cs typeface="Courier New"/>
               </a:rPr>
-              <a:t>storesUri = URI.create(String.format("http://%s:%s"</a:t>
-            </a:r>
-            <a:r>
-              <a:rPr lang="en-US" sz="1200" dirty="0" smtClean="0">
-                <a:latin typeface="Courier New"/>
-                <a:cs typeface="Courier New"/>
-              </a:rPr>
-              <a:t>,</a:t>
-            </a:r>
-          </a:p>
-          <a:p>
-            <a:r>
-              <a:rPr lang="en-US" sz="1200" dirty="0" smtClean="0">
-                <a:latin typeface="Courier New"/>
-                <a:cs typeface="Courier New"/>
-              </a:rPr>
-              <a:t>                        instance.getHost</a:t>
+              <a:t>     </a:t>
             </a:r>
             <a:r>
               <a:rPr lang="en-US" sz="1200" dirty="0">
-                <a:latin typeface="Courier New"/>
-                <a:cs typeface="Courier New"/>
-              </a:rPr>
-              <a:t>(), instance.getPort()))</a:t>
-            </a:r>
-            <a:r>
-              <a:rPr lang="en-US" sz="1200" dirty="0" smtClean="0">
-                <a:latin typeface="Courier New"/>
-                <a:cs typeface="Courier New"/>
-              </a:rPr>
-              <a:t>;</a:t>
-            </a:r>
-          </a:p>
-          <a:p>
-            <a:r>
-              <a:rPr lang="en-US" sz="1200" dirty="0">
-                <a:latin typeface="Courier New"/>
-                <a:cs typeface="Courier New"/>
-              </a:rPr>
-              <a:t> </a:t>
-            </a:r>
-            <a:r>
-              <a:rPr lang="en-US" sz="1200" dirty="0" smtClean="0">
-                <a:latin typeface="Courier New"/>
-                <a:cs typeface="Courier New"/>
-              </a:rPr>
-              <a:t>    </a:t>
-            </a:r>
-            <a:r>
-              <a:rPr lang="en-US" sz="1200" dirty="0" smtClean="0">
                 <a:solidFill>
                   <a:schemeClr val="bg1">
                     <a:lumMod val="75000"/>
@@ -14261,7 +13496,7 @@
               <a:t>// Do some stuff</a:t>
             </a:r>
             <a:r>
-              <a:rPr lang="is-IS" sz="1200" dirty="0" smtClean="0">
+              <a:rPr lang="is-IS" sz="1200" dirty="0">
                 <a:solidFill>
                   <a:schemeClr val="bg1">
                     <a:lumMod val="75000"/>
@@ -14273,7 +13508,7 @@
               <a:t>…</a:t>
             </a:r>
             <a:r>
-              <a:rPr lang="en-US" sz="1200" dirty="0" smtClean="0">
+              <a:rPr lang="en-US" sz="1200" dirty="0">
                 <a:solidFill>
                   <a:schemeClr val="bg1">
                     <a:lumMod val="75000"/>
@@ -14287,7 +13522,7 @@
           </a:p>
           <a:p>
             <a:r>
-              <a:rPr lang="en-US" sz="1200" dirty="0" smtClean="0">
+              <a:rPr lang="en-US" sz="1200" dirty="0">
                 <a:latin typeface="Courier New"/>
                 <a:cs typeface="Courier New"/>
               </a:rPr>

--- a/presentations/103 - Intro to Spring Cloud Services/Session_7_SC_Discovery_LB.pptx
+++ b/presentations/103 - Intro to Spring Cloud Services/Session_7_SC_Discovery_LB.pptx
@@ -243,7 +243,7 @@
           <a:p>
             <a:fld id="{372E5B6B-8713-8747-AE5B-F1241B2BF5F0}" type="datetimeFigureOut">
               <a:rPr lang="en-US" smtClean="0"/>
-              <a:t>10/22/18</a:t>
+              <a:t>2/15/19</a:t>
             </a:fld>
             <a:endParaRPr lang="en-US"/>
           </a:p>
@@ -409,7 +409,7 @@
           <a:p>
             <a:fld id="{7E7B7340-DDD5-1B49-81AA-25BC4050C073}" type="datetimeFigureOut">
               <a:rPr lang="en-US" smtClean="0"/>
-              <a:t>10/22/18</a:t>
+              <a:t>2/15/19</a:t>
             </a:fld>
             <a:endParaRPr lang="en-US"/>
           </a:p>
@@ -8756,7 +8756,7 @@
 </file>
 
 <file path=ppt/slides/slide10.xml><?xml version="1.0" encoding="utf-8"?>
-<p:sld xmlns:a="http://schemas.openxmlformats.org/drawingml/2006/main" xmlns:r="http://schemas.openxmlformats.org/officeDocument/2006/relationships" xmlns:p="http://schemas.openxmlformats.org/presentationml/2006/main">
+<p:sld xmlns:a="http://schemas.openxmlformats.org/drawingml/2006/main" xmlns:r="http://schemas.openxmlformats.org/officeDocument/2006/relationships" xmlns:p="http://schemas.openxmlformats.org/presentationml/2006/main" show="0">
   <p:cSld>
     <p:spTree>
       <p:nvGrpSpPr>
@@ -12271,23 +12271,7 @@
                 <a:cs typeface="Courier New"/>
                 <a:hlinkClick r:id="rId3" invalidUrl="http://portfolio-service/portfolio/{accId}"/>
               </a:rPr>
-              <a:t>“http://portfolio-service/portfolio/{</a:t>
-            </a:r>
-            <a:r>
-              <a:rPr lang="en-US" sz="1200" dirty="0">
-                <a:latin typeface="Courier New"/>
-                <a:cs typeface="Courier New"/>
-                <a:hlinkClick r:id="rId3" invalidUrl="http://portfolio-service/portfolio/{accId}"/>
-              </a:rPr>
-              <a:t>acctId</a:t>
-            </a:r>
-            <a:r>
-              <a:rPr lang="en-US" sz="1200" dirty="0">
-                <a:latin typeface="Courier New"/>
-                <a:cs typeface="Courier New"/>
-                <a:hlinkClick r:id="rId3" invalidUrl="http://portfolio-service/portfolio/{accId}"/>
-              </a:rPr>
-              <a:t>}</a:t>
+              <a:t>“http://portfolio-service/portfolio/{acctId}</a:t>
             </a:r>
             <a:r>
               <a:rPr lang="en-US" sz="1200" dirty="0">
@@ -13127,14 +13111,14 @@
       </p:sp>
       <p:sp>
         <p:nvSpPr>
-          <p:cNvPr id="5" name="TextBox 4"/>
+          <p:cNvPr id="8" name="TextBox 7"/>
           <p:cNvSpPr txBox="1"/>
           <p:nvPr/>
         </p:nvSpPr>
         <p:spPr>
           <a:xfrm>
-            <a:off x="193040" y="3017520"/>
-            <a:ext cx="5760720" cy="1384995"/>
+            <a:off x="1398385" y="1581265"/>
+            <a:ext cx="6289040" cy="2308324"/>
           </a:xfrm>
           <a:prstGeom prst="rect">
             <a:avLst/>
@@ -13154,7 +13138,49 @@
                 <a:latin typeface="Courier New"/>
                 <a:cs typeface="Courier New"/>
               </a:rPr>
-              <a:t>   public Portfolio </a:t>
+              <a:t>  @</a:t>
+            </a:r>
+            <a:r>
+              <a:rPr lang="en-US" sz="1200" b="1" dirty="0">
+                <a:solidFill>
+                  <a:srgbClr val="FF0000"/>
+                </a:solidFill>
+                <a:latin typeface="Courier New"/>
+                <a:cs typeface="Courier New"/>
+              </a:rPr>
+              <a:t>Autowired</a:t>
+            </a:r>
+            <a:r>
+              <a:rPr lang="en-US" sz="1200" dirty="0">
+                <a:solidFill>
+                  <a:srgbClr val="FF0000"/>
+                </a:solidFill>
+                <a:latin typeface="Courier New"/>
+                <a:cs typeface="Courier New"/>
+              </a:rPr>
+              <a:t> </a:t>
+            </a:r>
+            <a:r>
+              <a:rPr lang="en-US" sz="1200" dirty="0">
+                <a:latin typeface="Courier New"/>
+                <a:cs typeface="Courier New"/>
+              </a:rPr>
+              <a:t>LoadBalancerClient loadBalancer;</a:t>
+            </a:r>
+          </a:p>
+          <a:p>
+            <a:endParaRPr lang="en-US" sz="1200" dirty="0">
+              <a:latin typeface="Courier New"/>
+              <a:cs typeface="Courier New"/>
+            </a:endParaRPr>
+          </a:p>
+          <a:p>
+            <a:r>
+              <a:rPr lang="en-US" sz="1200" dirty="0">
+                <a:latin typeface="Courier New"/>
+                <a:cs typeface="Courier New"/>
+              </a:rPr>
+              <a:t>  public void </a:t>
             </a:r>
             <a:r>
               <a:rPr lang="en-US" sz="1200" dirty="0" err="1">
@@ -13194,7 +13220,48 @@
                 <a:latin typeface="Courier New"/>
                 <a:cs typeface="Courier New"/>
               </a:rPr>
-              <a:t>      Portfolio p = restTemplate.getForObject(</a:t>
+              <a:t>     ServiceInstance instance = loadBalancer.choose("stores");</a:t>
+            </a:r>
+          </a:p>
+          <a:p>
+            <a:r>
+              <a:rPr lang="en-US" sz="1200" dirty="0">
+                <a:latin typeface="Courier New"/>
+                <a:cs typeface="Courier New"/>
+              </a:rPr>
+              <a:t>     URI storesUri = URI.create(String.format("http://%s:%s",</a:t>
+            </a:r>
+          </a:p>
+          <a:p>
+            <a:r>
+              <a:rPr lang="en-US" sz="1200" dirty="0">
+                <a:latin typeface="Courier New"/>
+                <a:cs typeface="Courier New"/>
+              </a:rPr>
+              <a:t>                        instance.getHost(), instance.getPort()));</a:t>
+            </a:r>
+          </a:p>
+          <a:p>
+            <a:r>
+              <a:rPr lang="en-US" sz="1200" dirty="0">
+                <a:latin typeface="Courier New"/>
+                <a:cs typeface="Courier New"/>
+              </a:rPr>
+              <a:t>     Portfolio p = </a:t>
+            </a:r>
+            <a:r>
+              <a:rPr lang="en-US" sz="1200" dirty="0" err="1">
+                <a:latin typeface="Courier New"/>
+                <a:cs typeface="Courier New"/>
+              </a:rPr>
+              <a:t>restTemplate.getForObject</a:t>
+            </a:r>
+            <a:r>
+              <a:rPr lang="en-US" sz="1200" dirty="0">
+                <a:latin typeface="Courier New"/>
+                <a:cs typeface="Courier New"/>
+              </a:rPr>
+              <a:t>(</a:t>
             </a:r>
           </a:p>
           <a:p>
@@ -13249,7 +13316,21 @@
                 <a:latin typeface="Courier New"/>
                 <a:cs typeface="Courier New"/>
               </a:rPr>
-              <a:t>	    acctId);</a:t>
+              <a:t>	    </a:t>
+            </a:r>
+            <a:r>
+              <a:rPr lang="en-US" sz="1200" dirty="0" err="1">
+                <a:latin typeface="Courier New"/>
+                <a:cs typeface="Courier New"/>
+              </a:rPr>
+              <a:t>acctId</a:t>
+            </a:r>
+            <a:r>
+              <a:rPr lang="en-US" sz="1200" dirty="0">
+                <a:latin typeface="Courier New"/>
+                <a:cs typeface="Courier New"/>
+              </a:rPr>
+              <a:t>);</a:t>
             </a:r>
           </a:p>
           <a:p>
@@ -13260,6 +13341,15 @@
               </a:rPr>
               <a:t>	 return p;</a:t>
             </a:r>
+            <a:endParaRPr lang="en-US" sz="1200" dirty="0">
+              <a:solidFill>
+                <a:schemeClr val="bg1">
+                  <a:lumMod val="75000"/>
+                </a:schemeClr>
+              </a:solidFill>
+              <a:latin typeface="Courier New"/>
+              <a:cs typeface="Courier New"/>
+            </a:endParaRPr>
           </a:p>
           <a:p>
             <a:r>
@@ -13267,7 +13357,7 @@
                 <a:latin typeface="Courier New"/>
                 <a:cs typeface="Courier New"/>
               </a:rPr>
-              <a:t>   }</a:t>
+              <a:t>  }</a:t>
             </a:r>
           </a:p>
         </p:txBody>
@@ -13280,8 +13370,8 @@
         </p:nvSpPr>
         <p:spPr>
           <a:xfrm>
-            <a:off x="3159760" y="3718561"/>
-            <a:ext cx="2214880" cy="461665"/>
+            <a:off x="6634479" y="1695949"/>
+            <a:ext cx="1229359" cy="461665"/>
           </a:xfrm>
           <a:prstGeom prst="rect">
             <a:avLst/>
@@ -13324,13 +13414,15 @@
       <p:cxnSp>
         <p:nvCxnSpPr>
           <p:cNvPr id="7" name="Straight Arrow Connector 6"/>
-          <p:cNvCxnSpPr/>
+          <p:cNvCxnSpPr>
+            <a:cxnSpLocks/>
+          </p:cNvCxnSpPr>
           <p:nvPr/>
         </p:nvCxnSpPr>
         <p:spPr>
-          <a:xfrm flipH="1" flipV="1">
-            <a:off x="3088640" y="3637280"/>
-            <a:ext cx="132080" cy="162560"/>
+          <a:xfrm flipH="1">
+            <a:off x="6783185" y="1953676"/>
+            <a:ext cx="169950" cy="165331"/>
           </a:xfrm>
           <a:prstGeom prst="straightConnector1">
             <a:avLst/>
@@ -13357,180 +13449,6 @@
           </a:fontRef>
         </p:style>
       </p:cxnSp>
-      <p:sp>
-        <p:nvSpPr>
-          <p:cNvPr id="8" name="TextBox 7"/>
-          <p:cNvSpPr txBox="1"/>
-          <p:nvPr/>
-        </p:nvSpPr>
-        <p:spPr>
-          <a:xfrm>
-            <a:off x="193040" y="1107440"/>
-            <a:ext cx="6289040" cy="1569660"/>
-          </a:xfrm>
-          <a:prstGeom prst="rect">
-            <a:avLst/>
-          </a:prstGeom>
-          <a:solidFill>
-            <a:schemeClr val="bg1"/>
-          </a:solidFill>
-        </p:spPr>
-        <p:txBody>
-          <a:bodyPr wrap="square" rtlCol="0">
-            <a:spAutoFit/>
-          </a:bodyPr>
-          <a:lstStyle/>
-          <a:p>
-            <a:r>
-              <a:rPr lang="en-US" sz="1200" dirty="0">
-                <a:latin typeface="Courier New"/>
-                <a:cs typeface="Courier New"/>
-              </a:rPr>
-              <a:t>  @</a:t>
-            </a:r>
-            <a:r>
-              <a:rPr lang="en-US" sz="1200" b="1" dirty="0">
-                <a:solidFill>
-                  <a:srgbClr val="FF0000"/>
-                </a:solidFill>
-                <a:latin typeface="Courier New"/>
-                <a:cs typeface="Courier New"/>
-              </a:rPr>
-              <a:t>Autowired</a:t>
-            </a:r>
-            <a:r>
-              <a:rPr lang="en-US" sz="1200" dirty="0">
-                <a:solidFill>
-                  <a:srgbClr val="FF0000"/>
-                </a:solidFill>
-                <a:latin typeface="Courier New"/>
-                <a:cs typeface="Courier New"/>
-              </a:rPr>
-              <a:t> </a:t>
-            </a:r>
-            <a:r>
-              <a:rPr lang="en-US" sz="1200" dirty="0">
-                <a:latin typeface="Courier New"/>
-                <a:cs typeface="Courier New"/>
-              </a:rPr>
-              <a:t>LoadBalancerClient loadBalancer;</a:t>
-            </a:r>
-          </a:p>
-          <a:p>
-            <a:endParaRPr lang="en-US" sz="1200" dirty="0">
-              <a:latin typeface="Courier New"/>
-              <a:cs typeface="Courier New"/>
-            </a:endParaRPr>
-          </a:p>
-          <a:p>
-            <a:r>
-              <a:rPr lang="en-US" sz="1200" dirty="0">
-                <a:latin typeface="Courier New"/>
-                <a:cs typeface="Courier New"/>
-              </a:rPr>
-              <a:t>  public void </a:t>
-            </a:r>
-            <a:r>
-              <a:rPr lang="en-US" sz="1200" dirty="0">
-                <a:solidFill>
-                  <a:srgbClr val="77933C"/>
-                </a:solidFill>
-                <a:latin typeface="Courier New"/>
-                <a:cs typeface="Courier New"/>
-              </a:rPr>
-              <a:t>doStuff</a:t>
-            </a:r>
-            <a:r>
-              <a:rPr lang="en-US" sz="1200" dirty="0">
-                <a:latin typeface="Courier New"/>
-                <a:cs typeface="Courier New"/>
-              </a:rPr>
-              <a:t>() {</a:t>
-            </a:r>
-          </a:p>
-          <a:p>
-            <a:r>
-              <a:rPr lang="en-US" sz="1200" dirty="0">
-                <a:latin typeface="Courier New"/>
-                <a:cs typeface="Courier New"/>
-              </a:rPr>
-              <a:t>     ServiceInstance instance = loadBalancer.choose("stores");</a:t>
-            </a:r>
-          </a:p>
-          <a:p>
-            <a:r>
-              <a:rPr lang="en-US" sz="1200" dirty="0">
-                <a:latin typeface="Courier New"/>
-                <a:cs typeface="Courier New"/>
-              </a:rPr>
-              <a:t>     URI storesUri = URI.create(String.format("http://%s:%s",</a:t>
-            </a:r>
-          </a:p>
-          <a:p>
-            <a:r>
-              <a:rPr lang="en-US" sz="1200" dirty="0">
-                <a:latin typeface="Courier New"/>
-                <a:cs typeface="Courier New"/>
-              </a:rPr>
-              <a:t>                        instance.getHost(), instance.getPort()));</a:t>
-            </a:r>
-          </a:p>
-          <a:p>
-            <a:r>
-              <a:rPr lang="en-US" sz="1200" dirty="0">
-                <a:latin typeface="Courier New"/>
-                <a:cs typeface="Courier New"/>
-              </a:rPr>
-              <a:t>     </a:t>
-            </a:r>
-            <a:r>
-              <a:rPr lang="en-US" sz="1200" dirty="0">
-                <a:solidFill>
-                  <a:schemeClr val="bg1">
-                    <a:lumMod val="75000"/>
-                  </a:schemeClr>
-                </a:solidFill>
-                <a:latin typeface="Courier New"/>
-                <a:cs typeface="Courier New"/>
-              </a:rPr>
-              <a:t>// Do some stuff</a:t>
-            </a:r>
-            <a:r>
-              <a:rPr lang="is-IS" sz="1200" dirty="0">
-                <a:solidFill>
-                  <a:schemeClr val="bg1">
-                    <a:lumMod val="75000"/>
-                  </a:schemeClr>
-                </a:solidFill>
-                <a:latin typeface="Courier New"/>
-                <a:cs typeface="Courier New"/>
-              </a:rPr>
-              <a:t>…</a:t>
-            </a:r>
-            <a:r>
-              <a:rPr lang="en-US" sz="1200" dirty="0">
-                <a:solidFill>
-                  <a:schemeClr val="bg1">
-                    <a:lumMod val="75000"/>
-                  </a:schemeClr>
-                </a:solidFill>
-                <a:latin typeface="Courier New"/>
-                <a:cs typeface="Courier New"/>
-              </a:rPr>
-              <a:t>          </a:t>
-            </a:r>
-          </a:p>
-          <a:p>
-            <a:r>
-              <a:rPr lang="en-US" sz="1200" dirty="0">
-                <a:latin typeface="Courier New"/>
-                <a:cs typeface="Courier New"/>
-              </a:rPr>
-              <a:t>  }</a:t>
-            </a:r>
-          </a:p>
-        </p:txBody>
-      </p:sp>
     </p:spTree>
     <p:extLst>
       <p:ext uri="{BB962C8B-B14F-4D97-AF65-F5344CB8AC3E}">
